--- a/2SEM/IES100 - Engenharia de Software I/BDD - Behavior Driven Development/apresentacao-oficial_BDD.pptx
+++ b/2SEM/IES100 - Engenharia de Software I/BDD - Behavior Driven Development/apresentacao-oficial_BDD.pptx
@@ -129,6 +129,13 @@
       </p:ext>
     </p:extLst>
   </p:cmAuthor>
+  <p:cmAuthor id="2" name="Robson Ferreira" initials="RF" lastIdx="3" clrIdx="1">
+    <p:extLst>
+      <p:ext uri="{19B8F6BF-5375-455C-9EA6-DF929625EA0E}">
+        <p15:presenceInfo xmlns:p15="http://schemas.microsoft.com/office/powerpoint/2012/main" userId="39edf95680483a88" providerId="Windows Live"/>
+      </p:ext>
+    </p:extLst>
+  </p:cmAuthor>
 </p:cmAuthorLst>
 </file>
 
@@ -147,6 +154,29 @@
 </file>
 
 <file path=ppt/comments/comment2.xml><?xml version="1.0" encoding="utf-8"?>
+<p:cmLst xmlns:a="http://schemas.openxmlformats.org/drawingml/2006/main" xmlns:r="http://schemas.openxmlformats.org/officeDocument/2006/relationships" xmlns:p="http://schemas.openxmlformats.org/presentationml/2006/main">
+  <p:cm authorId="2" dt="2019-03-27T17:46:16.219" idx="2">
+    <p:pos x="10" y="10"/>
+    <p:text>diferença deste pro TDD é que agora ao invés de nomes de métodos, os testes serão escritos em frases que descrevem o comportamento esperado pelo sistema</p:text>
+    <p:extLst>
+      <p:ext uri="{C676402C-5697-4E1C-873F-D02D1690AC5C}">
+        <p15:threadingInfo xmlns:p15="http://schemas.microsoft.com/office/powerpoint/2012/main" timeZoneBias="180"/>
+      </p:ext>
+    </p:extLst>
+  </p:cm>
+  <p:cm authorId="2" dt="2019-03-27T17:48:01.014" idx="3">
+    <p:pos x="6997" y="1221"/>
+    <p:text>cria-se primeiro, antes de tudo, os testes! Esses testes se darão a partir de histórias e cenários criados.</p:text>
+    <p:extLst>
+      <p:ext uri="{C676402C-5697-4E1C-873F-D02D1690AC5C}">
+        <p15:threadingInfo xmlns:p15="http://schemas.microsoft.com/office/powerpoint/2012/main" timeZoneBias="180"/>
+      </p:ext>
+    </p:extLst>
+  </p:cm>
+</p:cmLst>
+</file>
+
+<file path=ppt/comments/comment3.xml><?xml version="1.0" encoding="utf-8"?>
 <p:cmLst xmlns:a="http://schemas.openxmlformats.org/drawingml/2006/main" xmlns:r="http://schemas.openxmlformats.org/officeDocument/2006/relationships" xmlns:p="http://schemas.openxmlformats.org/presentationml/2006/main">
   <p:cm authorId="1" dt="2019-03-27T03:07:27.470" idx="2">
     <p:pos x="1328" y="810"/>
@@ -3406,8 +3436,21 @@
           <a:p>
             <a:r>
               <a:rPr lang="pt-BR" dirty="0"/>
-              <a:t>CAPA</a:t>
-            </a:r>
+              <a:t>BDD – </a:t>
+            </a:r>
+            <a:r>
+              <a:rPr lang="pt-BR" dirty="0" err="1"/>
+              <a:t>Behavior-Driven</a:t>
+            </a:r>
+            <a:r>
+              <a:rPr lang="pt-BR" dirty="0"/>
+              <a:t> </a:t>
+            </a:r>
+            <a:r>
+              <a:rPr lang="pt-BR" dirty="0" err="1"/>
+              <a:t>Development</a:t>
+            </a:r>
+            <a:endParaRPr lang="pt-BR" dirty="0"/>
           </a:p>
         </p:txBody>
       </p:sp>
@@ -3427,12 +3470,51 @@
             <p:ph type="subTitle" idx="1"/>
           </p:nvPr>
         </p:nvSpPr>
-        <p:spPr/>
-        <p:txBody>
-          <a:bodyPr/>
-          <a:lstStyle/>
-          <a:p>
-            <a:endParaRPr lang="pt-BR"/>
+        <p:spPr>
+          <a:xfrm>
+            <a:off x="1524000" y="3602038"/>
+            <a:ext cx="9144000" cy="2387600"/>
+          </a:xfrm>
+        </p:spPr>
+        <p:txBody>
+          <a:bodyPr>
+            <a:normAutofit/>
+          </a:bodyPr>
+          <a:lstStyle/>
+          <a:p>
+            <a:r>
+              <a:rPr lang="pt-BR" dirty="0"/>
+              <a:t>Bruno </a:t>
+            </a:r>
+            <a:r>
+              <a:rPr lang="pt-BR" dirty="0" err="1"/>
+              <a:t>Harnik</a:t>
+            </a:r>
+            <a:endParaRPr lang="pt-BR" dirty="0"/>
+          </a:p>
+          <a:p>
+            <a:r>
+              <a:rPr lang="pt-BR" dirty="0"/>
+              <a:t>Fernanda Reis</a:t>
+            </a:r>
+          </a:p>
+          <a:p>
+            <a:r>
+              <a:rPr lang="pt-BR" dirty="0"/>
+              <a:t>Luiz Fernando</a:t>
+            </a:r>
+          </a:p>
+          <a:p>
+            <a:r>
+              <a:rPr lang="pt-BR" dirty="0"/>
+              <a:t>Raquel Martins</a:t>
+            </a:r>
+          </a:p>
+          <a:p>
+            <a:r>
+              <a:rPr lang="pt-BR" dirty="0"/>
+              <a:t>Robson Ferreira</a:t>
+            </a:r>
           </a:p>
         </p:txBody>
       </p:sp>
@@ -3505,6 +3587,48 @@
             <a:r>
               <a:rPr lang="pt-BR" dirty="0"/>
               <a:t>DEFINIÇÃO DO QUE É BDD – CITAÇÃO DO AUTOR</a:t>
+            </a:r>
+          </a:p>
+        </p:txBody>
+      </p:sp>
+      <p:sp>
+        <p:nvSpPr>
+          <p:cNvPr id="2" name="CaixaDeTexto 1">
+            <a:extLst>
+              <a:ext uri="{FF2B5EF4-FFF2-40B4-BE49-F238E27FC236}">
+                <a16:creationId xmlns:a16="http://schemas.microsoft.com/office/drawing/2014/main" id="{C5887B2C-9C94-47AD-9687-747ABE7E50B0}"/>
+              </a:ext>
+            </a:extLst>
+          </p:cNvPr>
+          <p:cNvSpPr txBox="1"/>
+          <p:nvPr/>
+        </p:nvSpPr>
+        <p:spPr>
+          <a:xfrm>
+            <a:off x="958247" y="2407920"/>
+            <a:ext cx="10275505" cy="646331"/>
+          </a:xfrm>
+          <a:prstGeom prst="rect">
+            <a:avLst/>
+          </a:prstGeom>
+          <a:noFill/>
+        </p:spPr>
+        <p:txBody>
+          <a:bodyPr wrap="none" rtlCol="0">
+            <a:spAutoFit/>
+          </a:bodyPr>
+          <a:lstStyle/>
+          <a:p>
+            <a:r>
+              <a:rPr lang="pt-BR" dirty="0"/>
+              <a:t>Foi inspirado a partir do Desenvolvimento Dirigido a Teste (TDD).</a:t>
+            </a:r>
+            <a:br>
+              <a:rPr lang="pt-BR" dirty="0"/>
+            </a:br>
+            <a:r>
+              <a:rPr lang="pt-BR" dirty="0"/>
+              <a:t>Visa integrar regras de negócios especificadas pelo cliente com a linguagem de programação. (NORTH, 2006)</a:t>
             </a:r>
           </a:p>
         </p:txBody>
@@ -3736,7 +3860,7 @@
         </p:nvSpPr>
         <p:spPr>
           <a:xfrm>
-            <a:off x="8508186" y="4793689"/>
+            <a:off x="7317544" y="5616749"/>
             <a:ext cx="3249637" cy="646331"/>
           </a:xfrm>
           <a:prstGeom prst="rect">
@@ -3791,7 +3915,7 @@
         </p:nvSpPr>
         <p:spPr>
           <a:xfrm>
-            <a:off x="8942363" y="1333583"/>
+            <a:off x="8541332" y="335632"/>
             <a:ext cx="3249637" cy="923330"/>
           </a:xfrm>
           <a:prstGeom prst="rect">
@@ -3830,7 +3954,7 @@
         </p:nvSpPr>
         <p:spPr>
           <a:xfrm>
-            <a:off x="4247606" y="572871"/>
+            <a:off x="4824846" y="594919"/>
             <a:ext cx="3249637" cy="1200329"/>
           </a:xfrm>
           <a:prstGeom prst="rect">
@@ -3885,7 +4009,7 @@
         </p:nvSpPr>
         <p:spPr>
           <a:xfrm>
-            <a:off x="1530904" y="2905254"/>
+            <a:off x="2263181" y="2682670"/>
             <a:ext cx="3249637" cy="1200329"/>
           </a:xfrm>
           <a:prstGeom prst="rect">
@@ -3940,7 +4064,7 @@
         </p:nvSpPr>
         <p:spPr>
           <a:xfrm>
-            <a:off x="3478981" y="5237637"/>
+            <a:off x="3890461" y="5322038"/>
             <a:ext cx="3249637" cy="1200329"/>
           </a:xfrm>
           <a:prstGeom prst="rect">
@@ -4297,7 +4421,7 @@
         </p:blipFill>
         <p:spPr bwMode="auto">
           <a:xfrm>
-            <a:off x="4054835" y="2609974"/>
+            <a:off x="3888580" y="2609974"/>
             <a:ext cx="4082329" cy="1638051"/>
           </a:xfrm>
           <a:prstGeom prst="rect">

--- a/2SEM/IES100 - Engenharia de Software I/BDD - Behavior Driven Development/apresentacao-oficial_BDD.pptx
+++ b/2SEM/IES100 - Engenharia de Software I/BDD - Behavior Driven Development/apresentacao-oficial_BDD.pptx
@@ -129,7 +129,7 @@
       </p:ext>
     </p:extLst>
   </p:cmAuthor>
-  <p:cmAuthor id="2" name="Robson Ferreira" initials="RF" lastIdx="3" clrIdx="1">
+  <p:cmAuthor id="2" name="Robson Ferreira" initials="RF" lastIdx="22" clrIdx="1">
     <p:extLst>
       <p:ext uri="{19B8F6BF-5375-455C-9EA6-DF929625EA0E}">
         <p15:presenceInfo xmlns:p15="http://schemas.microsoft.com/office/powerpoint/2012/main" userId="39edf95680483a88" providerId="Windows Live"/>
@@ -144,6 +144,35 @@
   <p:cm authorId="1" dt="2019-03-27T01:25:56.617" idx="1">
     <p:pos x="6610" y="490"/>
     <p:text>ONDE SE ENCAIXA O BDD NO MEIO CORPORATIVO?</p:text>
+    <p:extLst>
+      <p:ext uri="{C676402C-5697-4E1C-873F-D02D1690AC5C}">
+        <p15:threadingInfo xmlns:p15="http://schemas.microsoft.com/office/powerpoint/2012/main" timeZoneBias="180"/>
+      </p:ext>
+    </p:extLst>
+  </p:cm>
+  <p:cm authorId="2" dt="2019-03-28T16:10:18.550" idx="4">
+    <p:pos x="10" y="10"/>
+    <p:text/>
+    <p:extLst>
+      <p:ext uri="{C676402C-5697-4E1C-873F-D02D1690AC5C}">
+        <p15:threadingInfo xmlns:p15="http://schemas.microsoft.com/office/powerpoint/2012/main" timeZoneBias="180"/>
+      </p:ext>
+    </p:extLst>
+  </p:cm>
+  <p:cm authorId="2" dt="2019-03-28T16:58:51.963" idx="18">
+    <p:pos x="10" y="146"/>
+    <p:text>SEGUNDA GERAÇÃO - pq é uma releitura do tdd, ddd</p:text>
+    <p:extLst>
+      <p:ext uri="{C676402C-5697-4E1C-873F-D02D1690AC5C}">
+        <p15:threadingInfo xmlns:p15="http://schemas.microsoft.com/office/powerpoint/2012/main" timeZoneBias="180">
+          <p15:parentCm authorId="2" idx="4"/>
+        </p15:threadingInfo>
+      </p:ext>
+    </p:extLst>
+  </p:cm>
+  <p:cm authorId="2" dt="2019-03-28T17:09:36.687" idx="19">
+    <p:pos x="146" y="146"/>
+    <p:text>FOCO NA COLABORAÇÃO</p:text>
     <p:extLst>
       <p:ext uri="{C676402C-5697-4E1C-873F-D02D1690AC5C}">
         <p15:threadingInfo xmlns:p15="http://schemas.microsoft.com/office/powerpoint/2012/main" timeZoneBias="180"/>
@@ -173,23 +202,177 @@
       </p:ext>
     </p:extLst>
   </p:cm>
-</p:cmLst>
-</file>
-
-<file path=ppt/comments/comment3.xml><?xml version="1.0" encoding="utf-8"?>
-<p:cmLst xmlns:a="http://schemas.openxmlformats.org/drawingml/2006/main" xmlns:r="http://schemas.openxmlformats.org/officeDocument/2006/relationships" xmlns:p="http://schemas.openxmlformats.org/presentationml/2006/main">
-  <p:cm authorId="1" dt="2019-03-27T03:07:27.470" idx="2">
-    <p:pos x="1328" y="810"/>
-    <p:text>JUNIT É DE TDD E NAO BDD</p:text>
+  <p:cm authorId="2" dt="2019-03-28T16:36:46.221" idx="8">
+    <p:pos x="146" y="146"/>
+    <p:text>as histórias são definidas EM CONJUNTO</p:text>
     <p:extLst>
       <p:ext uri="{C676402C-5697-4E1C-873F-D02D1690AC5C}">
         <p15:threadingInfo xmlns:p15="http://schemas.microsoft.com/office/powerpoint/2012/main" timeZoneBias="180"/>
       </p:ext>
     </p:extLst>
   </p:cm>
+</p:cmLst>
+</file>
+
+<file path=ppt/comments/comment3.xml><?xml version="1.0" encoding="utf-8"?>
+<p:cmLst xmlns:a="http://schemas.openxmlformats.org/drawingml/2006/main" xmlns:r="http://schemas.openxmlformats.org/officeDocument/2006/relationships" xmlns:p="http://schemas.openxmlformats.org/presentationml/2006/main">
+  <p:cm authorId="2" dt="2019-03-28T16:30:43.612" idx="5">
+    <p:pos x="10" y="10"/>
+    <p:text>Tem uma linguagem comum entre técnicos e não técnicos.</p:text>
+    <p:extLst>
+      <p:ext uri="{C676402C-5697-4E1C-873F-D02D1690AC5C}">
+        <p15:threadingInfo xmlns:p15="http://schemas.microsoft.com/office/powerpoint/2012/main" timeZoneBias="180"/>
+      </p:ext>
+    </p:extLst>
+  </p:cm>
+  <p:cm authorId="2" dt="2019-03-28T16:33:38.279" idx="6">
+    <p:pos x="146" y="146"/>
+    <p:text>Como a entrega se dá por histórias (exemplos) de comportamentos, fica fácil o entendimento para todos de como está andando o prograsso do desenvolvimento. quais valores estou entregando. Fácil corrigir, fácil entregar.</p:text>
+    <p:extLst>
+      <p:ext uri="{C676402C-5697-4E1C-873F-D02D1690AC5C}">
+        <p15:threadingInfo xmlns:p15="http://schemas.microsoft.com/office/powerpoint/2012/main" timeZoneBias="180"/>
+      </p:ext>
+    </p:extLst>
+  </p:cm>
+</p:cmLst>
+</file>
+
+<file path=ppt/comments/comment4.xml><?xml version="1.0" encoding="utf-8"?>
+<p:cmLst xmlns:a="http://schemas.openxmlformats.org/drawingml/2006/main" xmlns:r="http://schemas.openxmlformats.org/officeDocument/2006/relationships" xmlns:p="http://schemas.openxmlformats.org/presentationml/2006/main">
+  <p:cm authorId="1" dt="2019-03-27T03:07:27.470" idx="2">
+    <p:pos x="2574" y="821"/>
+    <p:text>JUNIT É DE TDD E NAO BDD</p:text>
+    <p:extLst mod="1">
+      <p:ext uri="{C676402C-5697-4E1C-873F-D02D1690AC5C}">
+        <p15:threadingInfo xmlns:p15="http://schemas.microsoft.com/office/powerpoint/2012/main" timeZoneBias="180"/>
+      </p:ext>
+    </p:extLst>
+  </p:cm>
   <p:cm authorId="1" dt="2019-03-27T03:08:31.402" idx="3">
-    <p:pos x="4012" y="1715"/>
+    <p:pos x="5855" y="689"/>
     <p:text>Framework de testes AUTOMATIZADOS - PRIMEIRO</p:text>
+    <p:extLst mod="1">
+      <p:ext uri="{C676402C-5697-4E1C-873F-D02D1690AC5C}">
+        <p15:threadingInfo xmlns:p15="http://schemas.microsoft.com/office/powerpoint/2012/main" timeZoneBias="180"/>
+      </p:ext>
+    </p:extLst>
+  </p:cm>
+</p:cmLst>
+</file>
+
+<file path=ppt/comments/comment5.xml><?xml version="1.0" encoding="utf-8"?>
+<p:cmLst xmlns:a="http://schemas.openxmlformats.org/drawingml/2006/main" xmlns:r="http://schemas.openxmlformats.org/officeDocument/2006/relationships" xmlns:p="http://schemas.openxmlformats.org/presentationml/2006/main">
+  <p:cm authorId="2" dt="2019-03-28T16:41:00.015" idx="11">
+    <p:pos x="10" y="10"/>
+    <p:text>linguagem gherkin</p:text>
+    <p:extLst>
+      <p:ext uri="{C676402C-5697-4E1C-873F-D02D1690AC5C}">
+        <p15:threadingInfo xmlns:p15="http://schemas.microsoft.com/office/powerpoint/2012/main" timeZoneBias="180"/>
+      </p:ext>
+    </p:extLst>
+  </p:cm>
+  <p:cm authorId="2" dt="2019-03-28T16:55:17.336" idx="15">
+    <p:pos x="10" y="146"/>
+    <p:text>DSL - Domain Specifc Language</p:text>
+    <p:extLst>
+      <p:ext uri="{C676402C-5697-4E1C-873F-D02D1690AC5C}">
+        <p15:threadingInfo xmlns:p15="http://schemas.microsoft.com/office/powerpoint/2012/main" timeZoneBias="180">
+          <p15:parentCm authorId="2" idx="11"/>
+        </p15:threadingInfo>
+      </p:ext>
+    </p:extLst>
+  </p:cm>
+  <p:cm authorId="2" dt="2019-03-28T17:28:36.625" idx="21">
+    <p:pos x="146" y="146"/>
+    <p:text>Dado (Given)
+O propósito do “Dado” é colocar o sistema em um estado conhecido antes que o usuário comece a interagir com o sistema. Pensando nos cenários tradicionais de teste, cada step que possui “Dado” seria uma pré-condição do caso de teste.
+Quando (When)
+O Propósito do “Quando” é descrever uma ação chave que o usuário executa, resumidamente seria qualquer ação de interação do usuário com o sistema. Comparando novamente a casos de testes tradicionais, cada “Quando” seria um step do que fazer no caso de teste.
+Então (Then)
+O “Então” visa mostrar as saidas, os resultados das ações executadas, seriam basicamente os resultados esperados em casos de testes tradicionais.</p:text>
+    <p:extLst>
+      <p:ext uri="{C676402C-5697-4E1C-873F-D02D1690AC5C}">
+        <p15:threadingInfo xmlns:p15="http://schemas.microsoft.com/office/powerpoint/2012/main" timeZoneBias="180"/>
+      </p:ext>
+    </p:extLst>
+  </p:cm>
+  <p:cm authorId="2" dt="2019-03-28T17:29:20.694" idx="22">
+    <p:pos x="282" y="282"/>
+    <p:text>Há também as palavras:
+E
+MAS</p:text>
+    <p:extLst>
+      <p:ext uri="{C676402C-5697-4E1C-873F-D02D1690AC5C}">
+        <p15:threadingInfo xmlns:p15="http://schemas.microsoft.com/office/powerpoint/2012/main" timeZoneBias="180"/>
+      </p:ext>
+    </p:extLst>
+  </p:cm>
+</p:cmLst>
+</file>
+
+<file path=ppt/comments/comment6.xml><?xml version="1.0" encoding="utf-8"?>
+<p:cmLst xmlns:a="http://schemas.openxmlformats.org/drawingml/2006/main" xmlns:r="http://schemas.openxmlformats.org/officeDocument/2006/relationships" xmlns:p="http://schemas.openxmlformats.org/presentationml/2006/main">
+  <p:cm authorId="2" dt="2019-03-28T16:39:18.174" idx="9">
+    <p:pos x="10" y="10"/>
+    <p:text>uma história é composta por uma narrativa e os cenários.</p:text>
+    <p:extLst>
+      <p:ext uri="{C676402C-5697-4E1C-873F-D02D1690AC5C}">
+        <p15:threadingInfo xmlns:p15="http://schemas.microsoft.com/office/powerpoint/2012/main" timeZoneBias="180"/>
+      </p:ext>
+    </p:extLst>
+  </p:cm>
+  <p:cm authorId="2" dt="2019-03-28T16:58:03.652" idx="17">
+    <p:pos x="10" y="146"/>
+    <p:text>EM LINGUAGEM UBÍQUA</p:text>
+    <p:extLst>
+      <p:ext uri="{C676402C-5697-4E1C-873F-D02D1690AC5C}">
+        <p15:threadingInfo xmlns:p15="http://schemas.microsoft.com/office/powerpoint/2012/main" timeZoneBias="180">
+          <p15:parentCm authorId="2" idx="9"/>
+        </p15:threadingInfo>
+      </p:ext>
+    </p:extLst>
+  </p:cm>
+  <p:cm authorId="2" dt="2019-03-28T16:39:47.971" idx="10">
+    <p:pos x="146" y="146"/>
+    <p:text>narrativa: o que o usuário vai querer na aplicação, qual valor.</p:text>
+    <p:extLst>
+      <p:ext uri="{C676402C-5697-4E1C-873F-D02D1690AC5C}">
+        <p15:threadingInfo xmlns:p15="http://schemas.microsoft.com/office/powerpoint/2012/main" timeZoneBias="180"/>
+      </p:ext>
+    </p:extLst>
+  </p:cm>
+  <p:cm authorId="2" dt="2019-03-28T16:46:28.509" idx="12">
+    <p:pos x="282" y="282"/>
+    <p:text>a história é feita pelos "TRÊS AMIGOS": BA, Dev e Tester. Um acordo sobre o valor a ser entregue.</p:text>
+    <p:extLst>
+      <p:ext uri="{C676402C-5697-4E1C-873F-D02D1690AC5C}">
+        <p15:threadingInfo xmlns:p15="http://schemas.microsoft.com/office/powerpoint/2012/main" timeZoneBias="180"/>
+      </p:ext>
+    </p:extLst>
+  </p:cm>
+  <p:cm authorId="2" dt="2019-03-28T16:51:56.433" idx="13">
+    <p:pos x="4145" y="578"/>
+    <p:text>Cenários são exemplos</p:text>
+    <p:extLst>
+      <p:ext uri="{C676402C-5697-4E1C-873F-D02D1690AC5C}">
+        <p15:threadingInfo xmlns:p15="http://schemas.microsoft.com/office/powerpoint/2012/main" timeZoneBias="180"/>
+      </p:ext>
+    </p:extLst>
+  </p:cm>
+  <p:cm authorId="2" dt="2019-03-28T16:57:45.094" idx="16">
+    <p:pos x="4145" y="714"/>
+    <p:text>cenários de USO</p:text>
+    <p:extLst>
+      <p:ext uri="{C676402C-5697-4E1C-873F-D02D1690AC5C}">
+        <p15:threadingInfo xmlns:p15="http://schemas.microsoft.com/office/powerpoint/2012/main" timeZoneBias="180">
+          <p15:parentCm authorId="2" idx="13"/>
+        </p15:threadingInfo>
+      </p:ext>
+    </p:extLst>
+  </p:cm>
+  <p:cm authorId="2" dt="2019-03-28T17:13:13.594" idx="20">
+    <p:pos x="418" y="418"/>
+    <p:text>ANtes de criar histórias e cenários, deve-se entender bem o valoooooor</p:text>
     <p:extLst>
       <p:ext uri="{C676402C-5697-4E1C-873F-D02D1690AC5C}">
         <p15:threadingInfo xmlns:p15="http://schemas.microsoft.com/office/powerpoint/2012/main" timeZoneBias="180"/>
@@ -346,7 +529,7 @@
           <a:p>
             <a:fld id="{DDBB8A5A-B2E5-43BB-958A-1A238D66F50E}" type="datetimeFigureOut">
               <a:rPr lang="pt-BR" smtClean="0"/>
-              <a:t>27/03/2019</a:t>
+              <a:t>28/03/2019</a:t>
             </a:fld>
             <a:endParaRPr lang="pt-BR"/>
           </a:p>
@@ -544,7 +727,7 @@
           <a:p>
             <a:fld id="{DDBB8A5A-B2E5-43BB-958A-1A238D66F50E}" type="datetimeFigureOut">
               <a:rPr lang="pt-BR" smtClean="0"/>
-              <a:t>27/03/2019</a:t>
+              <a:t>28/03/2019</a:t>
             </a:fld>
             <a:endParaRPr lang="pt-BR"/>
           </a:p>
@@ -752,7 +935,7 @@
           <a:p>
             <a:fld id="{DDBB8A5A-B2E5-43BB-958A-1A238D66F50E}" type="datetimeFigureOut">
               <a:rPr lang="pt-BR" smtClean="0"/>
-              <a:t>27/03/2019</a:t>
+              <a:t>28/03/2019</a:t>
             </a:fld>
             <a:endParaRPr lang="pt-BR"/>
           </a:p>
@@ -950,7 +1133,7 @@
           <a:p>
             <a:fld id="{DDBB8A5A-B2E5-43BB-958A-1A238D66F50E}" type="datetimeFigureOut">
               <a:rPr lang="pt-BR" smtClean="0"/>
-              <a:t>27/03/2019</a:t>
+              <a:t>28/03/2019</a:t>
             </a:fld>
             <a:endParaRPr lang="pt-BR"/>
           </a:p>
@@ -1225,7 +1408,7 @@
           <a:p>
             <a:fld id="{DDBB8A5A-B2E5-43BB-958A-1A238D66F50E}" type="datetimeFigureOut">
               <a:rPr lang="pt-BR" smtClean="0"/>
-              <a:t>27/03/2019</a:t>
+              <a:t>28/03/2019</a:t>
             </a:fld>
             <a:endParaRPr lang="pt-BR"/>
           </a:p>
@@ -1490,7 +1673,7 @@
           <a:p>
             <a:fld id="{DDBB8A5A-B2E5-43BB-958A-1A238D66F50E}" type="datetimeFigureOut">
               <a:rPr lang="pt-BR" smtClean="0"/>
-              <a:t>27/03/2019</a:t>
+              <a:t>28/03/2019</a:t>
             </a:fld>
             <a:endParaRPr lang="pt-BR"/>
           </a:p>
@@ -1902,7 +2085,7 @@
           <a:p>
             <a:fld id="{DDBB8A5A-B2E5-43BB-958A-1A238D66F50E}" type="datetimeFigureOut">
               <a:rPr lang="pt-BR" smtClean="0"/>
-              <a:t>27/03/2019</a:t>
+              <a:t>28/03/2019</a:t>
             </a:fld>
             <a:endParaRPr lang="pt-BR"/>
           </a:p>
@@ -2043,7 +2226,7 @@
           <a:p>
             <a:fld id="{DDBB8A5A-B2E5-43BB-958A-1A238D66F50E}" type="datetimeFigureOut">
               <a:rPr lang="pt-BR" smtClean="0"/>
-              <a:t>27/03/2019</a:t>
+              <a:t>28/03/2019</a:t>
             </a:fld>
             <a:endParaRPr lang="pt-BR"/>
           </a:p>
@@ -2156,7 +2339,7 @@
           <a:p>
             <a:fld id="{DDBB8A5A-B2E5-43BB-958A-1A238D66F50E}" type="datetimeFigureOut">
               <a:rPr lang="pt-BR" smtClean="0"/>
-              <a:t>27/03/2019</a:t>
+              <a:t>28/03/2019</a:t>
             </a:fld>
             <a:endParaRPr lang="pt-BR"/>
           </a:p>
@@ -2467,7 +2650,7 @@
           <a:p>
             <a:fld id="{DDBB8A5A-B2E5-43BB-958A-1A238D66F50E}" type="datetimeFigureOut">
               <a:rPr lang="pt-BR" smtClean="0"/>
-              <a:t>27/03/2019</a:t>
+              <a:t>28/03/2019</a:t>
             </a:fld>
             <a:endParaRPr lang="pt-BR"/>
           </a:p>
@@ -2755,7 +2938,7 @@
           <a:p>
             <a:fld id="{DDBB8A5A-B2E5-43BB-958A-1A238D66F50E}" type="datetimeFigureOut">
               <a:rPr lang="pt-BR" smtClean="0"/>
-              <a:t>27/03/2019</a:t>
+              <a:t>28/03/2019</a:t>
             </a:fld>
             <a:endParaRPr lang="pt-BR"/>
           </a:p>
@@ -2996,7 +3179,7 @@
           <a:p>
             <a:fld id="{DDBB8A5A-B2E5-43BB-958A-1A238D66F50E}" type="datetimeFigureOut">
               <a:rPr lang="pt-BR" smtClean="0"/>
-              <a:t>27/03/2019</a:t>
+              <a:t>28/03/2019</a:t>
             </a:fld>
             <a:endParaRPr lang="pt-BR"/>
           </a:p>
@@ -3570,8 +3753,8 @@
         </p:nvSpPr>
         <p:spPr>
           <a:xfrm>
-            <a:off x="1470991" y="1086678"/>
-            <a:ext cx="7977809" cy="369332"/>
+            <a:off x="1138482" y="541072"/>
+            <a:ext cx="8670536" cy="584775"/>
           </a:xfrm>
           <a:prstGeom prst="rect">
             <a:avLst/>
@@ -3585,7 +3768,7 @@
           <a:lstStyle/>
           <a:p>
             <a:r>
-              <a:rPr lang="pt-BR" dirty="0"/>
+              <a:rPr lang="pt-BR" sz="3200" dirty="0"/>
               <a:t>DEFINIÇÃO DO QUE É BDD – CITAÇÃO DO AUTOR</a:t>
             </a:r>
           </a:p>
@@ -3605,8 +3788,8 @@
         </p:nvSpPr>
         <p:spPr>
           <a:xfrm>
-            <a:off x="958247" y="2407920"/>
-            <a:ext cx="10275505" cy="646331"/>
+            <a:off x="1138482" y="5116599"/>
+            <a:ext cx="8285217" cy="1200329"/>
           </a:xfrm>
           <a:prstGeom prst="rect">
             <a:avLst/>
@@ -3620,15 +3803,385 @@
           <a:lstStyle/>
           <a:p>
             <a:r>
-              <a:rPr lang="pt-BR" dirty="0"/>
+              <a:rPr lang="pt-BR" sz="2400" dirty="0"/>
               <a:t>Foi inspirado a partir do Desenvolvimento Dirigido a Teste (TDD).</a:t>
             </a:r>
             <a:br>
-              <a:rPr lang="pt-BR" dirty="0"/>
+              <a:rPr lang="pt-BR" sz="2400" dirty="0"/>
             </a:br>
             <a:r>
-              <a:rPr lang="pt-BR" dirty="0"/>
-              <a:t>Visa integrar regras de negócios especificadas pelo cliente com a linguagem de programação. (NORTH, 2006)</a:t>
+              <a:rPr lang="pt-BR" sz="2400" dirty="0"/>
+              <a:t>Visa integrar regras de negócios especificadas pelo cliente com a </a:t>
+            </a:r>
+          </a:p>
+          <a:p>
+            <a:r>
+              <a:rPr lang="pt-BR" sz="2400" dirty="0"/>
+              <a:t>linguagem de programação. (NORTH, 2006)</a:t>
+            </a:r>
+          </a:p>
+        </p:txBody>
+      </p:sp>
+      <p:sp>
+        <p:nvSpPr>
+          <p:cNvPr id="4" name="CaixaDeTexto 3">
+            <a:extLst>
+              <a:ext uri="{FF2B5EF4-FFF2-40B4-BE49-F238E27FC236}">
+                <a16:creationId xmlns:a16="http://schemas.microsoft.com/office/drawing/2014/main" id="{B8E84949-C7A9-4818-8517-458E95A6CF35}"/>
+              </a:ext>
+            </a:extLst>
+          </p:cNvPr>
+          <p:cNvSpPr txBox="1"/>
+          <p:nvPr/>
+        </p:nvSpPr>
+        <p:spPr>
+          <a:xfrm>
+            <a:off x="1138482" y="1842689"/>
+            <a:ext cx="7723974" cy="1200329"/>
+          </a:xfrm>
+          <a:prstGeom prst="rect">
+            <a:avLst/>
+          </a:prstGeom>
+          <a:noFill/>
+        </p:spPr>
+        <p:txBody>
+          <a:bodyPr wrap="none" rtlCol="0">
+            <a:spAutoFit/>
+          </a:bodyPr>
+          <a:lstStyle/>
+          <a:p>
+            <a:r>
+              <a:rPr lang="pt-BR" sz="2400" dirty="0" err="1"/>
+              <a:t>Behaviour</a:t>
+            </a:r>
+            <a:r>
+              <a:rPr lang="pt-BR" sz="2400" dirty="0"/>
+              <a:t> </a:t>
+            </a:r>
+            <a:r>
+              <a:rPr lang="pt-BR" sz="2400" dirty="0" err="1"/>
+              <a:t>driven</a:t>
+            </a:r>
+            <a:r>
+              <a:rPr lang="pt-BR" sz="2400" dirty="0"/>
+              <a:t> </a:t>
+            </a:r>
+            <a:r>
+              <a:rPr lang="pt-BR" sz="2400" dirty="0" err="1"/>
+              <a:t>development</a:t>
+            </a:r>
+            <a:r>
+              <a:rPr lang="pt-BR" sz="2400" dirty="0"/>
+              <a:t> </a:t>
+            </a:r>
+            <a:r>
+              <a:rPr lang="pt-BR" sz="2400" dirty="0" err="1"/>
+              <a:t>is</a:t>
+            </a:r>
+            <a:r>
+              <a:rPr lang="pt-BR" sz="2400" dirty="0"/>
+              <a:t> </a:t>
+            </a:r>
+            <a:r>
+              <a:rPr lang="pt-BR" sz="2400" dirty="0" err="1"/>
+              <a:t>about</a:t>
+            </a:r>
+            <a:r>
+              <a:rPr lang="pt-BR" sz="2400" dirty="0"/>
+              <a:t> </a:t>
+            </a:r>
+            <a:r>
+              <a:rPr lang="pt-BR" sz="2400" dirty="0" err="1"/>
+              <a:t>implementing</a:t>
+            </a:r>
+            <a:r>
+              <a:rPr lang="pt-BR" sz="2400" dirty="0"/>
+              <a:t> </a:t>
+            </a:r>
+            <a:r>
+              <a:rPr lang="pt-BR" sz="2400" dirty="0" err="1"/>
+              <a:t>an</a:t>
+            </a:r>
+            <a:r>
+              <a:rPr lang="pt-BR" sz="2400" dirty="0"/>
+              <a:t> </a:t>
+            </a:r>
+          </a:p>
+          <a:p>
+            <a:r>
+              <a:rPr lang="pt-BR" sz="2400" dirty="0" err="1"/>
+              <a:t>application</a:t>
+            </a:r>
+            <a:r>
+              <a:rPr lang="pt-BR" sz="2400" dirty="0"/>
+              <a:t> </a:t>
+            </a:r>
+            <a:r>
+              <a:rPr lang="pt-BR" sz="2400" dirty="0" err="1"/>
+              <a:t>by</a:t>
+            </a:r>
+            <a:r>
+              <a:rPr lang="pt-BR" sz="2400" dirty="0"/>
+              <a:t> </a:t>
+            </a:r>
+            <a:r>
+              <a:rPr lang="pt-BR" sz="2400" dirty="0" err="1"/>
+              <a:t>describing</a:t>
+            </a:r>
+            <a:r>
+              <a:rPr lang="pt-BR" sz="2400" dirty="0"/>
+              <a:t> its </a:t>
+            </a:r>
+            <a:r>
+              <a:rPr lang="pt-BR" sz="2400" dirty="0" err="1"/>
+              <a:t>behaviour</a:t>
+            </a:r>
+            <a:r>
+              <a:rPr lang="pt-BR" sz="2400" dirty="0"/>
+              <a:t> </a:t>
+            </a:r>
+            <a:r>
+              <a:rPr lang="pt-BR" sz="2400" dirty="0" err="1"/>
+              <a:t>from</a:t>
+            </a:r>
+            <a:r>
+              <a:rPr lang="pt-BR" sz="2400" dirty="0"/>
+              <a:t> </a:t>
+            </a:r>
+            <a:r>
+              <a:rPr lang="pt-BR" sz="2400" dirty="0" err="1"/>
+              <a:t>the</a:t>
+            </a:r>
+            <a:r>
+              <a:rPr lang="pt-BR" sz="2400" dirty="0"/>
+              <a:t> perspective </a:t>
+            </a:r>
+          </a:p>
+          <a:p>
+            <a:r>
+              <a:rPr lang="pt-BR" sz="2400" dirty="0" err="1"/>
+              <a:t>of</a:t>
+            </a:r>
+            <a:r>
+              <a:rPr lang="pt-BR" sz="2400" dirty="0"/>
+              <a:t> its stakeholders (Dan North, 2003)</a:t>
+            </a:r>
+          </a:p>
+        </p:txBody>
+      </p:sp>
+      <p:sp>
+        <p:nvSpPr>
+          <p:cNvPr id="5" name="CaixaDeTexto 4">
+            <a:extLst>
+              <a:ext uri="{FF2B5EF4-FFF2-40B4-BE49-F238E27FC236}">
+                <a16:creationId xmlns:a16="http://schemas.microsoft.com/office/drawing/2014/main" id="{61D571E0-7E6F-4DFE-AEF4-3D6AC7478383}"/>
+              </a:ext>
+            </a:extLst>
+          </p:cNvPr>
+          <p:cNvSpPr txBox="1"/>
+          <p:nvPr/>
+        </p:nvSpPr>
+        <p:spPr>
+          <a:xfrm>
+            <a:off x="1138482" y="3170188"/>
+            <a:ext cx="9593845" cy="1569660"/>
+          </a:xfrm>
+          <a:prstGeom prst="rect">
+            <a:avLst/>
+          </a:prstGeom>
+          <a:noFill/>
+        </p:spPr>
+        <p:txBody>
+          <a:bodyPr wrap="none" rtlCol="0">
+            <a:spAutoFit/>
+          </a:bodyPr>
+          <a:lstStyle/>
+          <a:p>
+            <a:r>
+              <a:rPr lang="pt-BR" sz="2400" dirty="0"/>
+              <a:t>BDD </a:t>
+            </a:r>
+            <a:r>
+              <a:rPr lang="pt-BR" sz="2400" dirty="0" err="1"/>
+              <a:t>is</a:t>
+            </a:r>
+            <a:r>
+              <a:rPr lang="pt-BR" sz="2400" dirty="0"/>
+              <a:t> a </a:t>
+            </a:r>
+            <a:r>
+              <a:rPr lang="pt-BR" sz="2400" dirty="0" err="1"/>
+              <a:t>second-generation</a:t>
+            </a:r>
+            <a:r>
+              <a:rPr lang="pt-BR" sz="2400" dirty="0"/>
+              <a:t>, </a:t>
+            </a:r>
+            <a:r>
+              <a:rPr lang="pt-BR" sz="2400" dirty="0" err="1"/>
+              <a:t>outside</a:t>
+            </a:r>
+            <a:r>
+              <a:rPr lang="pt-BR" sz="2400" dirty="0"/>
+              <a:t>-in, </a:t>
+            </a:r>
+            <a:r>
+              <a:rPr lang="pt-BR" sz="2400" dirty="0" err="1"/>
+              <a:t>pull-based</a:t>
+            </a:r>
+            <a:r>
+              <a:rPr lang="pt-BR" sz="2400" dirty="0"/>
+              <a:t>, </a:t>
+            </a:r>
+            <a:r>
+              <a:rPr lang="pt-BR" sz="2400" dirty="0" err="1"/>
+              <a:t>multiple</a:t>
+            </a:r>
+            <a:r>
+              <a:rPr lang="pt-BR" sz="2400" dirty="0"/>
+              <a:t>-stakeholder, </a:t>
+            </a:r>
+          </a:p>
+          <a:p>
+            <a:r>
+              <a:rPr lang="pt-BR" sz="2400" dirty="0" err="1"/>
+              <a:t>multiple-scale</a:t>
+            </a:r>
+            <a:r>
+              <a:rPr lang="pt-BR" sz="2400" dirty="0"/>
+              <a:t>, high-</a:t>
+            </a:r>
+            <a:r>
+              <a:rPr lang="pt-BR" sz="2400" dirty="0" err="1"/>
+              <a:t>automation</a:t>
+            </a:r>
+            <a:r>
+              <a:rPr lang="pt-BR" sz="2400" dirty="0"/>
+              <a:t>, </a:t>
+            </a:r>
+            <a:r>
+              <a:rPr lang="pt-BR" sz="2400" dirty="0" err="1"/>
+              <a:t>agile</a:t>
+            </a:r>
+            <a:r>
+              <a:rPr lang="pt-BR" sz="2400" dirty="0"/>
+              <a:t> </a:t>
+            </a:r>
+            <a:r>
+              <a:rPr lang="pt-BR" sz="2400" dirty="0" err="1"/>
+              <a:t>methodology</a:t>
+            </a:r>
+            <a:r>
+              <a:rPr lang="pt-BR" sz="2400" dirty="0"/>
+              <a:t>. It </a:t>
+            </a:r>
+            <a:r>
+              <a:rPr lang="pt-BR" sz="2400" dirty="0" err="1"/>
+              <a:t>describes</a:t>
+            </a:r>
+            <a:r>
+              <a:rPr lang="pt-BR" sz="2400" dirty="0"/>
+              <a:t> a </a:t>
+            </a:r>
+            <a:r>
+              <a:rPr lang="pt-BR" sz="2400" dirty="0" err="1"/>
+              <a:t>cycle</a:t>
+            </a:r>
+            <a:r>
+              <a:rPr lang="pt-BR" sz="2400" dirty="0"/>
+              <a:t> </a:t>
+            </a:r>
+            <a:r>
+              <a:rPr lang="pt-BR" sz="2400" dirty="0" err="1"/>
+              <a:t>of</a:t>
+            </a:r>
+            <a:r>
+              <a:rPr lang="pt-BR" sz="2400" dirty="0"/>
+              <a:t> </a:t>
+            </a:r>
+          </a:p>
+          <a:p>
+            <a:r>
+              <a:rPr lang="pt-BR" sz="2400" dirty="0" err="1"/>
+              <a:t>interactions</a:t>
+            </a:r>
+            <a:r>
+              <a:rPr lang="pt-BR" sz="2400" dirty="0"/>
+              <a:t> </a:t>
+            </a:r>
+            <a:r>
+              <a:rPr lang="pt-BR" sz="2400" dirty="0" err="1"/>
+              <a:t>with</a:t>
+            </a:r>
+            <a:r>
+              <a:rPr lang="pt-BR" sz="2400" dirty="0"/>
+              <a:t> </a:t>
+            </a:r>
+            <a:r>
+              <a:rPr lang="pt-BR" sz="2400" dirty="0" err="1"/>
+              <a:t>well-defined</a:t>
+            </a:r>
+            <a:r>
+              <a:rPr lang="pt-BR" sz="2400" dirty="0"/>
+              <a:t> outputs, </a:t>
+            </a:r>
+            <a:r>
+              <a:rPr lang="pt-BR" sz="2400" dirty="0" err="1"/>
+              <a:t>resulting</a:t>
+            </a:r>
+            <a:r>
+              <a:rPr lang="pt-BR" sz="2400" dirty="0"/>
+              <a:t> in </a:t>
+            </a:r>
+            <a:r>
+              <a:rPr lang="pt-BR" sz="2400" dirty="0" err="1"/>
+              <a:t>the</a:t>
+            </a:r>
+            <a:r>
+              <a:rPr lang="pt-BR" sz="2400" dirty="0"/>
+              <a:t> delivery </a:t>
+            </a:r>
+            <a:r>
+              <a:rPr lang="pt-BR" sz="2400" dirty="0" err="1"/>
+              <a:t>of</a:t>
+            </a:r>
+            <a:r>
+              <a:rPr lang="pt-BR" sz="2400" dirty="0"/>
+              <a:t> </a:t>
+            </a:r>
+            <a:r>
+              <a:rPr lang="pt-BR" sz="2400" dirty="0" err="1"/>
+              <a:t>working</a:t>
+            </a:r>
+            <a:r>
+              <a:rPr lang="pt-BR" sz="2400" dirty="0"/>
+              <a:t>, </a:t>
+            </a:r>
+          </a:p>
+          <a:p>
+            <a:r>
+              <a:rPr lang="pt-BR" sz="2400" dirty="0" err="1"/>
+              <a:t>tested</a:t>
+            </a:r>
+            <a:r>
+              <a:rPr lang="pt-BR" sz="2400" dirty="0"/>
+              <a:t> software </a:t>
+            </a:r>
+            <a:r>
+              <a:rPr lang="pt-BR" sz="2400" dirty="0" err="1"/>
+              <a:t>that</a:t>
+            </a:r>
+            <a:r>
+              <a:rPr lang="pt-BR" sz="2400" dirty="0"/>
+              <a:t> </a:t>
+            </a:r>
+            <a:r>
+              <a:rPr lang="pt-BR" sz="2400" dirty="0" err="1"/>
+              <a:t>matters</a:t>
+            </a:r>
+            <a:r>
+              <a:rPr lang="pt-BR" sz="2400" dirty="0"/>
+              <a:t>. (Dan North, 2009)</a:t>
             </a:r>
           </a:p>
         </p:txBody>
@@ -3671,6 +4224,41 @@
           <a:chExt cx="0" cy="0"/>
         </a:xfrm>
       </p:grpSpPr>
+      <p:pic>
+        <p:nvPicPr>
+          <p:cNvPr id="3" name="Imagem 2">
+            <a:extLst>
+              <a:ext uri="{FF2B5EF4-FFF2-40B4-BE49-F238E27FC236}">
+                <a16:creationId xmlns:a16="http://schemas.microsoft.com/office/drawing/2014/main" id="{4E003F74-E124-4974-835C-C18A17FC08CC}"/>
+              </a:ext>
+            </a:extLst>
+          </p:cNvPr>
+          <p:cNvPicPr>
+            <a:picLocks noChangeAspect="1"/>
+          </p:cNvPicPr>
+          <p:nvPr/>
+        </p:nvPicPr>
+        <p:blipFill rotWithShape="1">
+          <a:blip r:embed="rId2">
+            <a:extLst>
+              <a:ext uri="{28A0092B-C50C-407E-A947-70E740481C1C}">
+                <a14:useLocalDpi xmlns:a14="http://schemas.microsoft.com/office/drawing/2010/main" val="0"/>
+              </a:ext>
+            </a:extLst>
+          </a:blip>
+          <a:srcRect r="1" b="237"/>
+          <a:stretch/>
+        </p:blipFill>
+        <p:spPr>
+          <a:xfrm>
+            <a:off x="2909454" y="559135"/>
+            <a:ext cx="8338127" cy="5739730"/>
+          </a:xfrm>
+          <a:prstGeom prst="rect">
+            <a:avLst/>
+          </a:prstGeom>
+        </p:spPr>
+      </p:pic>
       <p:sp>
         <p:nvSpPr>
           <p:cNvPr id="6" name="CaixaDeTexto 5">
@@ -3685,7 +4273,7 @@
         </p:nvSpPr>
         <p:spPr>
           <a:xfrm>
-            <a:off x="640080" y="2074363"/>
+            <a:off x="307573" y="3886542"/>
             <a:ext cx="2752354" cy="2709275"/>
           </a:xfrm>
           <a:prstGeom prst="ellipse">
@@ -3737,41 +4325,6 @@
           </a:p>
         </p:txBody>
       </p:sp>
-      <p:pic>
-        <p:nvPicPr>
-          <p:cNvPr id="3" name="Imagem 2">
-            <a:extLst>
-              <a:ext uri="{FF2B5EF4-FFF2-40B4-BE49-F238E27FC236}">
-                <a16:creationId xmlns:a16="http://schemas.microsoft.com/office/drawing/2014/main" id="{4E003F74-E124-4974-835C-C18A17FC08CC}"/>
-              </a:ext>
-            </a:extLst>
-          </p:cNvPr>
-          <p:cNvPicPr>
-            <a:picLocks noChangeAspect="1"/>
-          </p:cNvPicPr>
-          <p:nvPr/>
-        </p:nvPicPr>
-        <p:blipFill rotWithShape="1">
-          <a:blip r:embed="rId2">
-            <a:extLst>
-              <a:ext uri="{28A0092B-C50C-407E-A947-70E740481C1C}">
-                <a14:useLocalDpi xmlns:a14="http://schemas.microsoft.com/office/drawing/2010/main" val="0"/>
-              </a:ext>
-            </a:extLst>
-          </a:blip>
-          <a:srcRect r="1" b="237"/>
-          <a:stretch/>
-        </p:blipFill>
-        <p:spPr>
-          <a:xfrm>
-            <a:off x="4051068" y="961812"/>
-            <a:ext cx="7163263" cy="4930987"/>
-          </a:xfrm>
-          <a:prstGeom prst="rect">
-            <a:avLst/>
-          </a:prstGeom>
-        </p:spPr>
-      </p:pic>
     </p:spTree>
     <p:extLst>
       <p:ext uri="{BB962C8B-B14F-4D97-AF65-F5344CB8AC3E}">
@@ -3954,7 +4507,7 @@
         </p:nvSpPr>
         <p:spPr>
           <a:xfrm>
-            <a:off x="4824846" y="594919"/>
+            <a:off x="4857519" y="728260"/>
             <a:ext cx="3249637" cy="1200329"/>
           </a:xfrm>
           <a:prstGeom prst="rect">
@@ -4064,7 +4617,7 @@
         </p:nvSpPr>
         <p:spPr>
           <a:xfrm>
-            <a:off x="3890461" y="5322038"/>
+            <a:off x="3887999" y="5529575"/>
             <a:ext cx="3249637" cy="1200329"/>
           </a:xfrm>
           <a:prstGeom prst="rect">
@@ -4223,8 +4776,8 @@
         </p:nvSpPr>
         <p:spPr>
           <a:xfrm>
-            <a:off x="1208394" y="580037"/>
-            <a:ext cx="1912255" cy="369332"/>
+            <a:off x="1491027" y="1010479"/>
+            <a:ext cx="2479461" cy="461665"/>
           </a:xfrm>
           <a:prstGeom prst="rect">
             <a:avLst/>
@@ -4238,7 +4791,7 @@
           <a:lstStyle/>
           <a:p>
             <a:r>
-              <a:rPr lang="pt-BR" dirty="0"/>
+              <a:rPr lang="pt-BR" sz="2400" dirty="0"/>
               <a:t>Vantagens do BDD</a:t>
             </a:r>
           </a:p>
@@ -4324,7 +4877,7 @@
         </p:nvSpPr>
         <p:spPr>
           <a:xfrm>
-            <a:off x="1208394" y="580037"/>
+            <a:off x="1141893" y="567102"/>
             <a:ext cx="2248821" cy="369332"/>
           </a:xfrm>
           <a:prstGeom prst="rect">
@@ -4374,7 +4927,7 @@
         </p:blipFill>
         <p:spPr bwMode="auto">
           <a:xfrm>
-            <a:off x="790215" y="580037"/>
+            <a:off x="2668892" y="1118529"/>
             <a:ext cx="2163163" cy="2163163"/>
           </a:xfrm>
           <a:prstGeom prst="rect">
@@ -4421,7 +4974,7 @@
         </p:blipFill>
         <p:spPr bwMode="auto">
           <a:xfrm>
-            <a:off x="3888580" y="2609974"/>
+            <a:off x="7047830" y="1388109"/>
             <a:ext cx="4082329" cy="1638051"/>
           </a:xfrm>
           <a:prstGeom prst="rect">
@@ -4468,7 +5021,7 @@
         </p:blipFill>
         <p:spPr bwMode="auto">
           <a:xfrm>
-            <a:off x="164074" y="5194395"/>
+            <a:off x="2567528" y="4015215"/>
             <a:ext cx="3093475" cy="1079494"/>
           </a:xfrm>
           <a:prstGeom prst="rect">
@@ -4515,7 +5068,7 @@
         </p:blipFill>
         <p:spPr bwMode="auto">
           <a:xfrm>
-            <a:off x="4188185" y="5358483"/>
+            <a:off x="6931385" y="4354964"/>
             <a:ext cx="3948979" cy="824512"/>
           </a:xfrm>
           <a:prstGeom prst="rect">
@@ -4892,6 +5445,46 @@
           </a:p>
         </p:txBody>
       </p:sp>
+      <p:sp>
+        <p:nvSpPr>
+          <p:cNvPr id="2" name="CaixaDeTexto 1">
+            <a:extLst>
+              <a:ext uri="{FF2B5EF4-FFF2-40B4-BE49-F238E27FC236}">
+                <a16:creationId xmlns:a16="http://schemas.microsoft.com/office/drawing/2014/main" id="{49F40F67-9439-4971-A209-E3E9A7FF87C6}"/>
+              </a:ext>
+            </a:extLst>
+          </p:cNvPr>
+          <p:cNvSpPr txBox="1"/>
+          <p:nvPr/>
+        </p:nvSpPr>
+        <p:spPr>
+          <a:xfrm>
+            <a:off x="8569780" y="703446"/>
+            <a:ext cx="2599430" cy="461665"/>
+          </a:xfrm>
+          <a:prstGeom prst="rect">
+            <a:avLst/>
+          </a:prstGeom>
+          <a:noFill/>
+        </p:spPr>
+        <p:txBody>
+          <a:bodyPr wrap="none" rtlCol="0">
+            <a:spAutoFit/>
+          </a:bodyPr>
+          <a:lstStyle/>
+          <a:p>
+            <a:r>
+              <a:rPr lang="pt-BR" sz="2400" dirty="0"/>
+              <a:t>Linguagem </a:t>
+            </a:r>
+            <a:r>
+              <a:rPr lang="pt-BR" sz="2400" dirty="0" err="1"/>
+              <a:t>Gherkin</a:t>
+            </a:r>
+            <a:endParaRPr lang="pt-BR" sz="2400" dirty="0"/>
+          </a:p>
+        </p:txBody>
+      </p:sp>
     </p:spTree>
     <p:extLst>
       <p:ext uri="{BB962C8B-B14F-4D97-AF65-F5344CB8AC3E}">
@@ -5070,7 +5663,7 @@
         </p:nvSpPr>
         <p:spPr>
           <a:xfrm>
-            <a:off x="640079" y="329971"/>
+            <a:off x="108073" y="329971"/>
             <a:ext cx="2750235" cy="2516360"/>
           </a:xfrm>
           <a:prstGeom prst="ellipse">
@@ -5138,8 +5731,8 @@
         </p:blipFill>
         <p:spPr>
           <a:xfrm>
-            <a:off x="2315296" y="3873052"/>
-            <a:ext cx="7192718" cy="1958227"/>
+            <a:off x="2426407" y="4011670"/>
+            <a:ext cx="9242783" cy="2516360"/>
           </a:xfrm>
           <a:prstGeom prst="rect">
             <a:avLst/>
@@ -5168,14 +5761,75 @@
         </p:blipFill>
         <p:spPr>
           <a:xfrm>
-            <a:off x="6316394" y="783288"/>
-            <a:ext cx="4091733" cy="2089133"/>
+            <a:off x="6856322" y="987986"/>
+            <a:ext cx="5227605" cy="2669080"/>
           </a:xfrm>
           <a:prstGeom prst="rect">
             <a:avLst/>
           </a:prstGeom>
         </p:spPr>
       </p:pic>
+      <p:sp>
+        <p:nvSpPr>
+          <p:cNvPr id="2" name="CaixaDeTexto 1">
+            <a:extLst>
+              <a:ext uri="{FF2B5EF4-FFF2-40B4-BE49-F238E27FC236}">
+                <a16:creationId xmlns:a16="http://schemas.microsoft.com/office/drawing/2014/main" id="{3B78B3F3-4E0A-4DE5-92FE-6000487AAE41}"/>
+              </a:ext>
+            </a:extLst>
+          </p:cNvPr>
+          <p:cNvSpPr txBox="1"/>
+          <p:nvPr/>
+        </p:nvSpPr>
+        <p:spPr>
+          <a:xfrm>
+            <a:off x="3091603" y="387822"/>
+            <a:ext cx="3843745" cy="1200329"/>
+          </a:xfrm>
+          <a:prstGeom prst="rect">
+            <a:avLst/>
+          </a:prstGeom>
+          <a:noFill/>
+        </p:spPr>
+        <p:txBody>
+          <a:bodyPr wrap="none" rtlCol="0">
+            <a:spAutoFit/>
+          </a:bodyPr>
+          <a:lstStyle/>
+          <a:p>
+            <a:r>
+              <a:rPr lang="pt-BR" sz="2400" b="1" dirty="0"/>
+              <a:t>Para: </a:t>
+            </a:r>
+            <a:r>
+              <a:rPr lang="pt-BR" sz="2400" dirty="0"/>
+              <a:t>ter dinheiro na carteira</a:t>
+            </a:r>
+            <a:br>
+              <a:rPr lang="pt-BR" sz="2400" dirty="0"/>
+            </a:br>
+            <a:r>
+              <a:rPr lang="pt-BR" sz="2400" b="1" dirty="0"/>
+              <a:t>Como: </a:t>
+            </a:r>
+            <a:r>
+              <a:rPr lang="pt-BR" sz="2400" dirty="0"/>
+              <a:t>Cliente de banco</a:t>
+            </a:r>
+            <a:br>
+              <a:rPr lang="pt-BR" sz="2400" dirty="0"/>
+            </a:br>
+            <a:r>
+              <a:rPr lang="pt-BR" sz="2400" b="1" dirty="0"/>
+              <a:t>Eu quero: </a:t>
+            </a:r>
+            <a:r>
+              <a:rPr lang="pt-BR" sz="2400" dirty="0"/>
+              <a:t>retirar dinheiro</a:t>
+            </a:r>
+          </a:p>
+        </p:txBody>
+      </p:sp>
     </p:spTree>
     <p:extLst>
       <p:ext uri="{BB962C8B-B14F-4D97-AF65-F5344CB8AC3E}">
@@ -5220,8 +5874,8 @@
         </p:nvSpPr>
         <p:spPr>
           <a:xfrm>
-            <a:off x="2875722" y="2080591"/>
-            <a:ext cx="1358064" cy="646331"/>
+            <a:off x="1695478" y="783805"/>
+            <a:ext cx="1748620" cy="830997"/>
           </a:xfrm>
           <a:prstGeom prst="rect">
             <a:avLst/>
@@ -5235,12 +5889,76 @@
           <a:lstStyle/>
           <a:p>
             <a:r>
-              <a:rPr lang="pt-BR" dirty="0"/>
+              <a:rPr lang="pt-BR" sz="2400" dirty="0"/>
               <a:t>CONCLUSAO</a:t>
             </a:r>
           </a:p>
           <a:p>
-            <a:endParaRPr lang="pt-BR" dirty="0"/>
+            <a:endParaRPr lang="pt-BR" sz="2400" dirty="0"/>
+          </a:p>
+        </p:txBody>
+      </p:sp>
+      <p:sp>
+        <p:nvSpPr>
+          <p:cNvPr id="3" name="CaixaDeTexto 2">
+            <a:extLst>
+              <a:ext uri="{FF2B5EF4-FFF2-40B4-BE49-F238E27FC236}">
+                <a16:creationId xmlns:a16="http://schemas.microsoft.com/office/drawing/2014/main" id="{D1E3A84E-D30B-4476-B8B1-E35B737AA56D}"/>
+              </a:ext>
+            </a:extLst>
+          </p:cNvPr>
+          <p:cNvSpPr txBox="1"/>
+          <p:nvPr/>
+        </p:nvSpPr>
+        <p:spPr>
+          <a:xfrm>
+            <a:off x="1429789" y="2644170"/>
+            <a:ext cx="8887498" cy="1569660"/>
+          </a:xfrm>
+          <a:prstGeom prst="rect">
+            <a:avLst/>
+          </a:prstGeom>
+          <a:noFill/>
+        </p:spPr>
+        <p:txBody>
+          <a:bodyPr wrap="none" rtlCol="0">
+            <a:spAutoFit/>
+          </a:bodyPr>
+          <a:lstStyle/>
+          <a:p>
+            <a:r>
+              <a:rPr lang="pt-BR" sz="2400" dirty="0"/>
+              <a:t>- Foco no valor que é entregue ao usuário (comportamento esperado)</a:t>
+            </a:r>
+            <a:br>
+              <a:rPr lang="pt-BR" sz="2400" dirty="0"/>
+            </a:br>
+            <a:r>
+              <a:rPr lang="pt-BR" sz="2400" dirty="0"/>
+              <a:t>- Desenvolvimento coletivo de histórias de testes</a:t>
+            </a:r>
+            <a:br>
+              <a:rPr lang="pt-BR" sz="2400" dirty="0"/>
+            </a:br>
+            <a:r>
+              <a:rPr lang="pt-BR" sz="2400" dirty="0"/>
+              <a:t>- Linguagem Ubíqua (todos entendem)</a:t>
+            </a:r>
+            <a:br>
+              <a:rPr lang="pt-BR" sz="2400" dirty="0"/>
+            </a:br>
+            <a:r>
+              <a:rPr lang="pt-BR" sz="2400" dirty="0"/>
+              <a:t>- No </a:t>
+            </a:r>
+            <a:r>
+              <a:rPr lang="pt-BR" sz="2400" dirty="0" err="1"/>
+              <a:t>waste</a:t>
+            </a:r>
+            <a:r>
+              <a:rPr lang="pt-BR" sz="2400" dirty="0"/>
+              <a:t> (apenas o necessário, nem mais, nem menos)</a:t>
+            </a:r>
           </a:p>
         </p:txBody>
       </p:sp>

--- a/2SEM/IES100 - Engenharia de Software I/BDD - Behavior Driven Development/apresentacao-oficial_BDD.pptx
+++ b/2SEM/IES100 - Engenharia de Software I/BDD - Behavior Driven Development/apresentacao-oficial_BDD.pptx
@@ -10,9 +10,9 @@
     <p:sldId id="259" r:id="rId4"/>
     <p:sldId id="260" r:id="rId5"/>
     <p:sldId id="263" r:id="rId6"/>
-    <p:sldId id="265" r:id="rId7"/>
-    <p:sldId id="264" r:id="rId8"/>
-    <p:sldId id="258" r:id="rId9"/>
+    <p:sldId id="264" r:id="rId7"/>
+    <p:sldId id="258" r:id="rId8"/>
+    <p:sldId id="265" r:id="rId9"/>
     <p:sldId id="262" r:id="rId10"/>
   </p:sldIdLst>
   <p:sldSz cx="12192000" cy="6858000"/>
@@ -227,8 +227,8 @@
   </p:cm>
   <p:cm authorId="2" dt="2019-03-28T16:33:38.279" idx="6">
     <p:pos x="146" y="146"/>
-    <p:text>Como a entrega se dá por histórias (exemplos) de comportamentos, fica fácil o entendimento para todos de como está andando o prograsso do desenvolvimento. quais valores estou entregando. Fácil corrigir, fácil entregar.</p:text>
-    <p:extLst>
+    <p:text>Como a entrega se dá por histórias/cenários (exemplos) de comportamentos, fica fácil o entendimento para todos de como está andando o prograsso do desenvolvimento. quais valores estou entregando. Fácil corrigir, fácil entregar.</p:text>
+    <p:extLst mod="1">
       <p:ext uri="{C676402C-5697-4E1C-873F-D02D1690AC5C}">
         <p15:threadingInfo xmlns:p15="http://schemas.microsoft.com/office/powerpoint/2012/main" timeZoneBias="180"/>
       </p:ext>
@@ -238,29 +238,6 @@
 </file>
 
 <file path=ppt/comments/comment4.xml><?xml version="1.0" encoding="utf-8"?>
-<p:cmLst xmlns:a="http://schemas.openxmlformats.org/drawingml/2006/main" xmlns:r="http://schemas.openxmlformats.org/officeDocument/2006/relationships" xmlns:p="http://schemas.openxmlformats.org/presentationml/2006/main">
-  <p:cm authorId="1" dt="2019-03-27T03:07:27.470" idx="2">
-    <p:pos x="2574" y="821"/>
-    <p:text>JUNIT É DE TDD E NAO BDD</p:text>
-    <p:extLst mod="1">
-      <p:ext uri="{C676402C-5697-4E1C-873F-D02D1690AC5C}">
-        <p15:threadingInfo xmlns:p15="http://schemas.microsoft.com/office/powerpoint/2012/main" timeZoneBias="180"/>
-      </p:ext>
-    </p:extLst>
-  </p:cm>
-  <p:cm authorId="1" dt="2019-03-27T03:08:31.402" idx="3">
-    <p:pos x="5855" y="689"/>
-    <p:text>Framework de testes AUTOMATIZADOS - PRIMEIRO</p:text>
-    <p:extLst mod="1">
-      <p:ext uri="{C676402C-5697-4E1C-873F-D02D1690AC5C}">
-        <p15:threadingInfo xmlns:p15="http://schemas.microsoft.com/office/powerpoint/2012/main" timeZoneBias="180"/>
-      </p:ext>
-    </p:extLst>
-  </p:cm>
-</p:cmLst>
-</file>
-
-<file path=ppt/comments/comment5.xml><?xml version="1.0" encoding="utf-8"?>
 <p:cmLst xmlns:a="http://schemas.openxmlformats.org/drawingml/2006/main" xmlns:r="http://schemas.openxmlformats.org/officeDocument/2006/relationships" xmlns:p="http://schemas.openxmlformats.org/presentationml/2006/main">
   <p:cm authorId="2" dt="2019-03-28T16:41:00.015" idx="11">
     <p:pos x="10" y="10"/>
@@ -310,7 +287,7 @@
 </p:cmLst>
 </file>
 
-<file path=ppt/comments/comment6.xml><?xml version="1.0" encoding="utf-8"?>
+<file path=ppt/comments/comment5.xml><?xml version="1.0" encoding="utf-8"?>
 <p:cmLst xmlns:a="http://schemas.openxmlformats.org/drawingml/2006/main" xmlns:r="http://schemas.openxmlformats.org/officeDocument/2006/relationships" xmlns:p="http://schemas.openxmlformats.org/presentationml/2006/main">
   <p:cm authorId="2" dt="2019-03-28T16:39:18.174" idx="9">
     <p:pos x="10" y="10"/>
@@ -374,6 +351,29 @@
     <p:pos x="418" y="418"/>
     <p:text>ANtes de criar histórias e cenários, deve-se entender bem o valoooooor</p:text>
     <p:extLst>
+      <p:ext uri="{C676402C-5697-4E1C-873F-D02D1690AC5C}">
+        <p15:threadingInfo xmlns:p15="http://schemas.microsoft.com/office/powerpoint/2012/main" timeZoneBias="180"/>
+      </p:ext>
+    </p:extLst>
+  </p:cm>
+</p:cmLst>
+</file>
+
+<file path=ppt/comments/comment6.xml><?xml version="1.0" encoding="utf-8"?>
+<p:cmLst xmlns:a="http://schemas.openxmlformats.org/drawingml/2006/main" xmlns:r="http://schemas.openxmlformats.org/officeDocument/2006/relationships" xmlns:p="http://schemas.openxmlformats.org/presentationml/2006/main">
+  <p:cm authorId="1" dt="2019-03-27T03:07:27.470" idx="2">
+    <p:pos x="2574" y="821"/>
+    <p:text>JUNIT É DE TDD E NAO BDD</p:text>
+    <p:extLst mod="1">
+      <p:ext uri="{C676402C-5697-4E1C-873F-D02D1690AC5C}">
+        <p15:threadingInfo xmlns:p15="http://schemas.microsoft.com/office/powerpoint/2012/main" timeZoneBias="180"/>
+      </p:ext>
+    </p:extLst>
+  </p:cm>
+  <p:cm authorId="1" dt="2019-03-27T03:08:31.402" idx="3">
+    <p:pos x="5855" y="689"/>
+    <p:text>Framework de testes AUTOMATIZADOS - PRIMEIRO</p:text>
+    <p:extLst mod="1">
       <p:ext uri="{C676402C-5697-4E1C-873F-D02D1690AC5C}">
         <p15:threadingInfo xmlns:p15="http://schemas.microsoft.com/office/powerpoint/2012/main" timeZoneBias="180"/>
       </p:ext>
@@ -3788,7 +3788,7 @@
         </p:nvSpPr>
         <p:spPr>
           <a:xfrm>
-            <a:off x="1138482" y="5116599"/>
+            <a:off x="1166251" y="2011988"/>
             <a:ext cx="8285217" cy="1200329"/>
           </a:xfrm>
           <a:prstGeom prst="rect">
@@ -3836,7 +3836,7 @@
         </p:nvSpPr>
         <p:spPr>
           <a:xfrm>
-            <a:off x="1138482" y="1842689"/>
+            <a:off x="1138482" y="3401667"/>
             <a:ext cx="7723974" cy="1200329"/>
           </a:xfrm>
           <a:prstGeom prst="rect">
@@ -3983,7 +3983,7 @@
         </p:nvSpPr>
         <p:spPr>
           <a:xfrm>
-            <a:off x="1138482" y="3170188"/>
+            <a:off x="1138482" y="4729166"/>
             <a:ext cx="9593845" cy="1569660"/>
           </a:xfrm>
           <a:prstGeom prst="rect">
@@ -4251,8 +4251,8 @@
         </p:blipFill>
         <p:spPr>
           <a:xfrm>
-            <a:off x="2909454" y="559135"/>
-            <a:ext cx="8338127" cy="5739730"/>
+            <a:off x="2399791" y="394243"/>
+            <a:ext cx="8974973" cy="6178117"/>
           </a:xfrm>
           <a:prstGeom prst="rect">
             <a:avLst/>
@@ -4543,7 +4543,7 @@
                   <a:srgbClr val="FFFF00"/>
                 </a:highlight>
               </a:rPr>
-              <a:t> elaboram os requerimentos em conjunto.</a:t>
+              <a:t> elaboram os requisitos em conjunto.</a:t>
             </a:r>
           </a:p>
         </p:txBody>
@@ -4617,7 +4617,7 @@
         </p:nvSpPr>
         <p:spPr>
           <a:xfrm>
-            <a:off x="3887999" y="5529575"/>
+            <a:off x="3783058" y="5529575"/>
             <a:ext cx="3249637" cy="1200329"/>
           </a:xfrm>
           <a:prstGeom prst="rect">
@@ -4865,259 +4865,6 @@
       </p:grpSpPr>
       <p:sp>
         <p:nvSpPr>
-          <p:cNvPr id="2" name="CaixaDeTexto 1">
-            <a:extLst>
-              <a:ext uri="{FF2B5EF4-FFF2-40B4-BE49-F238E27FC236}">
-                <a16:creationId xmlns:a16="http://schemas.microsoft.com/office/drawing/2014/main" id="{00CBF329-EA38-49BC-9550-7E844439E576}"/>
-              </a:ext>
-            </a:extLst>
-          </p:cNvPr>
-          <p:cNvSpPr txBox="1"/>
-          <p:nvPr/>
-        </p:nvSpPr>
-        <p:spPr>
-          <a:xfrm>
-            <a:off x="1141893" y="567102"/>
-            <a:ext cx="2248821" cy="369332"/>
-          </a:xfrm>
-          <a:prstGeom prst="rect">
-            <a:avLst/>
-          </a:prstGeom>
-          <a:noFill/>
-        </p:spPr>
-        <p:txBody>
-          <a:bodyPr wrap="none" rtlCol="0">
-            <a:spAutoFit/>
-          </a:bodyPr>
-          <a:lstStyle/>
-          <a:p>
-            <a:r>
-              <a:rPr lang="pt-BR" dirty="0"/>
-              <a:t>Principais frameworks</a:t>
-            </a:r>
-          </a:p>
-        </p:txBody>
-      </p:sp>
-      <p:pic>
-        <p:nvPicPr>
-          <p:cNvPr id="1026" name="Picture 2" descr="Image result for junit">
-            <a:extLst>
-              <a:ext uri="{FF2B5EF4-FFF2-40B4-BE49-F238E27FC236}">
-                <a16:creationId xmlns:a16="http://schemas.microsoft.com/office/drawing/2014/main" id="{210E0170-945E-4467-BE19-3FFD39402CA3}"/>
-              </a:ext>
-            </a:extLst>
-          </p:cNvPr>
-          <p:cNvPicPr>
-            <a:picLocks noChangeAspect="1" noChangeArrowheads="1"/>
-          </p:cNvPicPr>
-          <p:nvPr/>
-        </p:nvPicPr>
-        <p:blipFill>
-          <a:blip r:embed="rId2">
-            <a:extLst>
-              <a:ext uri="{28A0092B-C50C-407E-A947-70E740481C1C}">
-                <a14:useLocalDpi xmlns:a14="http://schemas.microsoft.com/office/drawing/2010/main" val="0"/>
-              </a:ext>
-            </a:extLst>
-          </a:blip>
-          <a:srcRect/>
-          <a:stretch>
-            <a:fillRect/>
-          </a:stretch>
-        </p:blipFill>
-        <p:spPr bwMode="auto">
-          <a:xfrm>
-            <a:off x="2668892" y="1118529"/>
-            <a:ext cx="2163163" cy="2163163"/>
-          </a:xfrm>
-          <a:prstGeom prst="rect">
-            <a:avLst/>
-          </a:prstGeom>
-          <a:noFill/>
-          <a:extLst>
-            <a:ext uri="{909E8E84-426E-40DD-AFC4-6F175D3DCCD1}">
-              <a14:hiddenFill xmlns:a14="http://schemas.microsoft.com/office/drawing/2010/main">
-                <a:solidFill>
-                  <a:srgbClr val="FFFFFF"/>
-                </a:solidFill>
-              </a14:hiddenFill>
-            </a:ext>
-          </a:extLst>
-        </p:spPr>
-      </p:pic>
-      <p:pic>
-        <p:nvPicPr>
-          <p:cNvPr id="1028" name="Picture 4" descr="Related image">
-            <a:extLst>
-              <a:ext uri="{FF2B5EF4-FFF2-40B4-BE49-F238E27FC236}">
-                <a16:creationId xmlns:a16="http://schemas.microsoft.com/office/drawing/2014/main" id="{AACA42D0-1759-464C-B040-7264E8B73933}"/>
-              </a:ext>
-            </a:extLst>
-          </p:cNvPr>
-          <p:cNvPicPr>
-            <a:picLocks noChangeAspect="1" noChangeArrowheads="1"/>
-          </p:cNvPicPr>
-          <p:nvPr/>
-        </p:nvPicPr>
-        <p:blipFill>
-          <a:blip r:embed="rId3">
-            <a:extLst>
-              <a:ext uri="{28A0092B-C50C-407E-A947-70E740481C1C}">
-                <a14:useLocalDpi xmlns:a14="http://schemas.microsoft.com/office/drawing/2010/main" val="0"/>
-              </a:ext>
-            </a:extLst>
-          </a:blip>
-          <a:srcRect/>
-          <a:stretch>
-            <a:fillRect/>
-          </a:stretch>
-        </p:blipFill>
-        <p:spPr bwMode="auto">
-          <a:xfrm>
-            <a:off x="7047830" y="1388109"/>
-            <a:ext cx="4082329" cy="1638051"/>
-          </a:xfrm>
-          <a:prstGeom prst="rect">
-            <a:avLst/>
-          </a:prstGeom>
-          <a:noFill/>
-          <a:extLst>
-            <a:ext uri="{909E8E84-426E-40DD-AFC4-6F175D3DCCD1}">
-              <a14:hiddenFill xmlns:a14="http://schemas.microsoft.com/office/drawing/2010/main">
-                <a:solidFill>
-                  <a:srgbClr val="FFFFFF"/>
-                </a:solidFill>
-              </a14:hiddenFill>
-            </a:ext>
-          </a:extLst>
-        </p:spPr>
-      </p:pic>
-      <p:pic>
-        <p:nvPicPr>
-          <p:cNvPr id="1030" name="Picture 6" descr="Image result for cucumber test">
-            <a:extLst>
-              <a:ext uri="{FF2B5EF4-FFF2-40B4-BE49-F238E27FC236}">
-                <a16:creationId xmlns:a16="http://schemas.microsoft.com/office/drawing/2014/main" id="{D74336CA-777E-4CC5-B924-6BE97DB4F781}"/>
-              </a:ext>
-            </a:extLst>
-          </p:cNvPr>
-          <p:cNvPicPr>
-            <a:picLocks noChangeAspect="1" noChangeArrowheads="1"/>
-          </p:cNvPicPr>
-          <p:nvPr/>
-        </p:nvPicPr>
-        <p:blipFill>
-          <a:blip r:embed="rId4">
-            <a:extLst>
-              <a:ext uri="{28A0092B-C50C-407E-A947-70E740481C1C}">
-                <a14:useLocalDpi xmlns:a14="http://schemas.microsoft.com/office/drawing/2010/main" val="0"/>
-              </a:ext>
-            </a:extLst>
-          </a:blip>
-          <a:srcRect/>
-          <a:stretch>
-            <a:fillRect/>
-          </a:stretch>
-        </p:blipFill>
-        <p:spPr bwMode="auto">
-          <a:xfrm>
-            <a:off x="2567528" y="4015215"/>
-            <a:ext cx="3093475" cy="1079494"/>
-          </a:xfrm>
-          <a:prstGeom prst="rect">
-            <a:avLst/>
-          </a:prstGeom>
-          <a:noFill/>
-          <a:extLst>
-            <a:ext uri="{909E8E84-426E-40DD-AFC4-6F175D3DCCD1}">
-              <a14:hiddenFill xmlns:a14="http://schemas.microsoft.com/office/drawing/2010/main">
-                <a:solidFill>
-                  <a:srgbClr val="FFFFFF"/>
-                </a:solidFill>
-              </a14:hiddenFill>
-            </a:ext>
-          </a:extLst>
-        </p:spPr>
-      </p:pic>
-      <p:pic>
-        <p:nvPicPr>
-          <p:cNvPr id="1032" name="Picture 8" descr="Image result for serenity bdd">
-            <a:extLst>
-              <a:ext uri="{FF2B5EF4-FFF2-40B4-BE49-F238E27FC236}">
-                <a16:creationId xmlns:a16="http://schemas.microsoft.com/office/drawing/2014/main" id="{F075C001-374D-4C4D-A91E-47F77814F015}"/>
-              </a:ext>
-            </a:extLst>
-          </p:cNvPr>
-          <p:cNvPicPr>
-            <a:picLocks noChangeAspect="1" noChangeArrowheads="1"/>
-          </p:cNvPicPr>
-          <p:nvPr/>
-        </p:nvPicPr>
-        <p:blipFill>
-          <a:blip r:embed="rId5">
-            <a:extLst>
-              <a:ext uri="{28A0092B-C50C-407E-A947-70E740481C1C}">
-                <a14:useLocalDpi xmlns:a14="http://schemas.microsoft.com/office/drawing/2010/main" val="0"/>
-              </a:ext>
-            </a:extLst>
-          </a:blip>
-          <a:srcRect/>
-          <a:stretch>
-            <a:fillRect/>
-          </a:stretch>
-        </p:blipFill>
-        <p:spPr bwMode="auto">
-          <a:xfrm>
-            <a:off x="6931385" y="4354964"/>
-            <a:ext cx="3948979" cy="824512"/>
-          </a:xfrm>
-          <a:prstGeom prst="rect">
-            <a:avLst/>
-          </a:prstGeom>
-          <a:noFill/>
-          <a:extLst>
-            <a:ext uri="{909E8E84-426E-40DD-AFC4-6F175D3DCCD1}">
-              <a14:hiddenFill xmlns:a14="http://schemas.microsoft.com/office/drawing/2010/main">
-                <a:solidFill>
-                  <a:srgbClr val="FFFFFF"/>
-                </a:solidFill>
-              </a14:hiddenFill>
-            </a:ext>
-          </a:extLst>
-        </p:spPr>
-      </p:pic>
-    </p:spTree>
-    <p:extLst>
-      <p:ext uri="{BB962C8B-B14F-4D97-AF65-F5344CB8AC3E}">
-        <p14:creationId xmlns:p14="http://schemas.microsoft.com/office/powerpoint/2010/main" val="3513663916"/>
-      </p:ext>
-    </p:extLst>
-  </p:cSld>
-  <p:clrMapOvr>
-    <a:masterClrMapping/>
-  </p:clrMapOvr>
-</p:sld>
-</file>
-
-<file path=ppt/slides/slide7.xml><?xml version="1.0" encoding="utf-8"?>
-<p:sld xmlns:a="http://schemas.openxmlformats.org/drawingml/2006/main" xmlns:r="http://schemas.openxmlformats.org/officeDocument/2006/relationships" xmlns:p="http://schemas.openxmlformats.org/presentationml/2006/main">
-  <p:cSld>
-    <p:spTree>
-      <p:nvGrpSpPr>
-        <p:cNvPr id="1" name=""/>
-        <p:cNvGrpSpPr/>
-        <p:nvPr/>
-      </p:nvGrpSpPr>
-      <p:grpSpPr>
-        <a:xfrm>
-          <a:off x="0" y="0"/>
-          <a:ext cx="0" cy="0"/>
-          <a:chOff x="0" y="0"/>
-          <a:chExt cx="0" cy="0"/>
-        </a:xfrm>
-      </p:grpSpPr>
-      <p:sp>
-        <p:nvSpPr>
           <p:cNvPr id="3" name="CaixaDeTexto 2">
             <a:extLst>
               <a:ext uri="{FF2B5EF4-FFF2-40B4-BE49-F238E27FC236}">
@@ -5498,7 +5245,7 @@
 </p:sld>
 </file>
 
-<file path=ppt/slides/slide8.xml><?xml version="1.0" encoding="utf-8"?>
+<file path=ppt/slides/slide7.xml><?xml version="1.0" encoding="utf-8"?>
 <p:sld xmlns:a="http://schemas.openxmlformats.org/drawingml/2006/main" xmlns:r="http://schemas.openxmlformats.org/officeDocument/2006/relationships" xmlns:p="http://schemas.openxmlformats.org/presentationml/2006/main">
   <p:cSld>
     <p:bg>
@@ -5834,6 +5581,259 @@
     <p:extLst>
       <p:ext uri="{BB962C8B-B14F-4D97-AF65-F5344CB8AC3E}">
         <p14:creationId xmlns:p14="http://schemas.microsoft.com/office/powerpoint/2010/main" val="2370024133"/>
+      </p:ext>
+    </p:extLst>
+  </p:cSld>
+  <p:clrMapOvr>
+    <a:masterClrMapping/>
+  </p:clrMapOvr>
+</p:sld>
+</file>
+
+<file path=ppt/slides/slide8.xml><?xml version="1.0" encoding="utf-8"?>
+<p:sld xmlns:a="http://schemas.openxmlformats.org/drawingml/2006/main" xmlns:r="http://schemas.openxmlformats.org/officeDocument/2006/relationships" xmlns:p="http://schemas.openxmlformats.org/presentationml/2006/main">
+  <p:cSld>
+    <p:spTree>
+      <p:nvGrpSpPr>
+        <p:cNvPr id="1" name=""/>
+        <p:cNvGrpSpPr/>
+        <p:nvPr/>
+      </p:nvGrpSpPr>
+      <p:grpSpPr>
+        <a:xfrm>
+          <a:off x="0" y="0"/>
+          <a:ext cx="0" cy="0"/>
+          <a:chOff x="0" y="0"/>
+          <a:chExt cx="0" cy="0"/>
+        </a:xfrm>
+      </p:grpSpPr>
+      <p:sp>
+        <p:nvSpPr>
+          <p:cNvPr id="2" name="CaixaDeTexto 1">
+            <a:extLst>
+              <a:ext uri="{FF2B5EF4-FFF2-40B4-BE49-F238E27FC236}">
+                <a16:creationId xmlns:a16="http://schemas.microsoft.com/office/drawing/2014/main" id="{00CBF329-EA38-49BC-9550-7E844439E576}"/>
+              </a:ext>
+            </a:extLst>
+          </p:cNvPr>
+          <p:cNvSpPr txBox="1"/>
+          <p:nvPr/>
+        </p:nvSpPr>
+        <p:spPr>
+          <a:xfrm>
+            <a:off x="1141893" y="567102"/>
+            <a:ext cx="2248821" cy="369332"/>
+          </a:xfrm>
+          <a:prstGeom prst="rect">
+            <a:avLst/>
+          </a:prstGeom>
+          <a:noFill/>
+        </p:spPr>
+        <p:txBody>
+          <a:bodyPr wrap="none" rtlCol="0">
+            <a:spAutoFit/>
+          </a:bodyPr>
+          <a:lstStyle/>
+          <a:p>
+            <a:r>
+              <a:rPr lang="pt-BR" dirty="0"/>
+              <a:t>Principais frameworks</a:t>
+            </a:r>
+          </a:p>
+        </p:txBody>
+      </p:sp>
+      <p:pic>
+        <p:nvPicPr>
+          <p:cNvPr id="1026" name="Picture 2" descr="Image result for junit">
+            <a:extLst>
+              <a:ext uri="{FF2B5EF4-FFF2-40B4-BE49-F238E27FC236}">
+                <a16:creationId xmlns:a16="http://schemas.microsoft.com/office/drawing/2014/main" id="{210E0170-945E-4467-BE19-3FFD39402CA3}"/>
+              </a:ext>
+            </a:extLst>
+          </p:cNvPr>
+          <p:cNvPicPr>
+            <a:picLocks noChangeAspect="1" noChangeArrowheads="1"/>
+          </p:cNvPicPr>
+          <p:nvPr/>
+        </p:nvPicPr>
+        <p:blipFill>
+          <a:blip r:embed="rId2">
+            <a:extLst>
+              <a:ext uri="{28A0092B-C50C-407E-A947-70E740481C1C}">
+                <a14:useLocalDpi xmlns:a14="http://schemas.microsoft.com/office/drawing/2010/main" val="0"/>
+              </a:ext>
+            </a:extLst>
+          </a:blip>
+          <a:srcRect/>
+          <a:stretch>
+            <a:fillRect/>
+          </a:stretch>
+        </p:blipFill>
+        <p:spPr bwMode="auto">
+          <a:xfrm>
+            <a:off x="2668892" y="1118529"/>
+            <a:ext cx="2163163" cy="2163163"/>
+          </a:xfrm>
+          <a:prstGeom prst="rect">
+            <a:avLst/>
+          </a:prstGeom>
+          <a:noFill/>
+          <a:extLst>
+            <a:ext uri="{909E8E84-426E-40DD-AFC4-6F175D3DCCD1}">
+              <a14:hiddenFill xmlns:a14="http://schemas.microsoft.com/office/drawing/2010/main">
+                <a:solidFill>
+                  <a:srgbClr val="FFFFFF"/>
+                </a:solidFill>
+              </a14:hiddenFill>
+            </a:ext>
+          </a:extLst>
+        </p:spPr>
+      </p:pic>
+      <p:pic>
+        <p:nvPicPr>
+          <p:cNvPr id="1028" name="Picture 4" descr="Related image">
+            <a:extLst>
+              <a:ext uri="{FF2B5EF4-FFF2-40B4-BE49-F238E27FC236}">
+                <a16:creationId xmlns:a16="http://schemas.microsoft.com/office/drawing/2014/main" id="{AACA42D0-1759-464C-B040-7264E8B73933}"/>
+              </a:ext>
+            </a:extLst>
+          </p:cNvPr>
+          <p:cNvPicPr>
+            <a:picLocks noChangeAspect="1" noChangeArrowheads="1"/>
+          </p:cNvPicPr>
+          <p:nvPr/>
+        </p:nvPicPr>
+        <p:blipFill>
+          <a:blip r:embed="rId3">
+            <a:extLst>
+              <a:ext uri="{28A0092B-C50C-407E-A947-70E740481C1C}">
+                <a14:useLocalDpi xmlns:a14="http://schemas.microsoft.com/office/drawing/2010/main" val="0"/>
+              </a:ext>
+            </a:extLst>
+          </a:blip>
+          <a:srcRect/>
+          <a:stretch>
+            <a:fillRect/>
+          </a:stretch>
+        </p:blipFill>
+        <p:spPr bwMode="auto">
+          <a:xfrm>
+            <a:off x="7047830" y="1388109"/>
+            <a:ext cx="4082329" cy="1638051"/>
+          </a:xfrm>
+          <a:prstGeom prst="rect">
+            <a:avLst/>
+          </a:prstGeom>
+          <a:noFill/>
+          <a:extLst>
+            <a:ext uri="{909E8E84-426E-40DD-AFC4-6F175D3DCCD1}">
+              <a14:hiddenFill xmlns:a14="http://schemas.microsoft.com/office/drawing/2010/main">
+                <a:solidFill>
+                  <a:srgbClr val="FFFFFF"/>
+                </a:solidFill>
+              </a14:hiddenFill>
+            </a:ext>
+          </a:extLst>
+        </p:spPr>
+      </p:pic>
+      <p:pic>
+        <p:nvPicPr>
+          <p:cNvPr id="1030" name="Picture 6" descr="Image result for cucumber test">
+            <a:extLst>
+              <a:ext uri="{FF2B5EF4-FFF2-40B4-BE49-F238E27FC236}">
+                <a16:creationId xmlns:a16="http://schemas.microsoft.com/office/drawing/2014/main" id="{D74336CA-777E-4CC5-B924-6BE97DB4F781}"/>
+              </a:ext>
+            </a:extLst>
+          </p:cNvPr>
+          <p:cNvPicPr>
+            <a:picLocks noChangeAspect="1" noChangeArrowheads="1"/>
+          </p:cNvPicPr>
+          <p:nvPr/>
+        </p:nvPicPr>
+        <p:blipFill>
+          <a:blip r:embed="rId4">
+            <a:extLst>
+              <a:ext uri="{28A0092B-C50C-407E-A947-70E740481C1C}">
+                <a14:useLocalDpi xmlns:a14="http://schemas.microsoft.com/office/drawing/2010/main" val="0"/>
+              </a:ext>
+            </a:extLst>
+          </a:blip>
+          <a:srcRect/>
+          <a:stretch>
+            <a:fillRect/>
+          </a:stretch>
+        </p:blipFill>
+        <p:spPr bwMode="auto">
+          <a:xfrm>
+            <a:off x="2567528" y="4015215"/>
+            <a:ext cx="3093475" cy="1079494"/>
+          </a:xfrm>
+          <a:prstGeom prst="rect">
+            <a:avLst/>
+          </a:prstGeom>
+          <a:noFill/>
+          <a:extLst>
+            <a:ext uri="{909E8E84-426E-40DD-AFC4-6F175D3DCCD1}">
+              <a14:hiddenFill xmlns:a14="http://schemas.microsoft.com/office/drawing/2010/main">
+                <a:solidFill>
+                  <a:srgbClr val="FFFFFF"/>
+                </a:solidFill>
+              </a14:hiddenFill>
+            </a:ext>
+          </a:extLst>
+        </p:spPr>
+      </p:pic>
+      <p:pic>
+        <p:nvPicPr>
+          <p:cNvPr id="1032" name="Picture 8" descr="Image result for serenity bdd">
+            <a:extLst>
+              <a:ext uri="{FF2B5EF4-FFF2-40B4-BE49-F238E27FC236}">
+                <a16:creationId xmlns:a16="http://schemas.microsoft.com/office/drawing/2014/main" id="{F075C001-374D-4C4D-A91E-47F77814F015}"/>
+              </a:ext>
+            </a:extLst>
+          </p:cNvPr>
+          <p:cNvPicPr>
+            <a:picLocks noChangeAspect="1" noChangeArrowheads="1"/>
+          </p:cNvPicPr>
+          <p:nvPr/>
+        </p:nvPicPr>
+        <p:blipFill>
+          <a:blip r:embed="rId5">
+            <a:extLst>
+              <a:ext uri="{28A0092B-C50C-407E-A947-70E740481C1C}">
+                <a14:useLocalDpi xmlns:a14="http://schemas.microsoft.com/office/drawing/2010/main" val="0"/>
+              </a:ext>
+            </a:extLst>
+          </a:blip>
+          <a:srcRect/>
+          <a:stretch>
+            <a:fillRect/>
+          </a:stretch>
+        </p:blipFill>
+        <p:spPr bwMode="auto">
+          <a:xfrm>
+            <a:off x="6931385" y="4354964"/>
+            <a:ext cx="3948979" cy="824512"/>
+          </a:xfrm>
+          <a:prstGeom prst="rect">
+            <a:avLst/>
+          </a:prstGeom>
+          <a:noFill/>
+          <a:extLst>
+            <a:ext uri="{909E8E84-426E-40DD-AFC4-6F175D3DCCD1}">
+              <a14:hiddenFill xmlns:a14="http://schemas.microsoft.com/office/drawing/2010/main">
+                <a:solidFill>
+                  <a:srgbClr val="FFFFFF"/>
+                </a:solidFill>
+              </a14:hiddenFill>
+            </a:ext>
+          </a:extLst>
+        </p:spPr>
+      </p:pic>
+    </p:spTree>
+    <p:extLst>
+      <p:ext uri="{BB962C8B-B14F-4D97-AF65-F5344CB8AC3E}">
+        <p14:creationId xmlns:p14="http://schemas.microsoft.com/office/powerpoint/2010/main" val="3513663916"/>
       </p:ext>
     </p:extLst>
   </p:cSld>

--- a/2SEM/IES100 - Engenharia de Software I/BDD - Behavior Driven Development/apresentacao-oficial_BDD.pptx
+++ b/2SEM/IES100 - Engenharia de Software I/BDD - Behavior Driven Development/apresentacao-oficial_BDD.pptx
@@ -9,10 +9,10 @@
     <p:sldId id="257" r:id="rId3"/>
     <p:sldId id="259" r:id="rId4"/>
     <p:sldId id="260" r:id="rId5"/>
-    <p:sldId id="263" r:id="rId6"/>
-    <p:sldId id="264" r:id="rId7"/>
-    <p:sldId id="258" r:id="rId8"/>
-    <p:sldId id="265" r:id="rId9"/>
+    <p:sldId id="264" r:id="rId6"/>
+    <p:sldId id="258" r:id="rId7"/>
+    <p:sldId id="265" r:id="rId8"/>
+    <p:sldId id="263" r:id="rId9"/>
     <p:sldId id="262" r:id="rId10"/>
   </p:sldIdLst>
   <p:sldSz cx="12192000" cy="6858000"/>
@@ -122,7 +122,7 @@
 
 <file path=ppt/commentAuthors.xml><?xml version="1.0" encoding="utf-8"?>
 <p:cmAuthorLst xmlns:a="http://schemas.openxmlformats.org/drawingml/2006/main" xmlns:r="http://schemas.openxmlformats.org/officeDocument/2006/relationships" xmlns:p="http://schemas.openxmlformats.org/presentationml/2006/main">
-  <p:cmAuthor id="1" name="Fernanda Reis" initials="FR" lastIdx="3" clrIdx="0">
+  <p:cmAuthor id="1" name="Fernanda Reis" initials="FR" lastIdx="5" clrIdx="0">
     <p:extLst>
       <p:ext uri="{19B8F6BF-5375-455C-9EA6-DF929625EA0E}">
         <p15:presenceInfo xmlns:p15="http://schemas.microsoft.com/office/powerpoint/2012/main" userId="145a5ed7a545dec2" providerId="Windows Live"/>
@@ -216,29 +216,6 @@
 
 <file path=ppt/comments/comment3.xml><?xml version="1.0" encoding="utf-8"?>
 <p:cmLst xmlns:a="http://schemas.openxmlformats.org/drawingml/2006/main" xmlns:r="http://schemas.openxmlformats.org/officeDocument/2006/relationships" xmlns:p="http://schemas.openxmlformats.org/presentationml/2006/main">
-  <p:cm authorId="2" dt="2019-03-28T16:30:43.612" idx="5">
-    <p:pos x="10" y="10"/>
-    <p:text>Tem uma linguagem comum entre técnicos e não técnicos.</p:text>
-    <p:extLst>
-      <p:ext uri="{C676402C-5697-4E1C-873F-D02D1690AC5C}">
-        <p15:threadingInfo xmlns:p15="http://schemas.microsoft.com/office/powerpoint/2012/main" timeZoneBias="180"/>
-      </p:ext>
-    </p:extLst>
-  </p:cm>
-  <p:cm authorId="2" dt="2019-03-28T16:33:38.279" idx="6">
-    <p:pos x="146" y="146"/>
-    <p:text>Como a entrega se dá por histórias/cenários (exemplos) de comportamentos, fica fácil o entendimento para todos de como está andando o prograsso do desenvolvimento. quais valores estou entregando. Fácil corrigir, fácil entregar.</p:text>
-    <p:extLst mod="1">
-      <p:ext uri="{C676402C-5697-4E1C-873F-D02D1690AC5C}">
-        <p15:threadingInfo xmlns:p15="http://schemas.microsoft.com/office/powerpoint/2012/main" timeZoneBias="180"/>
-      </p:ext>
-    </p:extLst>
-  </p:cm>
-</p:cmLst>
-</file>
-
-<file path=ppt/comments/comment4.xml><?xml version="1.0" encoding="utf-8"?>
-<p:cmLst xmlns:a="http://schemas.openxmlformats.org/drawingml/2006/main" xmlns:r="http://schemas.openxmlformats.org/officeDocument/2006/relationships" xmlns:p="http://schemas.openxmlformats.org/presentationml/2006/main">
   <p:cm authorId="2" dt="2019-03-28T16:41:00.015" idx="11">
     <p:pos x="10" y="10"/>
     <p:text>linguagem gherkin</p:text>
@@ -287,7 +264,7 @@
 </p:cmLst>
 </file>
 
-<file path=ppt/comments/comment5.xml><?xml version="1.0" encoding="utf-8"?>
+<file path=ppt/comments/comment4.xml><?xml version="1.0" encoding="utf-8"?>
 <p:cmLst xmlns:a="http://schemas.openxmlformats.org/drawingml/2006/main" xmlns:r="http://schemas.openxmlformats.org/officeDocument/2006/relationships" xmlns:p="http://schemas.openxmlformats.org/presentationml/2006/main">
   <p:cm authorId="2" dt="2019-03-28T16:39:18.174" idx="9">
     <p:pos x="10" y="10"/>
@@ -359,7 +336,7 @@
 </p:cmLst>
 </file>
 
-<file path=ppt/comments/comment6.xml><?xml version="1.0" encoding="utf-8"?>
+<file path=ppt/comments/comment5.xml><?xml version="1.0" encoding="utf-8"?>
 <p:cmLst xmlns:a="http://schemas.openxmlformats.org/drawingml/2006/main" xmlns:r="http://schemas.openxmlformats.org/officeDocument/2006/relationships" xmlns:p="http://schemas.openxmlformats.org/presentationml/2006/main">
   <p:cm authorId="1" dt="2019-03-27T03:07:27.470" idx="2">
     <p:pos x="2574" y="821"/>
@@ -374,6 +351,38 @@
     <p:pos x="5855" y="689"/>
     <p:text>Framework de testes AUTOMATIZADOS - PRIMEIRO</p:text>
     <p:extLst mod="1">
+      <p:ext uri="{C676402C-5697-4E1C-873F-D02D1690AC5C}">
+        <p15:threadingInfo xmlns:p15="http://schemas.microsoft.com/office/powerpoint/2012/main" timeZoneBias="180"/>
+      </p:ext>
+    </p:extLst>
+  </p:cm>
+</p:cmLst>
+</file>
+
+<file path=ppt/comments/comment6.xml><?xml version="1.0" encoding="utf-8"?>
+<p:cmLst xmlns:a="http://schemas.openxmlformats.org/drawingml/2006/main" xmlns:r="http://schemas.openxmlformats.org/officeDocument/2006/relationships" xmlns:p="http://schemas.openxmlformats.org/presentationml/2006/main">
+  <p:cm authorId="2" dt="2019-03-28T16:30:43.612" idx="5">
+    <p:pos x="10" y="10"/>
+    <p:text>Tem uma linguagem comum entre técnicos e não técnicos.</p:text>
+    <p:extLst>
+      <p:ext uri="{C676402C-5697-4E1C-873F-D02D1690AC5C}">
+        <p15:threadingInfo xmlns:p15="http://schemas.microsoft.com/office/powerpoint/2012/main" timeZoneBias="180"/>
+      </p:ext>
+    </p:extLst>
+  </p:cm>
+  <p:cm authorId="2" dt="2019-03-28T16:33:38.279" idx="6">
+    <p:pos x="146" y="146"/>
+    <p:text>Como a entrega se dá por histórias/cenários (exemplos) de comportamentos, fica fácil o entendimento para todos de como está andando o prograsso do desenvolvimento. quais valores estou entregando. Fácil corrigir, fácil entregar.</p:text>
+    <p:extLst mod="1">
+      <p:ext uri="{C676402C-5697-4E1C-873F-D02D1690AC5C}">
+        <p15:threadingInfo xmlns:p15="http://schemas.microsoft.com/office/powerpoint/2012/main" timeZoneBias="180"/>
+      </p:ext>
+    </p:extLst>
+  </p:cm>
+  <p:cm authorId="1" dt="2019-03-29T16:11:07.324" idx="5">
+    <p:pos x="282" y="282"/>
+    <p:text>A maior vantagem dos testes de comportamento é o fato de eles descreverem um conjunto de funções que o usuário espera 	de um sistema de maneira concreta e direta. O 	agrupamento desses comportamentos 	documentam essencialmente um contrato de 	usuário/cliente. Se algum desses testes falhar, o 	sotfware deve ser repensado.</p:text>
+    <p:extLst>
       <p:ext uri="{C676402C-5697-4E1C-873F-D02D1690AC5C}">
         <p15:threadingInfo xmlns:p15="http://schemas.microsoft.com/office/powerpoint/2012/main" timeZoneBias="180"/>
       </p:ext>
@@ -529,7 +538,7 @@
           <a:p>
             <a:fld id="{DDBB8A5A-B2E5-43BB-958A-1A238D66F50E}" type="datetimeFigureOut">
               <a:rPr lang="pt-BR" smtClean="0"/>
-              <a:t>28/03/2019</a:t>
+              <a:t>29/03/2019</a:t>
             </a:fld>
             <a:endParaRPr lang="pt-BR"/>
           </a:p>
@@ -727,7 +736,7 @@
           <a:p>
             <a:fld id="{DDBB8A5A-B2E5-43BB-958A-1A238D66F50E}" type="datetimeFigureOut">
               <a:rPr lang="pt-BR" smtClean="0"/>
-              <a:t>28/03/2019</a:t>
+              <a:t>29/03/2019</a:t>
             </a:fld>
             <a:endParaRPr lang="pt-BR"/>
           </a:p>
@@ -935,7 +944,7 @@
           <a:p>
             <a:fld id="{DDBB8A5A-B2E5-43BB-958A-1A238D66F50E}" type="datetimeFigureOut">
               <a:rPr lang="pt-BR" smtClean="0"/>
-              <a:t>28/03/2019</a:t>
+              <a:t>29/03/2019</a:t>
             </a:fld>
             <a:endParaRPr lang="pt-BR"/>
           </a:p>
@@ -1133,7 +1142,7 @@
           <a:p>
             <a:fld id="{DDBB8A5A-B2E5-43BB-958A-1A238D66F50E}" type="datetimeFigureOut">
               <a:rPr lang="pt-BR" smtClean="0"/>
-              <a:t>28/03/2019</a:t>
+              <a:t>29/03/2019</a:t>
             </a:fld>
             <a:endParaRPr lang="pt-BR"/>
           </a:p>
@@ -1408,7 +1417,7 @@
           <a:p>
             <a:fld id="{DDBB8A5A-B2E5-43BB-958A-1A238D66F50E}" type="datetimeFigureOut">
               <a:rPr lang="pt-BR" smtClean="0"/>
-              <a:t>28/03/2019</a:t>
+              <a:t>29/03/2019</a:t>
             </a:fld>
             <a:endParaRPr lang="pt-BR"/>
           </a:p>
@@ -1673,7 +1682,7 @@
           <a:p>
             <a:fld id="{DDBB8A5A-B2E5-43BB-958A-1A238D66F50E}" type="datetimeFigureOut">
               <a:rPr lang="pt-BR" smtClean="0"/>
-              <a:t>28/03/2019</a:t>
+              <a:t>29/03/2019</a:t>
             </a:fld>
             <a:endParaRPr lang="pt-BR"/>
           </a:p>
@@ -2085,7 +2094,7 @@
           <a:p>
             <a:fld id="{DDBB8A5A-B2E5-43BB-958A-1A238D66F50E}" type="datetimeFigureOut">
               <a:rPr lang="pt-BR" smtClean="0"/>
-              <a:t>28/03/2019</a:t>
+              <a:t>29/03/2019</a:t>
             </a:fld>
             <a:endParaRPr lang="pt-BR"/>
           </a:p>
@@ -2226,7 +2235,7 @@
           <a:p>
             <a:fld id="{DDBB8A5A-B2E5-43BB-958A-1A238D66F50E}" type="datetimeFigureOut">
               <a:rPr lang="pt-BR" smtClean="0"/>
-              <a:t>28/03/2019</a:t>
+              <a:t>29/03/2019</a:t>
             </a:fld>
             <a:endParaRPr lang="pt-BR"/>
           </a:p>
@@ -2339,7 +2348,7 @@
           <a:p>
             <a:fld id="{DDBB8A5A-B2E5-43BB-958A-1A238D66F50E}" type="datetimeFigureOut">
               <a:rPr lang="pt-BR" smtClean="0"/>
-              <a:t>28/03/2019</a:t>
+              <a:t>29/03/2019</a:t>
             </a:fld>
             <a:endParaRPr lang="pt-BR"/>
           </a:p>
@@ -2650,7 +2659,7 @@
           <a:p>
             <a:fld id="{DDBB8A5A-B2E5-43BB-958A-1A238D66F50E}" type="datetimeFigureOut">
               <a:rPr lang="pt-BR" smtClean="0"/>
-              <a:t>28/03/2019</a:t>
+              <a:t>29/03/2019</a:t>
             </a:fld>
             <a:endParaRPr lang="pt-BR"/>
           </a:p>
@@ -2938,7 +2947,7 @@
           <a:p>
             <a:fld id="{DDBB8A5A-B2E5-43BB-958A-1A238D66F50E}" type="datetimeFigureOut">
               <a:rPr lang="pt-BR" smtClean="0"/>
-              <a:t>28/03/2019</a:t>
+              <a:t>29/03/2019</a:t>
             </a:fld>
             <a:endParaRPr lang="pt-BR"/>
           </a:p>
@@ -3179,7 +3188,7 @@
           <a:p>
             <a:fld id="{DDBB8A5A-B2E5-43BB-958A-1A238D66F50E}" type="datetimeFigureOut">
               <a:rPr lang="pt-BR" smtClean="0"/>
-              <a:t>28/03/2019</a:t>
+              <a:t>29/03/2019</a:t>
             </a:fld>
             <a:endParaRPr lang="pt-BR"/>
           </a:p>
@@ -3612,28 +3621,35 @@
             <p:ph type="ctrTitle"/>
           </p:nvPr>
         </p:nvSpPr>
-        <p:spPr/>
-        <p:txBody>
-          <a:bodyPr/>
-          <a:lstStyle/>
-          <a:p>
-            <a:r>
-              <a:rPr lang="pt-BR" dirty="0"/>
-              <a:t>BDD – </a:t>
-            </a:r>
-            <a:r>
-              <a:rPr lang="pt-BR" dirty="0" err="1"/>
-              <a:t>Behavior-Driven</a:t>
-            </a:r>
-            <a:r>
-              <a:rPr lang="pt-BR" dirty="0"/>
-              <a:t> </a:t>
-            </a:r>
-            <a:r>
-              <a:rPr lang="pt-BR" dirty="0" err="1"/>
-              <a:t>Development</a:t>
-            </a:r>
-            <a:endParaRPr lang="pt-BR" dirty="0"/>
+        <p:spPr>
+          <a:xfrm>
+            <a:off x="1524000" y="848139"/>
+            <a:ext cx="9144000" cy="1747426"/>
+          </a:xfrm>
+        </p:spPr>
+        <p:txBody>
+          <a:bodyPr>
+            <a:normAutofit fontScale="90000"/>
+          </a:bodyPr>
+          <a:lstStyle/>
+          <a:p>
+            <a:r>
+              <a:rPr lang="pt-BR" dirty="0">
+                <a:latin typeface="Baskerville Old Face" panose="02020602080505020303" pitchFamily="18" charset="0"/>
+              </a:rPr>
+              <a:t>BDD </a:t>
+            </a:r>
+            <a:br>
+              <a:rPr lang="pt-BR" dirty="0">
+                <a:latin typeface="Baskerville Old Face" panose="02020602080505020303" pitchFamily="18" charset="0"/>
+              </a:rPr>
+            </a:br>
+            <a:r>
+              <a:rPr lang="pt-BR" dirty="0">
+                <a:latin typeface="Baskerville Old Face" panose="02020602080505020303" pitchFamily="18" charset="0"/>
+              </a:rPr>
+              <a:t>Behavior-Driven Development</a:t>
+            </a:r>
           </a:p>
         </p:txBody>
       </p:sp>
@@ -3655,7 +3671,7 @@
         </p:nvSpPr>
         <p:spPr>
           <a:xfrm>
-            <a:off x="1524000" y="3602038"/>
+            <a:off x="1563756" y="3562273"/>
             <a:ext cx="9144000" cy="2387600"/>
           </a:xfrm>
         </p:spPr>
@@ -3666,37 +3682,54 @@
           <a:lstStyle/>
           <a:p>
             <a:r>
-              <a:rPr lang="pt-BR" dirty="0"/>
+              <a:rPr lang="pt-BR" sz="2000" dirty="0">
+                <a:latin typeface="Baskerville Old Face" panose="02020602080505020303" pitchFamily="18" charset="0"/>
+              </a:rPr>
               <a:t>Bruno </a:t>
             </a:r>
             <a:r>
-              <a:rPr lang="pt-BR" dirty="0" err="1"/>
+              <a:rPr lang="pt-BR" sz="2000" u="sng" dirty="0">
+                <a:latin typeface="Baskerville Old Face" panose="02020602080505020303" pitchFamily="18" charset="0"/>
+              </a:rPr>
               <a:t>Harnik</a:t>
             </a:r>
-            <a:endParaRPr lang="pt-BR" dirty="0"/>
-          </a:p>
-          <a:p>
-            <a:r>
-              <a:rPr lang="pt-BR" dirty="0"/>
-              <a:t>Fernanda Reis</a:t>
-            </a:r>
-          </a:p>
-          <a:p>
-            <a:r>
-              <a:rPr lang="pt-BR" dirty="0"/>
-              <a:t>Luiz Fernando</a:t>
-            </a:r>
-          </a:p>
-          <a:p>
-            <a:r>
-              <a:rPr lang="pt-BR" dirty="0"/>
-              <a:t>Raquel Martins</a:t>
-            </a:r>
-          </a:p>
-          <a:p>
-            <a:r>
-              <a:rPr lang="pt-BR" dirty="0"/>
-              <a:t>Robson Ferreira</a:t>
+            <a:r>
+              <a:rPr lang="pt-BR" sz="2000" dirty="0">
+                <a:latin typeface="Baskerville Old Face" panose="02020602080505020303" pitchFamily="18" charset="0"/>
+              </a:rPr>
+              <a:t>					RA: 1110481823052</a:t>
+            </a:r>
+          </a:p>
+          <a:p>
+            <a:r>
+              <a:rPr lang="pt-BR" sz="2000" dirty="0">
+                <a:latin typeface="Baskerville Old Face" panose="02020602080505020303" pitchFamily="18" charset="0"/>
+              </a:rPr>
+              <a:t>Fernanda Reis					RA: 1110481823022</a:t>
+            </a:r>
+          </a:p>
+          <a:p>
+            <a:r>
+              <a:rPr lang="pt-BR" sz="2000" dirty="0">
+                <a:latin typeface="Baskerville Old Face" panose="02020602080505020303" pitchFamily="18" charset="0"/>
+              </a:rPr>
+              <a:t>Luiz Fernando					RA: 1110481823052</a:t>
+            </a:r>
+          </a:p>
+          <a:p>
+            <a:r>
+              <a:rPr lang="pt-BR" sz="2000" dirty="0">
+                <a:latin typeface="Baskerville Old Face" panose="02020602080505020303" pitchFamily="18" charset="0"/>
+              </a:rPr>
+              <a:t>Raquel Martins					RA: 1110481823032</a:t>
+            </a:r>
+          </a:p>
+          <a:p>
+            <a:r>
+              <a:rPr lang="pt-BR" sz="2000" dirty="0">
+                <a:latin typeface="Baskerville Old Face" panose="02020602080505020303" pitchFamily="18" charset="0"/>
+              </a:rPr>
+              <a:t>Robson Ferreira					RA: 1110481823052</a:t>
             </a:r>
           </a:p>
         </p:txBody>
@@ -3741,10 +3774,10 @@
       </p:grpSpPr>
       <p:sp>
         <p:nvSpPr>
-          <p:cNvPr id="3" name="CaixaDeTexto 2">
-            <a:extLst>
-              <a:ext uri="{FF2B5EF4-FFF2-40B4-BE49-F238E27FC236}">
-                <a16:creationId xmlns:a16="http://schemas.microsoft.com/office/drawing/2014/main" id="{389D6B1F-F653-4853-B2AD-D4D1158DA447}"/>
+          <p:cNvPr id="2" name="CaixaDeTexto 1">
+            <a:extLst>
+              <a:ext uri="{FF2B5EF4-FFF2-40B4-BE49-F238E27FC236}">
+                <a16:creationId xmlns:a16="http://schemas.microsoft.com/office/drawing/2014/main" id="{C5887B2C-9C94-47AD-9687-747ABE7E50B0}"/>
               </a:ext>
             </a:extLst>
           </p:cNvPr>
@@ -3753,8 +3786,8 @@
         </p:nvSpPr>
         <p:spPr>
           <a:xfrm>
-            <a:off x="1138482" y="541072"/>
-            <a:ext cx="8670536" cy="584775"/>
+            <a:off x="914461" y="4582919"/>
+            <a:ext cx="8441574" cy="1200329"/>
           </a:xfrm>
           <a:prstGeom prst="rect">
             <a:avLst/>
@@ -3768,18 +3801,39 @@
           <a:lstStyle/>
           <a:p>
             <a:r>
-              <a:rPr lang="pt-BR" sz="3200" dirty="0"/>
-              <a:t>DEFINIÇÃO DO QUE É BDD – CITAÇÃO DO AUTOR</a:t>
-            </a:r>
-          </a:p>
-        </p:txBody>
-      </p:sp>
-      <p:sp>
-        <p:nvSpPr>
-          <p:cNvPr id="2" name="CaixaDeTexto 1">
-            <a:extLst>
-              <a:ext uri="{FF2B5EF4-FFF2-40B4-BE49-F238E27FC236}">
-                <a16:creationId xmlns:a16="http://schemas.microsoft.com/office/drawing/2014/main" id="{C5887B2C-9C94-47AD-9687-747ABE7E50B0}"/>
+              <a:rPr lang="pt-BR" sz="2400" dirty="0">
+                <a:latin typeface="Baskerville Old Face" panose="02020602080505020303" pitchFamily="18" charset="0"/>
+              </a:rPr>
+              <a:t>Foi inspirado a partir do Desenvolvimento Dirigido a Teste (TDD).</a:t>
+            </a:r>
+            <a:br>
+              <a:rPr lang="pt-BR" sz="2400" dirty="0">
+                <a:latin typeface="Baskerville Old Face" panose="02020602080505020303" pitchFamily="18" charset="0"/>
+              </a:rPr>
+            </a:br>
+            <a:r>
+              <a:rPr lang="pt-BR" sz="2400" dirty="0">
+                <a:latin typeface="Baskerville Old Face" panose="02020602080505020303" pitchFamily="18" charset="0"/>
+              </a:rPr>
+              <a:t>Visa integrar regras de negócios especificadas pelo cliente com a </a:t>
+            </a:r>
+          </a:p>
+          <a:p>
+            <a:r>
+              <a:rPr lang="pt-BR" sz="2400" dirty="0">
+                <a:latin typeface="Baskerville Old Face" panose="02020602080505020303" pitchFamily="18" charset="0"/>
+              </a:rPr>
+              <a:t>linguagem de programação. (Dan North, 2006)</a:t>
+            </a:r>
+          </a:p>
+        </p:txBody>
+      </p:sp>
+      <p:sp>
+        <p:nvSpPr>
+          <p:cNvPr id="4" name="CaixaDeTexto 3">
+            <a:extLst>
+              <a:ext uri="{FF2B5EF4-FFF2-40B4-BE49-F238E27FC236}">
+                <a16:creationId xmlns:a16="http://schemas.microsoft.com/office/drawing/2014/main" id="{B8E84949-C7A9-4818-8517-458E95A6CF35}"/>
               </a:ext>
             </a:extLst>
           </p:cNvPr>
@@ -3788,8 +3842,8 @@
         </p:nvSpPr>
         <p:spPr>
           <a:xfrm>
-            <a:off x="1166251" y="2011988"/>
-            <a:ext cx="8285217" cy="1200329"/>
+            <a:off x="4014202" y="3017354"/>
+            <a:ext cx="7181774" cy="1200329"/>
           </a:xfrm>
           <a:prstGeom prst="rect">
             <a:avLst/>
@@ -3803,31 +3857,36 @@
           <a:lstStyle/>
           <a:p>
             <a:r>
-              <a:rPr lang="pt-BR" sz="2400" dirty="0"/>
-              <a:t>Foi inspirado a partir do Desenvolvimento Dirigido a Teste (TDD).</a:t>
-            </a:r>
-            <a:br>
-              <a:rPr lang="pt-BR" sz="2400" dirty="0"/>
-            </a:br>
-            <a:r>
-              <a:rPr lang="pt-BR" sz="2400" dirty="0"/>
-              <a:t>Visa integrar regras de negócios especificadas pelo cliente com a </a:t>
-            </a:r>
-          </a:p>
-          <a:p>
-            <a:r>
-              <a:rPr lang="pt-BR" sz="2400" dirty="0"/>
-              <a:t>linguagem de programação. (NORTH, 2006)</a:t>
-            </a:r>
-          </a:p>
-        </p:txBody>
-      </p:sp>
-      <p:sp>
-        <p:nvSpPr>
-          <p:cNvPr id="4" name="CaixaDeTexto 3">
-            <a:extLst>
-              <a:ext uri="{FF2B5EF4-FFF2-40B4-BE49-F238E27FC236}">
-                <a16:creationId xmlns:a16="http://schemas.microsoft.com/office/drawing/2014/main" id="{B8E84949-C7A9-4818-8517-458E95A6CF35}"/>
+              <a:rPr lang="pt-BR" sz="2400" dirty="0">
+                <a:latin typeface="Baskerville Old Face" panose="02020602080505020303" pitchFamily="18" charset="0"/>
+              </a:rPr>
+              <a:t>Behavior Driven Development é sobre implementar uma</a:t>
+            </a:r>
+          </a:p>
+          <a:p>
+            <a:r>
+              <a:rPr lang="pt-BR" sz="2400" dirty="0">
+                <a:latin typeface="Baskerville Old Face" panose="02020602080505020303" pitchFamily="18" charset="0"/>
+              </a:rPr>
+              <a:t>aplicação a partir da descrição de seu comportamento da</a:t>
+            </a:r>
+          </a:p>
+          <a:p>
+            <a:r>
+              <a:rPr lang="pt-BR" sz="2400" dirty="0">
+                <a:latin typeface="Baskerville Old Face" panose="02020602080505020303" pitchFamily="18" charset="0"/>
+              </a:rPr>
+              <a:t>perspectiva dos stakeholders. (Dan North, 2003)</a:t>
+            </a:r>
+          </a:p>
+        </p:txBody>
+      </p:sp>
+      <p:sp>
+        <p:nvSpPr>
+          <p:cNvPr id="5" name="CaixaDeTexto 4">
+            <a:extLst>
+              <a:ext uri="{FF2B5EF4-FFF2-40B4-BE49-F238E27FC236}">
+                <a16:creationId xmlns:a16="http://schemas.microsoft.com/office/drawing/2014/main" id="{61D571E0-7E6F-4DFE-AEF4-3D6AC7478383}"/>
               </a:ext>
             </a:extLst>
           </p:cNvPr>
@@ -3836,8 +3895,8 @@
         </p:nvSpPr>
         <p:spPr>
           <a:xfrm>
-            <a:off x="1138482" y="3401667"/>
-            <a:ext cx="7723974" cy="1200329"/>
+            <a:off x="914461" y="650695"/>
+            <a:ext cx="9316217" cy="2308324"/>
           </a:xfrm>
           <a:prstGeom prst="rect">
             <a:avLst/>
@@ -3845,344 +3904,22 @@
           <a:noFill/>
         </p:spPr>
         <p:txBody>
-          <a:bodyPr wrap="none" rtlCol="0">
+          <a:bodyPr wrap="square" rtlCol="0">
             <a:spAutoFit/>
           </a:bodyPr>
           <a:lstStyle/>
           <a:p>
             <a:r>
-              <a:rPr lang="pt-BR" sz="2400" dirty="0" err="1"/>
-              <a:t>Behaviour</a:t>
-            </a:r>
-            <a:r>
-              <a:rPr lang="pt-BR" sz="2400" dirty="0"/>
-              <a:t> </a:t>
-            </a:r>
-            <a:r>
-              <a:rPr lang="pt-BR" sz="2400" dirty="0" err="1"/>
-              <a:t>driven</a:t>
-            </a:r>
-            <a:r>
-              <a:rPr lang="pt-BR" sz="2400" dirty="0"/>
-              <a:t> </a:t>
-            </a:r>
-            <a:r>
-              <a:rPr lang="pt-BR" sz="2400" dirty="0" err="1"/>
-              <a:t>development</a:t>
-            </a:r>
-            <a:r>
-              <a:rPr lang="pt-BR" sz="2400" dirty="0"/>
-              <a:t> </a:t>
-            </a:r>
-            <a:r>
-              <a:rPr lang="pt-BR" sz="2400" dirty="0" err="1"/>
-              <a:t>is</a:t>
-            </a:r>
-            <a:r>
-              <a:rPr lang="pt-BR" sz="2400" dirty="0"/>
-              <a:t> </a:t>
-            </a:r>
-            <a:r>
-              <a:rPr lang="pt-BR" sz="2400" dirty="0" err="1"/>
-              <a:t>about</a:t>
-            </a:r>
-            <a:r>
-              <a:rPr lang="pt-BR" sz="2400" dirty="0"/>
-              <a:t> </a:t>
-            </a:r>
-            <a:r>
-              <a:rPr lang="pt-BR" sz="2400" dirty="0" err="1"/>
-              <a:t>implementing</a:t>
-            </a:r>
-            <a:r>
-              <a:rPr lang="pt-BR" sz="2400" dirty="0"/>
-              <a:t> </a:t>
-            </a:r>
-            <a:r>
-              <a:rPr lang="pt-BR" sz="2400" dirty="0" err="1"/>
-              <a:t>an</a:t>
-            </a:r>
-            <a:r>
-              <a:rPr lang="pt-BR" sz="2400" dirty="0"/>
-              <a:t> </a:t>
-            </a:r>
-          </a:p>
-          <a:p>
-            <a:r>
-              <a:rPr lang="pt-BR" sz="2400" dirty="0" err="1"/>
-              <a:t>application</a:t>
-            </a:r>
-            <a:r>
-              <a:rPr lang="pt-BR" sz="2400" dirty="0"/>
-              <a:t> </a:t>
-            </a:r>
-            <a:r>
-              <a:rPr lang="pt-BR" sz="2400" dirty="0" err="1"/>
-              <a:t>by</a:t>
-            </a:r>
-            <a:r>
-              <a:rPr lang="pt-BR" sz="2400" dirty="0"/>
-              <a:t> </a:t>
-            </a:r>
-            <a:r>
-              <a:rPr lang="pt-BR" sz="2400" dirty="0" err="1"/>
-              <a:t>describing</a:t>
-            </a:r>
-            <a:r>
-              <a:rPr lang="pt-BR" sz="2400" dirty="0"/>
-              <a:t> its </a:t>
-            </a:r>
-            <a:r>
-              <a:rPr lang="pt-BR" sz="2400" dirty="0" err="1"/>
-              <a:t>behaviour</a:t>
-            </a:r>
-            <a:r>
-              <a:rPr lang="pt-BR" sz="2400" dirty="0"/>
-              <a:t> </a:t>
-            </a:r>
-            <a:r>
-              <a:rPr lang="pt-BR" sz="2400" dirty="0" err="1"/>
-              <a:t>from</a:t>
-            </a:r>
-            <a:r>
-              <a:rPr lang="pt-BR" sz="2400" dirty="0"/>
-              <a:t> </a:t>
-            </a:r>
-            <a:r>
-              <a:rPr lang="pt-BR" sz="2400" dirty="0" err="1"/>
-              <a:t>the</a:t>
-            </a:r>
-            <a:r>
-              <a:rPr lang="pt-BR" sz="2400" dirty="0"/>
-              <a:t> perspective </a:t>
-            </a:r>
-          </a:p>
-          <a:p>
-            <a:r>
-              <a:rPr lang="pt-BR" sz="2400" dirty="0" err="1"/>
-              <a:t>of</a:t>
-            </a:r>
-            <a:r>
-              <a:rPr lang="pt-BR" sz="2400" dirty="0"/>
-              <a:t> its stakeholders (Dan North, 2003)</a:t>
-            </a:r>
-          </a:p>
-        </p:txBody>
-      </p:sp>
-      <p:sp>
-        <p:nvSpPr>
-          <p:cNvPr id="5" name="CaixaDeTexto 4">
-            <a:extLst>
-              <a:ext uri="{FF2B5EF4-FFF2-40B4-BE49-F238E27FC236}">
-                <a16:creationId xmlns:a16="http://schemas.microsoft.com/office/drawing/2014/main" id="{61D571E0-7E6F-4DFE-AEF4-3D6AC7478383}"/>
-              </a:ext>
-            </a:extLst>
-          </p:cNvPr>
-          <p:cNvSpPr txBox="1"/>
-          <p:nvPr/>
-        </p:nvSpPr>
-        <p:spPr>
-          <a:xfrm>
-            <a:off x="1138482" y="4729166"/>
-            <a:ext cx="9593845" cy="1569660"/>
-          </a:xfrm>
-          <a:prstGeom prst="rect">
-            <a:avLst/>
-          </a:prstGeom>
-          <a:noFill/>
-        </p:spPr>
-        <p:txBody>
-          <a:bodyPr wrap="none" rtlCol="0">
-            <a:spAutoFit/>
-          </a:bodyPr>
-          <a:lstStyle/>
-          <a:p>
-            <a:r>
-              <a:rPr lang="pt-BR" sz="2400" dirty="0"/>
-              <a:t>BDD </a:t>
-            </a:r>
-            <a:r>
-              <a:rPr lang="pt-BR" sz="2400" dirty="0" err="1"/>
-              <a:t>is</a:t>
-            </a:r>
-            <a:r>
-              <a:rPr lang="pt-BR" sz="2400" dirty="0"/>
-              <a:t> a </a:t>
-            </a:r>
-            <a:r>
-              <a:rPr lang="pt-BR" sz="2400" dirty="0" err="1"/>
-              <a:t>second-generation</a:t>
-            </a:r>
-            <a:r>
-              <a:rPr lang="pt-BR" sz="2400" dirty="0"/>
-              <a:t>, </a:t>
-            </a:r>
-            <a:r>
-              <a:rPr lang="pt-BR" sz="2400" dirty="0" err="1"/>
-              <a:t>outside</a:t>
-            </a:r>
-            <a:r>
-              <a:rPr lang="pt-BR" sz="2400" dirty="0"/>
-              <a:t>-in, </a:t>
-            </a:r>
-            <a:r>
-              <a:rPr lang="pt-BR" sz="2400" dirty="0" err="1"/>
-              <a:t>pull-based</a:t>
-            </a:r>
-            <a:r>
-              <a:rPr lang="pt-BR" sz="2400" dirty="0"/>
-              <a:t>, </a:t>
-            </a:r>
-            <a:r>
-              <a:rPr lang="pt-BR" sz="2400" dirty="0" err="1"/>
-              <a:t>multiple</a:t>
-            </a:r>
-            <a:r>
-              <a:rPr lang="pt-BR" sz="2400" dirty="0"/>
-              <a:t>-stakeholder, </a:t>
-            </a:r>
-          </a:p>
-          <a:p>
-            <a:r>
-              <a:rPr lang="pt-BR" sz="2400" dirty="0" err="1"/>
-              <a:t>multiple-scale</a:t>
-            </a:r>
-            <a:r>
-              <a:rPr lang="pt-BR" sz="2400" dirty="0"/>
-              <a:t>, high-</a:t>
-            </a:r>
-            <a:r>
-              <a:rPr lang="pt-BR" sz="2400" dirty="0" err="1"/>
-              <a:t>automation</a:t>
-            </a:r>
-            <a:r>
-              <a:rPr lang="pt-BR" sz="2400" dirty="0"/>
-              <a:t>, </a:t>
-            </a:r>
-            <a:r>
-              <a:rPr lang="pt-BR" sz="2400" dirty="0" err="1"/>
-              <a:t>agile</a:t>
-            </a:r>
-            <a:r>
-              <a:rPr lang="pt-BR" sz="2400" dirty="0"/>
-              <a:t> </a:t>
-            </a:r>
-            <a:r>
-              <a:rPr lang="pt-BR" sz="2400" dirty="0" err="1"/>
-              <a:t>methodology</a:t>
-            </a:r>
-            <a:r>
-              <a:rPr lang="pt-BR" sz="2400" dirty="0"/>
-              <a:t>. It </a:t>
-            </a:r>
-            <a:r>
-              <a:rPr lang="pt-BR" sz="2400" dirty="0" err="1"/>
-              <a:t>describes</a:t>
-            </a:r>
-            <a:r>
-              <a:rPr lang="pt-BR" sz="2400" dirty="0"/>
-              <a:t> a </a:t>
-            </a:r>
-            <a:r>
-              <a:rPr lang="pt-BR" sz="2400" dirty="0" err="1"/>
-              <a:t>cycle</a:t>
-            </a:r>
-            <a:r>
-              <a:rPr lang="pt-BR" sz="2400" dirty="0"/>
-              <a:t> </a:t>
-            </a:r>
-            <a:r>
-              <a:rPr lang="pt-BR" sz="2400" dirty="0" err="1"/>
-              <a:t>of</a:t>
-            </a:r>
-            <a:r>
-              <a:rPr lang="pt-BR" sz="2400" dirty="0"/>
-              <a:t> </a:t>
-            </a:r>
-          </a:p>
-          <a:p>
-            <a:r>
-              <a:rPr lang="pt-BR" sz="2400" dirty="0" err="1"/>
-              <a:t>interactions</a:t>
-            </a:r>
-            <a:r>
-              <a:rPr lang="pt-BR" sz="2400" dirty="0"/>
-              <a:t> </a:t>
-            </a:r>
-            <a:r>
-              <a:rPr lang="pt-BR" sz="2400" dirty="0" err="1"/>
-              <a:t>with</a:t>
-            </a:r>
-            <a:r>
-              <a:rPr lang="pt-BR" sz="2400" dirty="0"/>
-              <a:t> </a:t>
-            </a:r>
-            <a:r>
-              <a:rPr lang="pt-BR" sz="2400" dirty="0" err="1"/>
-              <a:t>well-defined</a:t>
-            </a:r>
-            <a:r>
-              <a:rPr lang="pt-BR" sz="2400" dirty="0"/>
-              <a:t> outputs, </a:t>
-            </a:r>
-            <a:r>
-              <a:rPr lang="pt-BR" sz="2400" dirty="0" err="1"/>
-              <a:t>resulting</a:t>
-            </a:r>
-            <a:r>
-              <a:rPr lang="pt-BR" sz="2400" dirty="0"/>
-              <a:t> in </a:t>
-            </a:r>
-            <a:r>
-              <a:rPr lang="pt-BR" sz="2400" dirty="0" err="1"/>
-              <a:t>the</a:t>
-            </a:r>
-            <a:r>
-              <a:rPr lang="pt-BR" sz="2400" dirty="0"/>
-              <a:t> delivery </a:t>
-            </a:r>
-            <a:r>
-              <a:rPr lang="pt-BR" sz="2400" dirty="0" err="1"/>
-              <a:t>of</a:t>
-            </a:r>
-            <a:r>
-              <a:rPr lang="pt-BR" sz="2400" dirty="0"/>
-              <a:t> </a:t>
-            </a:r>
-            <a:r>
-              <a:rPr lang="pt-BR" sz="2400" dirty="0" err="1"/>
-              <a:t>working</a:t>
-            </a:r>
-            <a:r>
-              <a:rPr lang="pt-BR" sz="2400" dirty="0"/>
-              <a:t>, </a:t>
-            </a:r>
-          </a:p>
-          <a:p>
-            <a:r>
-              <a:rPr lang="pt-BR" sz="2400" dirty="0" err="1"/>
-              <a:t>tested</a:t>
-            </a:r>
-            <a:r>
-              <a:rPr lang="pt-BR" sz="2400" dirty="0"/>
-              <a:t> software </a:t>
-            </a:r>
-            <a:r>
-              <a:rPr lang="pt-BR" sz="2400" dirty="0" err="1"/>
-              <a:t>that</a:t>
-            </a:r>
-            <a:r>
-              <a:rPr lang="pt-BR" sz="2400" dirty="0"/>
-              <a:t> </a:t>
-            </a:r>
-            <a:r>
-              <a:rPr lang="pt-BR" sz="2400" dirty="0" err="1"/>
-              <a:t>matters</a:t>
-            </a:r>
-            <a:r>
-              <a:rPr lang="pt-BR" sz="2400" dirty="0"/>
-              <a:t>. (Dan North, 2009)</a:t>
-            </a:r>
+              <a:rPr lang="pt-BR" sz="2400" dirty="0">
+                <a:latin typeface="Baskerville Old Face" panose="02020602080505020303" pitchFamily="18" charset="0"/>
+              </a:rPr>
+              <a:t>BDD é uma metodologia ágil de segunda geração, elaborada de fora para dentro, baseada na colaboração de um conjunto de stakeholders, feita em múltipla escala e com alto nível de automação. Descreve um ciclo de interações com saídas bem definidas, resultando na entrega de um software funcional, testado de acordo com suas necessidades. (Dan North, 2009)</a:t>
+            </a:r>
+          </a:p>
+          <a:p>
+            <a:endParaRPr lang="pt-BR" sz="2400" dirty="0">
+              <a:latin typeface="Baskerville Old Face" panose="02020602080505020303" pitchFamily="18" charset="0"/>
+            </a:endParaRPr>
           </a:p>
         </p:txBody>
       </p:sp>
@@ -4312,15 +4049,495 @@
               </a:spcAft>
             </a:pPr>
             <a:r>
-              <a:rPr lang="en-US" sz="2600" kern="1200" dirty="0">
+              <a:rPr lang="en-US" sz="4400" kern="1200" dirty="0">
                 <a:solidFill>
                   <a:schemeClr val="bg1"/>
                 </a:solidFill>
-                <a:latin typeface="+mj-lt"/>
+                <a:latin typeface="Baskerville Old Face" panose="02020602080505020303" pitchFamily="18" charset="0"/>
                 <a:ea typeface="+mj-ea"/>
                 <a:cs typeface="+mj-cs"/>
               </a:rPr>
               <a:t>TDD</a:t>
+            </a:r>
+          </a:p>
+        </p:txBody>
+      </p:sp>
+      <p:sp>
+        <p:nvSpPr>
+          <p:cNvPr id="2" name="Retângulo 1">
+            <a:extLst>
+              <a:ext uri="{FF2B5EF4-FFF2-40B4-BE49-F238E27FC236}">
+                <a16:creationId xmlns:a16="http://schemas.microsoft.com/office/drawing/2014/main" id="{641260BC-A3B2-4C8D-8C88-5896FB3ECC52}"/>
+              </a:ext>
+            </a:extLst>
+          </p:cNvPr>
+          <p:cNvSpPr/>
+          <p:nvPr/>
+        </p:nvSpPr>
+        <p:spPr>
+          <a:xfrm>
+            <a:off x="2782957" y="2266122"/>
+            <a:ext cx="2067339" cy="705336"/>
+          </a:xfrm>
+          <a:prstGeom prst="rect">
+            <a:avLst/>
+          </a:prstGeom>
+          <a:solidFill>
+            <a:schemeClr val="bg1"/>
+          </a:solidFill>
+          <a:ln>
+            <a:solidFill>
+              <a:schemeClr val="bg1"/>
+            </a:solidFill>
+          </a:ln>
+        </p:spPr>
+        <p:style>
+          <a:lnRef idx="2">
+            <a:schemeClr val="accent1">
+              <a:shade val="50000"/>
+            </a:schemeClr>
+          </a:lnRef>
+          <a:fillRef idx="1">
+            <a:schemeClr val="accent1"/>
+          </a:fillRef>
+          <a:effectRef idx="0">
+            <a:schemeClr val="accent1"/>
+          </a:effectRef>
+          <a:fontRef idx="minor">
+            <a:schemeClr val="lt1"/>
+          </a:fontRef>
+        </p:style>
+        <p:txBody>
+          <a:bodyPr rtlCol="0" anchor="ctr"/>
+          <a:lstStyle/>
+          <a:p>
+            <a:pPr algn="ctr"/>
+            <a:endParaRPr lang="pt-BR"/>
+          </a:p>
+        </p:txBody>
+      </p:sp>
+      <p:sp>
+        <p:nvSpPr>
+          <p:cNvPr id="7" name="Retângulo 6">
+            <a:extLst>
+              <a:ext uri="{FF2B5EF4-FFF2-40B4-BE49-F238E27FC236}">
+                <a16:creationId xmlns:a16="http://schemas.microsoft.com/office/drawing/2014/main" id="{C861B097-EACC-4AB2-94EF-590B4D5C461C}"/>
+              </a:ext>
+            </a:extLst>
+          </p:cNvPr>
+          <p:cNvSpPr/>
+          <p:nvPr/>
+        </p:nvSpPr>
+        <p:spPr>
+          <a:xfrm>
+            <a:off x="5625547" y="2266122"/>
+            <a:ext cx="2067339" cy="705336"/>
+          </a:xfrm>
+          <a:prstGeom prst="rect">
+            <a:avLst/>
+          </a:prstGeom>
+          <a:solidFill>
+            <a:schemeClr val="bg1"/>
+          </a:solidFill>
+          <a:ln>
+            <a:solidFill>
+              <a:schemeClr val="bg1"/>
+            </a:solidFill>
+          </a:ln>
+        </p:spPr>
+        <p:style>
+          <a:lnRef idx="2">
+            <a:schemeClr val="accent1">
+              <a:shade val="50000"/>
+            </a:schemeClr>
+          </a:lnRef>
+          <a:fillRef idx="1">
+            <a:schemeClr val="accent1"/>
+          </a:fillRef>
+          <a:effectRef idx="0">
+            <a:schemeClr val="accent1"/>
+          </a:effectRef>
+          <a:fontRef idx="minor">
+            <a:schemeClr val="lt1"/>
+          </a:fontRef>
+        </p:style>
+        <p:txBody>
+          <a:bodyPr rtlCol="0" anchor="ctr"/>
+          <a:lstStyle/>
+          <a:p>
+            <a:pPr algn="ctr"/>
+            <a:endParaRPr lang="pt-BR"/>
+          </a:p>
+        </p:txBody>
+      </p:sp>
+      <p:sp>
+        <p:nvSpPr>
+          <p:cNvPr id="4" name="CaixaDeTexto 3">
+            <a:extLst>
+              <a:ext uri="{FF2B5EF4-FFF2-40B4-BE49-F238E27FC236}">
+                <a16:creationId xmlns:a16="http://schemas.microsoft.com/office/drawing/2014/main" id="{04094BE3-D788-4775-9A32-DE2235534F90}"/>
+              </a:ext>
+            </a:extLst>
+          </p:cNvPr>
+          <p:cNvSpPr txBox="1"/>
+          <p:nvPr/>
+        </p:nvSpPr>
+        <p:spPr>
+          <a:xfrm>
+            <a:off x="2713752" y="2162411"/>
+            <a:ext cx="2375079" cy="923330"/>
+          </a:xfrm>
+          <a:prstGeom prst="rect">
+            <a:avLst/>
+          </a:prstGeom>
+          <a:noFill/>
+        </p:spPr>
+        <p:txBody>
+          <a:bodyPr wrap="square" rtlCol="0">
+            <a:spAutoFit/>
+          </a:bodyPr>
+          <a:lstStyle/>
+          <a:p>
+            <a:r>
+              <a:rPr lang="pt-BR" dirty="0">
+                <a:solidFill>
+                  <a:schemeClr val="bg2">
+                    <a:lumMod val="25000"/>
+                  </a:schemeClr>
+                </a:solidFill>
+                <a:latin typeface="Baskerville Old Face" panose="02020602080505020303" pitchFamily="18" charset="0"/>
+              </a:rPr>
+              <a:t>O empresário diz o que quer ao analista de negócios.</a:t>
+            </a:r>
+          </a:p>
+        </p:txBody>
+      </p:sp>
+      <p:sp>
+        <p:nvSpPr>
+          <p:cNvPr id="8" name="CaixaDeTexto 7">
+            <a:extLst>
+              <a:ext uri="{FF2B5EF4-FFF2-40B4-BE49-F238E27FC236}">
+                <a16:creationId xmlns:a16="http://schemas.microsoft.com/office/drawing/2014/main" id="{C70AA74E-92C7-49A5-8E8A-FF7752D03E33}"/>
+              </a:ext>
+            </a:extLst>
+          </p:cNvPr>
+          <p:cNvSpPr txBox="1"/>
+          <p:nvPr/>
+        </p:nvSpPr>
+        <p:spPr>
+          <a:xfrm>
+            <a:off x="5569598" y="2169038"/>
+            <a:ext cx="2375079" cy="923330"/>
+          </a:xfrm>
+          <a:prstGeom prst="rect">
+            <a:avLst/>
+          </a:prstGeom>
+          <a:noFill/>
+        </p:spPr>
+        <p:txBody>
+          <a:bodyPr wrap="square" rtlCol="0">
+            <a:spAutoFit/>
+          </a:bodyPr>
+          <a:lstStyle/>
+          <a:p>
+            <a:r>
+              <a:rPr lang="pt-BR" dirty="0">
+                <a:solidFill>
+                  <a:schemeClr val="bg2">
+                    <a:lumMod val="25000"/>
+                  </a:schemeClr>
+                </a:solidFill>
+                <a:latin typeface="Baskerville Old Face" panose="02020602080505020303" pitchFamily="18" charset="0"/>
+              </a:rPr>
+              <a:t>O analista de negócios escreve um documento de requisitos.</a:t>
+            </a:r>
+          </a:p>
+        </p:txBody>
+      </p:sp>
+      <p:sp>
+        <p:nvSpPr>
+          <p:cNvPr id="9" name="Retângulo 8">
+            <a:extLst>
+              <a:ext uri="{FF2B5EF4-FFF2-40B4-BE49-F238E27FC236}">
+                <a16:creationId xmlns:a16="http://schemas.microsoft.com/office/drawing/2014/main" id="{7806F57C-95B2-4AE4-96CA-1F028C61CC83}"/>
+              </a:ext>
+            </a:extLst>
+          </p:cNvPr>
+          <p:cNvSpPr/>
+          <p:nvPr/>
+        </p:nvSpPr>
+        <p:spPr>
+          <a:xfrm>
+            <a:off x="9524445" y="5481375"/>
+            <a:ext cx="2067339" cy="1114441"/>
+          </a:xfrm>
+          <a:prstGeom prst="rect">
+            <a:avLst/>
+          </a:prstGeom>
+          <a:solidFill>
+            <a:schemeClr val="bg1"/>
+          </a:solidFill>
+          <a:ln>
+            <a:solidFill>
+              <a:schemeClr val="bg1"/>
+            </a:solidFill>
+          </a:ln>
+        </p:spPr>
+        <p:style>
+          <a:lnRef idx="2">
+            <a:schemeClr val="accent1">
+              <a:shade val="50000"/>
+            </a:schemeClr>
+          </a:lnRef>
+          <a:fillRef idx="1">
+            <a:schemeClr val="accent1"/>
+          </a:fillRef>
+          <a:effectRef idx="0">
+            <a:schemeClr val="accent1"/>
+          </a:effectRef>
+          <a:fontRef idx="minor">
+            <a:schemeClr val="lt1"/>
+          </a:fontRef>
+        </p:style>
+        <p:txBody>
+          <a:bodyPr rtlCol="0" anchor="ctr"/>
+          <a:lstStyle/>
+          <a:p>
+            <a:pPr algn="ctr"/>
+            <a:endParaRPr lang="pt-BR"/>
+          </a:p>
+        </p:txBody>
+      </p:sp>
+      <p:sp>
+        <p:nvSpPr>
+          <p:cNvPr id="10" name="Retângulo 9">
+            <a:extLst>
+              <a:ext uri="{FF2B5EF4-FFF2-40B4-BE49-F238E27FC236}">
+                <a16:creationId xmlns:a16="http://schemas.microsoft.com/office/drawing/2014/main" id="{AD9E57B1-94A0-4972-884A-F544830958C0}"/>
+              </a:ext>
+            </a:extLst>
+          </p:cNvPr>
+          <p:cNvSpPr/>
+          <p:nvPr/>
+        </p:nvSpPr>
+        <p:spPr>
+          <a:xfrm>
+            <a:off x="6255028" y="5407180"/>
+            <a:ext cx="2067339" cy="705336"/>
+          </a:xfrm>
+          <a:prstGeom prst="rect">
+            <a:avLst/>
+          </a:prstGeom>
+          <a:solidFill>
+            <a:schemeClr val="bg1"/>
+          </a:solidFill>
+          <a:ln>
+            <a:solidFill>
+              <a:schemeClr val="bg1"/>
+            </a:solidFill>
+          </a:ln>
+        </p:spPr>
+        <p:style>
+          <a:lnRef idx="2">
+            <a:schemeClr val="accent1">
+              <a:shade val="50000"/>
+            </a:schemeClr>
+          </a:lnRef>
+          <a:fillRef idx="1">
+            <a:schemeClr val="accent1"/>
+          </a:fillRef>
+          <a:effectRef idx="0">
+            <a:schemeClr val="accent1"/>
+          </a:effectRef>
+          <a:fontRef idx="minor">
+            <a:schemeClr val="lt1"/>
+          </a:fontRef>
+        </p:style>
+        <p:txBody>
+          <a:bodyPr rtlCol="0" anchor="ctr"/>
+          <a:lstStyle/>
+          <a:p>
+            <a:pPr algn="ctr"/>
+            <a:endParaRPr lang="pt-BR"/>
+          </a:p>
+        </p:txBody>
+      </p:sp>
+      <p:sp>
+        <p:nvSpPr>
+          <p:cNvPr id="11" name="Retângulo 10">
+            <a:extLst>
+              <a:ext uri="{FF2B5EF4-FFF2-40B4-BE49-F238E27FC236}">
+                <a16:creationId xmlns:a16="http://schemas.microsoft.com/office/drawing/2014/main" id="{BE2A8D5B-5BB4-4086-A36B-34E0D89E2DD5}"/>
+              </a:ext>
+            </a:extLst>
+          </p:cNvPr>
+          <p:cNvSpPr/>
+          <p:nvPr/>
+        </p:nvSpPr>
+        <p:spPr>
+          <a:xfrm>
+            <a:off x="9090991" y="394243"/>
+            <a:ext cx="2067339" cy="705336"/>
+          </a:xfrm>
+          <a:prstGeom prst="rect">
+            <a:avLst/>
+          </a:prstGeom>
+          <a:solidFill>
+            <a:schemeClr val="bg1"/>
+          </a:solidFill>
+          <a:ln>
+            <a:solidFill>
+              <a:schemeClr val="bg1"/>
+            </a:solidFill>
+          </a:ln>
+        </p:spPr>
+        <p:style>
+          <a:lnRef idx="2">
+            <a:schemeClr val="accent1">
+              <a:shade val="50000"/>
+            </a:schemeClr>
+          </a:lnRef>
+          <a:fillRef idx="1">
+            <a:schemeClr val="accent1"/>
+          </a:fillRef>
+          <a:effectRef idx="0">
+            <a:schemeClr val="accent1"/>
+          </a:effectRef>
+          <a:fontRef idx="minor">
+            <a:schemeClr val="lt1"/>
+          </a:fontRef>
+        </p:style>
+        <p:txBody>
+          <a:bodyPr rtlCol="0" anchor="ctr"/>
+          <a:lstStyle/>
+          <a:p>
+            <a:pPr algn="ctr"/>
+            <a:endParaRPr lang="pt-BR"/>
+          </a:p>
+        </p:txBody>
+      </p:sp>
+      <p:sp>
+        <p:nvSpPr>
+          <p:cNvPr id="12" name="CaixaDeTexto 11">
+            <a:extLst>
+              <a:ext uri="{FF2B5EF4-FFF2-40B4-BE49-F238E27FC236}">
+                <a16:creationId xmlns:a16="http://schemas.microsoft.com/office/drawing/2014/main" id="{ACD3F564-9502-4F21-93D4-674695D15EFA}"/>
+              </a:ext>
+            </a:extLst>
+          </p:cNvPr>
+          <p:cNvSpPr txBox="1"/>
+          <p:nvPr/>
+        </p:nvSpPr>
+        <p:spPr>
+          <a:xfrm>
+            <a:off x="9485623" y="5356188"/>
+            <a:ext cx="2375079" cy="1200329"/>
+          </a:xfrm>
+          <a:prstGeom prst="rect">
+            <a:avLst/>
+          </a:prstGeom>
+          <a:noFill/>
+        </p:spPr>
+        <p:txBody>
+          <a:bodyPr wrap="square" rtlCol="0">
+            <a:spAutoFit/>
+          </a:bodyPr>
+          <a:lstStyle/>
+          <a:p>
+            <a:r>
+              <a:rPr lang="pt-BR" dirty="0">
+                <a:solidFill>
+                  <a:schemeClr val="bg2">
+                    <a:lumMod val="25000"/>
+                  </a:schemeClr>
+                </a:solidFill>
+                <a:latin typeface="Baskerville Old Face" panose="02020602080505020303" pitchFamily="18" charset="0"/>
+              </a:rPr>
+              <a:t>O redator técnico traduz o software em documentação funcional e técnica.</a:t>
+            </a:r>
+          </a:p>
+        </p:txBody>
+      </p:sp>
+      <p:sp>
+        <p:nvSpPr>
+          <p:cNvPr id="13" name="CaixaDeTexto 12">
+            <a:extLst>
+              <a:ext uri="{FF2B5EF4-FFF2-40B4-BE49-F238E27FC236}">
+                <a16:creationId xmlns:a16="http://schemas.microsoft.com/office/drawing/2014/main" id="{8DAD07EF-19F9-40EE-BE0A-1BB18A70A8A2}"/>
+              </a:ext>
+            </a:extLst>
+          </p:cNvPr>
+          <p:cNvSpPr txBox="1"/>
+          <p:nvPr/>
+        </p:nvSpPr>
+        <p:spPr>
+          <a:xfrm>
+            <a:off x="6218959" y="5283296"/>
+            <a:ext cx="2375079" cy="923330"/>
+          </a:xfrm>
+          <a:prstGeom prst="rect">
+            <a:avLst/>
+          </a:prstGeom>
+          <a:noFill/>
+        </p:spPr>
+        <p:txBody>
+          <a:bodyPr wrap="square" rtlCol="0">
+            <a:spAutoFit/>
+          </a:bodyPr>
+          <a:lstStyle/>
+          <a:p>
+            <a:r>
+              <a:rPr lang="pt-BR" dirty="0">
+                <a:solidFill>
+                  <a:schemeClr val="bg2">
+                    <a:lumMod val="25000"/>
+                  </a:schemeClr>
+                </a:solidFill>
+                <a:latin typeface="Baskerville Old Face" panose="02020602080505020303" pitchFamily="18" charset="0"/>
+              </a:rPr>
+              <a:t>O tester traduz os requerimentos em cenários de teste.</a:t>
+            </a:r>
+          </a:p>
+        </p:txBody>
+      </p:sp>
+      <p:sp>
+        <p:nvSpPr>
+          <p:cNvPr id="14" name="CaixaDeTexto 13">
+            <a:extLst>
+              <a:ext uri="{FF2B5EF4-FFF2-40B4-BE49-F238E27FC236}">
+                <a16:creationId xmlns:a16="http://schemas.microsoft.com/office/drawing/2014/main" id="{F3D7CEEA-579B-49FF-A25C-37C770068ABF}"/>
+              </a:ext>
+            </a:extLst>
+          </p:cNvPr>
+          <p:cNvSpPr txBox="1"/>
+          <p:nvPr/>
+        </p:nvSpPr>
+        <p:spPr>
+          <a:xfrm>
+            <a:off x="9019393" y="270858"/>
+            <a:ext cx="2375079" cy="923330"/>
+          </a:xfrm>
+          <a:prstGeom prst="rect">
+            <a:avLst/>
+          </a:prstGeom>
+          <a:noFill/>
+        </p:spPr>
+        <p:txBody>
+          <a:bodyPr wrap="square" rtlCol="0">
+            <a:spAutoFit/>
+          </a:bodyPr>
+          <a:lstStyle/>
+          <a:p>
+            <a:r>
+              <a:rPr lang="pt-BR" dirty="0">
+                <a:solidFill>
+                  <a:schemeClr val="bg2">
+                    <a:lumMod val="25000"/>
+                  </a:schemeClr>
+                </a:solidFill>
+                <a:latin typeface="Baskerville Old Face" panose="02020602080505020303" pitchFamily="18" charset="0"/>
+              </a:rPr>
+              <a:t>O desenvolvedor traduz os requerimentos para o software.</a:t>
             </a:r>
           </a:p>
         </p:txBody>
@@ -4391,273 +4608,14 @@
         </p:blipFill>
         <p:spPr>
           <a:xfrm>
-            <a:off x="2058995" y="643466"/>
-            <a:ext cx="8074010" cy="5571067"/>
+            <a:off x="2266125" y="196186"/>
+            <a:ext cx="9064485" cy="6254495"/>
           </a:xfrm>
           <a:prstGeom prst="rect">
             <a:avLst/>
           </a:prstGeom>
         </p:spPr>
       </p:pic>
-      <p:sp>
-        <p:nvSpPr>
-          <p:cNvPr id="4" name="CaixaDeTexto 3">
-            <a:extLst>
-              <a:ext uri="{FF2B5EF4-FFF2-40B4-BE49-F238E27FC236}">
-                <a16:creationId xmlns:a16="http://schemas.microsoft.com/office/drawing/2014/main" id="{5F6FF0AD-155E-471D-B8E5-945CE0B0B18B}"/>
-              </a:ext>
-            </a:extLst>
-          </p:cNvPr>
-          <p:cNvSpPr txBox="1"/>
-          <p:nvPr/>
-        </p:nvSpPr>
-        <p:spPr>
-          <a:xfrm>
-            <a:off x="7317544" y="5616749"/>
-            <a:ext cx="3249637" cy="646331"/>
-          </a:xfrm>
-          <a:prstGeom prst="rect">
-            <a:avLst/>
-          </a:prstGeom>
-          <a:noFill/>
-        </p:spPr>
-        <p:txBody>
-          <a:bodyPr wrap="square" rtlCol="0">
-            <a:spAutoFit/>
-          </a:bodyPr>
-          <a:lstStyle/>
-          <a:p>
-            <a:r>
-              <a:rPr lang="pt-BR" dirty="0">
-                <a:highlight>
-                  <a:srgbClr val="FFFF00"/>
-                </a:highlight>
-              </a:rPr>
-              <a:t>O </a:t>
-            </a:r>
-            <a:r>
-              <a:rPr lang="pt-BR" dirty="0" err="1">
-                <a:highlight>
-                  <a:srgbClr val="FFFF00"/>
-                </a:highlight>
-              </a:rPr>
-              <a:t>tester</a:t>
-            </a:r>
-            <a:r>
-              <a:rPr lang="pt-BR" dirty="0">
-                <a:highlight>
-                  <a:srgbClr val="FFFF00"/>
-                </a:highlight>
-              </a:rPr>
-              <a:t> utiliza cenários de testes como base para os testes.</a:t>
-            </a:r>
-          </a:p>
-        </p:txBody>
-      </p:sp>
-      <p:sp>
-        <p:nvSpPr>
-          <p:cNvPr id="5" name="CaixaDeTexto 4">
-            <a:extLst>
-              <a:ext uri="{FF2B5EF4-FFF2-40B4-BE49-F238E27FC236}">
-                <a16:creationId xmlns:a16="http://schemas.microsoft.com/office/drawing/2014/main" id="{D184C7E1-9E37-4BA5-89C5-257149BC06B7}"/>
-              </a:ext>
-            </a:extLst>
-          </p:cNvPr>
-          <p:cNvSpPr txBox="1"/>
-          <p:nvPr/>
-        </p:nvSpPr>
-        <p:spPr>
-          <a:xfrm>
-            <a:off x="8541332" y="335632"/>
-            <a:ext cx="3249637" cy="923330"/>
-          </a:xfrm>
-          <a:prstGeom prst="rect">
-            <a:avLst/>
-          </a:prstGeom>
-          <a:noFill/>
-        </p:spPr>
-        <p:txBody>
-          <a:bodyPr wrap="square" rtlCol="0">
-            <a:spAutoFit/>
-          </a:bodyPr>
-          <a:lstStyle/>
-          <a:p>
-            <a:r>
-              <a:rPr lang="pt-BR" dirty="0">
-                <a:highlight>
-                  <a:srgbClr val="FFFF00"/>
-                </a:highlight>
-              </a:rPr>
-              <a:t>Os cenários guiam o desenvolvedor e agem como testes automatizados.</a:t>
-            </a:r>
-          </a:p>
-        </p:txBody>
-      </p:sp>
-      <p:sp>
-        <p:nvSpPr>
-          <p:cNvPr id="6" name="CaixaDeTexto 5">
-            <a:extLst>
-              <a:ext uri="{FF2B5EF4-FFF2-40B4-BE49-F238E27FC236}">
-                <a16:creationId xmlns:a16="http://schemas.microsoft.com/office/drawing/2014/main" id="{341489DC-A437-4F8B-9B6D-1C31A50141F3}"/>
-              </a:ext>
-            </a:extLst>
-          </p:cNvPr>
-          <p:cNvSpPr txBox="1"/>
-          <p:nvPr/>
-        </p:nvSpPr>
-        <p:spPr>
-          <a:xfrm>
-            <a:off x="4857519" y="728260"/>
-            <a:ext cx="3249637" cy="1200329"/>
-          </a:xfrm>
-          <a:prstGeom prst="rect">
-            <a:avLst/>
-          </a:prstGeom>
-          <a:noFill/>
-        </p:spPr>
-        <p:txBody>
-          <a:bodyPr wrap="square" rtlCol="0">
-            <a:spAutoFit/>
-          </a:bodyPr>
-          <a:lstStyle/>
-          <a:p>
-            <a:r>
-              <a:rPr lang="pt-BR" dirty="0">
-                <a:highlight>
-                  <a:srgbClr val="FFFF00"/>
-                </a:highlight>
-              </a:rPr>
-              <a:t>O analista de negócios, o desenvolvedor e o </a:t>
-            </a:r>
-            <a:r>
-              <a:rPr lang="pt-BR" dirty="0" err="1">
-                <a:highlight>
-                  <a:srgbClr val="FFFF00"/>
-                </a:highlight>
-              </a:rPr>
-              <a:t>tester</a:t>
-            </a:r>
-            <a:r>
-              <a:rPr lang="pt-BR" dirty="0">
-                <a:highlight>
-                  <a:srgbClr val="FFFF00"/>
-                </a:highlight>
-              </a:rPr>
-              <a:t> elaboram os requisitos em conjunto.</a:t>
-            </a:r>
-          </a:p>
-        </p:txBody>
-      </p:sp>
-      <p:sp>
-        <p:nvSpPr>
-          <p:cNvPr id="7" name="CaixaDeTexto 6">
-            <a:extLst>
-              <a:ext uri="{FF2B5EF4-FFF2-40B4-BE49-F238E27FC236}">
-                <a16:creationId xmlns:a16="http://schemas.microsoft.com/office/drawing/2014/main" id="{25BEE54F-A39A-484E-AA40-3150782FC2BD}"/>
-              </a:ext>
-            </a:extLst>
-          </p:cNvPr>
-          <p:cNvSpPr txBox="1"/>
-          <p:nvPr/>
-        </p:nvSpPr>
-        <p:spPr>
-          <a:xfrm>
-            <a:off x="2263181" y="2682670"/>
-            <a:ext cx="3249637" cy="1200329"/>
-          </a:xfrm>
-          <a:prstGeom prst="rect">
-            <a:avLst/>
-          </a:prstGeom>
-          <a:noFill/>
-        </p:spPr>
-        <p:txBody>
-          <a:bodyPr wrap="square" rtlCol="0">
-            <a:spAutoFit/>
-          </a:bodyPr>
-          <a:lstStyle/>
-          <a:p>
-            <a:r>
-              <a:rPr lang="pt-BR" dirty="0">
-                <a:highlight>
-                  <a:srgbClr val="FFFF00"/>
-                </a:highlight>
-              </a:rPr>
-              <a:t>O ~dono do negócio~ e o analista de negócios conversam sobre o que o ~</a:t>
-            </a:r>
-            <a:r>
-              <a:rPr lang="pt-BR" dirty="0" err="1">
-                <a:highlight>
-                  <a:srgbClr val="FFFF00"/>
-                </a:highlight>
-              </a:rPr>
-              <a:t>projeto~necessita</a:t>
-            </a:r>
-            <a:r>
-              <a:rPr lang="pt-BR" dirty="0">
-                <a:highlight>
-                  <a:srgbClr val="FFFF00"/>
-                </a:highlight>
-              </a:rPr>
-              <a:t>.</a:t>
-            </a:r>
-          </a:p>
-        </p:txBody>
-      </p:sp>
-      <p:sp>
-        <p:nvSpPr>
-          <p:cNvPr id="8" name="CaixaDeTexto 7">
-            <a:extLst>
-              <a:ext uri="{FF2B5EF4-FFF2-40B4-BE49-F238E27FC236}">
-                <a16:creationId xmlns:a16="http://schemas.microsoft.com/office/drawing/2014/main" id="{705D6765-8592-4FCB-AA33-AAA40FA4F952}"/>
-              </a:ext>
-            </a:extLst>
-          </p:cNvPr>
-          <p:cNvSpPr txBox="1"/>
-          <p:nvPr/>
-        </p:nvSpPr>
-        <p:spPr>
-          <a:xfrm>
-            <a:off x="3783058" y="5529575"/>
-            <a:ext cx="3249637" cy="1200329"/>
-          </a:xfrm>
-          <a:prstGeom prst="rect">
-            <a:avLst/>
-          </a:prstGeom>
-          <a:noFill/>
-        </p:spPr>
-        <p:txBody>
-          <a:bodyPr wrap="square" rtlCol="0">
-            <a:spAutoFit/>
-          </a:bodyPr>
-          <a:lstStyle/>
-          <a:p>
-            <a:r>
-              <a:rPr lang="pt-BR" dirty="0">
-                <a:highlight>
-                  <a:srgbClr val="FFFF00"/>
-                </a:highlight>
-              </a:rPr>
-              <a:t>Os testes automatizados ~retornam </a:t>
-            </a:r>
-            <a:r>
-              <a:rPr lang="pt-BR" dirty="0" err="1">
-                <a:highlight>
-                  <a:srgbClr val="FFFF00"/>
-                </a:highlight>
-              </a:rPr>
-              <a:t>nanana</a:t>
-            </a:r>
-            <a:r>
-              <a:rPr lang="pt-BR" dirty="0">
-                <a:highlight>
-                  <a:srgbClr val="FFFF00"/>
-                </a:highlight>
-              </a:rPr>
-              <a:t>~ em progresso e ajudam a documentar a aplicação.</a:t>
-            </a:r>
-          </a:p>
-        </p:txBody>
-      </p:sp>
       <p:sp>
         <p:nvSpPr>
           <p:cNvPr id="9" name="CaixaDeTexto 8">
@@ -4711,24 +4669,574 @@
               </a:spcAft>
             </a:pPr>
             <a:r>
-              <a:rPr lang="en-US" sz="2600" dirty="0">
+              <a:rPr lang="en-US" sz="4400" dirty="0">
                 <a:solidFill>
                   <a:schemeClr val="bg1"/>
                 </a:solidFill>
-                <a:latin typeface="+mj-lt"/>
+                <a:latin typeface="Baskerville Old Face" panose="02020602080505020303" pitchFamily="18" charset="0"/>
                 <a:ea typeface="+mj-ea"/>
                 <a:cs typeface="+mj-cs"/>
               </a:rPr>
               <a:t>BDD</a:t>
             </a:r>
-            <a:endParaRPr lang="en-US" sz="2600" kern="1200" dirty="0">
+            <a:endParaRPr lang="en-US" sz="4400" kern="1200" dirty="0">
               <a:solidFill>
                 <a:schemeClr val="bg1"/>
               </a:solidFill>
-              <a:latin typeface="+mj-lt"/>
+              <a:latin typeface="Baskerville Old Face" panose="02020602080505020303" pitchFamily="18" charset="0"/>
               <a:ea typeface="+mj-ea"/>
               <a:cs typeface="+mj-cs"/>
             </a:endParaRPr>
+          </a:p>
+        </p:txBody>
+      </p:sp>
+      <p:sp>
+        <p:nvSpPr>
+          <p:cNvPr id="2" name="Retângulo 1">
+            <a:extLst>
+              <a:ext uri="{FF2B5EF4-FFF2-40B4-BE49-F238E27FC236}">
+                <a16:creationId xmlns:a16="http://schemas.microsoft.com/office/drawing/2014/main" id="{BC4639CF-05AE-4059-AAE7-567F754B91E7}"/>
+              </a:ext>
+            </a:extLst>
+          </p:cNvPr>
+          <p:cNvSpPr/>
+          <p:nvPr/>
+        </p:nvSpPr>
+        <p:spPr>
+          <a:xfrm>
+            <a:off x="2610679" y="2769705"/>
+            <a:ext cx="2150610" cy="918976"/>
+          </a:xfrm>
+          <a:prstGeom prst="rect">
+            <a:avLst/>
+          </a:prstGeom>
+          <a:solidFill>
+            <a:schemeClr val="bg1"/>
+          </a:solidFill>
+          <a:ln>
+            <a:solidFill>
+              <a:schemeClr val="bg1"/>
+            </a:solidFill>
+          </a:ln>
+        </p:spPr>
+        <p:style>
+          <a:lnRef idx="2">
+            <a:schemeClr val="accent1">
+              <a:shade val="50000"/>
+            </a:schemeClr>
+          </a:lnRef>
+          <a:fillRef idx="1">
+            <a:schemeClr val="accent1"/>
+          </a:fillRef>
+          <a:effectRef idx="0">
+            <a:schemeClr val="accent1"/>
+          </a:effectRef>
+          <a:fontRef idx="minor">
+            <a:schemeClr val="lt1"/>
+          </a:fontRef>
+        </p:style>
+        <p:txBody>
+          <a:bodyPr rtlCol="0" anchor="ctr"/>
+          <a:lstStyle/>
+          <a:p>
+            <a:pPr algn="ctr"/>
+            <a:endParaRPr lang="pt-BR"/>
+          </a:p>
+        </p:txBody>
+      </p:sp>
+      <p:sp>
+        <p:nvSpPr>
+          <p:cNvPr id="11" name="Retângulo 10">
+            <a:extLst>
+              <a:ext uri="{FF2B5EF4-FFF2-40B4-BE49-F238E27FC236}">
+                <a16:creationId xmlns:a16="http://schemas.microsoft.com/office/drawing/2014/main" id="{676B1850-3025-4B65-9B4C-E18BB27F090E}"/>
+              </a:ext>
+            </a:extLst>
+          </p:cNvPr>
+          <p:cNvSpPr/>
+          <p:nvPr/>
+        </p:nvSpPr>
+        <p:spPr>
+          <a:xfrm>
+            <a:off x="5453274" y="364440"/>
+            <a:ext cx="2285996" cy="998742"/>
+          </a:xfrm>
+          <a:prstGeom prst="rect">
+            <a:avLst/>
+          </a:prstGeom>
+          <a:solidFill>
+            <a:schemeClr val="bg1"/>
+          </a:solidFill>
+          <a:ln>
+            <a:solidFill>
+              <a:schemeClr val="bg1"/>
+            </a:solidFill>
+          </a:ln>
+        </p:spPr>
+        <p:style>
+          <a:lnRef idx="2">
+            <a:schemeClr val="accent1">
+              <a:shade val="50000"/>
+            </a:schemeClr>
+          </a:lnRef>
+          <a:fillRef idx="1">
+            <a:schemeClr val="accent1"/>
+          </a:fillRef>
+          <a:effectRef idx="0">
+            <a:schemeClr val="accent1"/>
+          </a:effectRef>
+          <a:fontRef idx="minor">
+            <a:schemeClr val="lt1"/>
+          </a:fontRef>
+        </p:style>
+        <p:txBody>
+          <a:bodyPr rtlCol="0" anchor="ctr"/>
+          <a:lstStyle/>
+          <a:p>
+            <a:pPr algn="ctr"/>
+            <a:endParaRPr lang="pt-BR"/>
+          </a:p>
+        </p:txBody>
+      </p:sp>
+      <p:sp>
+        <p:nvSpPr>
+          <p:cNvPr id="7" name="CaixaDeTexto 6">
+            <a:extLst>
+              <a:ext uri="{FF2B5EF4-FFF2-40B4-BE49-F238E27FC236}">
+                <a16:creationId xmlns:a16="http://schemas.microsoft.com/office/drawing/2014/main" id="{25BEE54F-A39A-484E-AA40-3150782FC2BD}"/>
+              </a:ext>
+            </a:extLst>
+          </p:cNvPr>
+          <p:cNvSpPr txBox="1"/>
+          <p:nvPr/>
+        </p:nvSpPr>
+        <p:spPr>
+          <a:xfrm>
+            <a:off x="2532065" y="2649005"/>
+            <a:ext cx="2577243" cy="1200329"/>
+          </a:xfrm>
+          <a:prstGeom prst="rect">
+            <a:avLst/>
+          </a:prstGeom>
+          <a:noFill/>
+        </p:spPr>
+        <p:txBody>
+          <a:bodyPr wrap="square" rtlCol="0">
+            <a:spAutoFit/>
+          </a:bodyPr>
+          <a:lstStyle/>
+          <a:p>
+            <a:r>
+              <a:rPr lang="pt-BR" dirty="0">
+                <a:solidFill>
+                  <a:schemeClr val="bg2">
+                    <a:lumMod val="25000"/>
+                  </a:schemeClr>
+                </a:solidFill>
+                <a:latin typeface="Baskerville Old Face" panose="02020602080505020303" pitchFamily="18" charset="0"/>
+              </a:rPr>
+              <a:t>O empresário e o analista de negócios conversam sobre as necessidades do projeto.</a:t>
+            </a:r>
+          </a:p>
+        </p:txBody>
+      </p:sp>
+      <p:sp>
+        <p:nvSpPr>
+          <p:cNvPr id="12" name="Retângulo 11">
+            <a:extLst>
+              <a:ext uri="{FF2B5EF4-FFF2-40B4-BE49-F238E27FC236}">
+                <a16:creationId xmlns:a16="http://schemas.microsoft.com/office/drawing/2014/main" id="{83F4E64B-3C4A-496F-9942-2DA54352C35F}"/>
+              </a:ext>
+            </a:extLst>
+          </p:cNvPr>
+          <p:cNvSpPr/>
+          <p:nvPr/>
+        </p:nvSpPr>
+        <p:spPr>
+          <a:xfrm>
+            <a:off x="5480371" y="2996622"/>
+            <a:ext cx="1675804" cy="1056121"/>
+          </a:xfrm>
+          <a:prstGeom prst="rect">
+            <a:avLst/>
+          </a:prstGeom>
+          <a:solidFill>
+            <a:schemeClr val="bg1"/>
+          </a:solidFill>
+          <a:ln>
+            <a:solidFill>
+              <a:schemeClr val="bg1"/>
+            </a:solidFill>
+          </a:ln>
+        </p:spPr>
+        <p:style>
+          <a:lnRef idx="2">
+            <a:schemeClr val="accent1">
+              <a:shade val="50000"/>
+            </a:schemeClr>
+          </a:lnRef>
+          <a:fillRef idx="1">
+            <a:schemeClr val="accent1"/>
+          </a:fillRef>
+          <a:effectRef idx="0">
+            <a:schemeClr val="accent1"/>
+          </a:effectRef>
+          <a:fontRef idx="minor">
+            <a:schemeClr val="lt1"/>
+          </a:fontRef>
+        </p:style>
+        <p:txBody>
+          <a:bodyPr rtlCol="0" anchor="ctr"/>
+          <a:lstStyle/>
+          <a:p>
+            <a:pPr algn="ctr"/>
+            <a:endParaRPr lang="pt-BR"/>
+          </a:p>
+        </p:txBody>
+      </p:sp>
+      <p:sp>
+        <p:nvSpPr>
+          <p:cNvPr id="6" name="CaixaDeTexto 5">
+            <a:extLst>
+              <a:ext uri="{FF2B5EF4-FFF2-40B4-BE49-F238E27FC236}">
+                <a16:creationId xmlns:a16="http://schemas.microsoft.com/office/drawing/2014/main" id="{341489DC-A437-4F8B-9B6D-1C31A50141F3}"/>
+              </a:ext>
+            </a:extLst>
+          </p:cNvPr>
+          <p:cNvSpPr txBox="1"/>
+          <p:nvPr/>
+        </p:nvSpPr>
+        <p:spPr>
+          <a:xfrm>
+            <a:off x="5400855" y="290941"/>
+            <a:ext cx="3249637" cy="1200329"/>
+          </a:xfrm>
+          <a:prstGeom prst="rect">
+            <a:avLst/>
+          </a:prstGeom>
+          <a:noFill/>
+        </p:spPr>
+        <p:txBody>
+          <a:bodyPr wrap="square" rtlCol="0">
+            <a:spAutoFit/>
+          </a:bodyPr>
+          <a:lstStyle/>
+          <a:p>
+            <a:r>
+              <a:rPr lang="pt-BR" dirty="0">
+                <a:latin typeface="Baskerville Old Face" panose="02020602080505020303" pitchFamily="18" charset="0"/>
+              </a:rPr>
+              <a:t>O analista de negócios, o desenvolvedor e o </a:t>
+            </a:r>
+            <a:r>
+              <a:rPr lang="pt-BR" i="1" dirty="0">
+                <a:latin typeface="Baskerville Old Face" panose="02020602080505020303" pitchFamily="18" charset="0"/>
+              </a:rPr>
+              <a:t>tester </a:t>
+            </a:r>
+            <a:r>
+              <a:rPr lang="pt-BR" dirty="0">
+                <a:latin typeface="Baskerville Old Face" panose="02020602080505020303" pitchFamily="18" charset="0"/>
+              </a:rPr>
+              <a:t>elaboram os requisitos em conjunto.</a:t>
+            </a:r>
+          </a:p>
+        </p:txBody>
+      </p:sp>
+      <p:sp>
+        <p:nvSpPr>
+          <p:cNvPr id="13" name="Retângulo 12">
+            <a:extLst>
+              <a:ext uri="{FF2B5EF4-FFF2-40B4-BE49-F238E27FC236}">
+                <a16:creationId xmlns:a16="http://schemas.microsoft.com/office/drawing/2014/main" id="{93CC0879-F0E9-417B-AEED-2FB57B22CA73}"/>
+              </a:ext>
+            </a:extLst>
+          </p:cNvPr>
+          <p:cNvSpPr/>
+          <p:nvPr/>
+        </p:nvSpPr>
+        <p:spPr>
+          <a:xfrm>
+            <a:off x="4258784" y="5688133"/>
+            <a:ext cx="2549974" cy="892469"/>
+          </a:xfrm>
+          <a:prstGeom prst="rect">
+            <a:avLst/>
+          </a:prstGeom>
+          <a:solidFill>
+            <a:schemeClr val="bg1"/>
+          </a:solidFill>
+          <a:ln>
+            <a:solidFill>
+              <a:schemeClr val="bg1"/>
+            </a:solidFill>
+          </a:ln>
+        </p:spPr>
+        <p:style>
+          <a:lnRef idx="2">
+            <a:schemeClr val="accent1">
+              <a:shade val="50000"/>
+            </a:schemeClr>
+          </a:lnRef>
+          <a:fillRef idx="1">
+            <a:schemeClr val="accent1"/>
+          </a:fillRef>
+          <a:effectRef idx="0">
+            <a:schemeClr val="accent1"/>
+          </a:effectRef>
+          <a:fontRef idx="minor">
+            <a:schemeClr val="lt1"/>
+          </a:fontRef>
+        </p:style>
+        <p:txBody>
+          <a:bodyPr rtlCol="0" anchor="ctr"/>
+          <a:lstStyle/>
+          <a:p>
+            <a:pPr algn="ctr"/>
+            <a:endParaRPr lang="pt-BR"/>
+          </a:p>
+        </p:txBody>
+      </p:sp>
+      <p:sp>
+        <p:nvSpPr>
+          <p:cNvPr id="14" name="Retângulo 13">
+            <a:extLst>
+              <a:ext uri="{FF2B5EF4-FFF2-40B4-BE49-F238E27FC236}">
+                <a16:creationId xmlns:a16="http://schemas.microsoft.com/office/drawing/2014/main" id="{4D71374B-0CED-47CC-938E-CC19D43F2589}"/>
+              </a:ext>
+            </a:extLst>
+          </p:cNvPr>
+          <p:cNvSpPr/>
+          <p:nvPr/>
+        </p:nvSpPr>
+        <p:spPr>
+          <a:xfrm>
+            <a:off x="8082962" y="5740851"/>
+            <a:ext cx="2084349" cy="892469"/>
+          </a:xfrm>
+          <a:prstGeom prst="rect">
+            <a:avLst/>
+          </a:prstGeom>
+          <a:solidFill>
+            <a:schemeClr val="bg1"/>
+          </a:solidFill>
+          <a:ln>
+            <a:solidFill>
+              <a:schemeClr val="bg1"/>
+            </a:solidFill>
+          </a:ln>
+        </p:spPr>
+        <p:style>
+          <a:lnRef idx="2">
+            <a:schemeClr val="accent1">
+              <a:shade val="50000"/>
+            </a:schemeClr>
+          </a:lnRef>
+          <a:fillRef idx="1">
+            <a:schemeClr val="accent1"/>
+          </a:fillRef>
+          <a:effectRef idx="0">
+            <a:schemeClr val="accent1"/>
+          </a:effectRef>
+          <a:fontRef idx="minor">
+            <a:schemeClr val="lt1"/>
+          </a:fontRef>
+        </p:style>
+        <p:txBody>
+          <a:bodyPr rtlCol="0" anchor="ctr"/>
+          <a:lstStyle/>
+          <a:p>
+            <a:pPr algn="ctr"/>
+            <a:endParaRPr lang="pt-BR"/>
+          </a:p>
+        </p:txBody>
+      </p:sp>
+      <p:sp>
+        <p:nvSpPr>
+          <p:cNvPr id="15" name="Retângulo 14">
+            <a:extLst>
+              <a:ext uri="{FF2B5EF4-FFF2-40B4-BE49-F238E27FC236}">
+                <a16:creationId xmlns:a16="http://schemas.microsoft.com/office/drawing/2014/main" id="{125CC6F7-B2A3-4AF3-8C73-66B09B2CF76F}"/>
+              </a:ext>
+            </a:extLst>
+          </p:cNvPr>
+          <p:cNvSpPr/>
+          <p:nvPr/>
+        </p:nvSpPr>
+        <p:spPr>
+          <a:xfrm>
+            <a:off x="9495190" y="112653"/>
+            <a:ext cx="2084349" cy="892469"/>
+          </a:xfrm>
+          <a:prstGeom prst="rect">
+            <a:avLst/>
+          </a:prstGeom>
+          <a:solidFill>
+            <a:schemeClr val="bg1"/>
+          </a:solidFill>
+          <a:ln>
+            <a:solidFill>
+              <a:schemeClr val="bg1"/>
+            </a:solidFill>
+          </a:ln>
+        </p:spPr>
+        <p:style>
+          <a:lnRef idx="2">
+            <a:schemeClr val="accent1">
+              <a:shade val="50000"/>
+            </a:schemeClr>
+          </a:lnRef>
+          <a:fillRef idx="1">
+            <a:schemeClr val="accent1"/>
+          </a:fillRef>
+          <a:effectRef idx="0">
+            <a:schemeClr val="accent1"/>
+          </a:effectRef>
+          <a:fontRef idx="minor">
+            <a:schemeClr val="lt1"/>
+          </a:fontRef>
+        </p:style>
+        <p:txBody>
+          <a:bodyPr rtlCol="0" anchor="ctr"/>
+          <a:lstStyle/>
+          <a:p>
+            <a:pPr algn="ctr"/>
+            <a:endParaRPr lang="pt-BR"/>
+          </a:p>
+        </p:txBody>
+      </p:sp>
+      <p:sp>
+        <p:nvSpPr>
+          <p:cNvPr id="5" name="CaixaDeTexto 4">
+            <a:extLst>
+              <a:ext uri="{FF2B5EF4-FFF2-40B4-BE49-F238E27FC236}">
+                <a16:creationId xmlns:a16="http://schemas.microsoft.com/office/drawing/2014/main" id="{D184C7E1-9E37-4BA5-89C5-257149BC06B7}"/>
+              </a:ext>
+            </a:extLst>
+          </p:cNvPr>
+          <p:cNvSpPr txBox="1"/>
+          <p:nvPr/>
+        </p:nvSpPr>
+        <p:spPr>
+          <a:xfrm>
+            <a:off x="9428326" y="69832"/>
+            <a:ext cx="2723919" cy="923330"/>
+          </a:xfrm>
+          <a:prstGeom prst="rect">
+            <a:avLst/>
+          </a:prstGeom>
+          <a:noFill/>
+        </p:spPr>
+        <p:txBody>
+          <a:bodyPr wrap="square" rtlCol="0">
+            <a:spAutoFit/>
+          </a:bodyPr>
+          <a:lstStyle/>
+          <a:p>
+            <a:r>
+              <a:rPr lang="pt-BR" dirty="0">
+                <a:latin typeface="Baskerville Old Face" panose="02020602080505020303" pitchFamily="18" charset="0"/>
+              </a:rPr>
+              <a:t>Os cenários guiam o desenvolvedor e funcionam como testes automatizados.</a:t>
+            </a:r>
+          </a:p>
+        </p:txBody>
+      </p:sp>
+      <p:sp>
+        <p:nvSpPr>
+          <p:cNvPr id="4" name="CaixaDeTexto 3">
+            <a:extLst>
+              <a:ext uri="{FF2B5EF4-FFF2-40B4-BE49-F238E27FC236}">
+                <a16:creationId xmlns:a16="http://schemas.microsoft.com/office/drawing/2014/main" id="{5F6FF0AD-155E-471D-B8E5-945CE0B0B18B}"/>
+              </a:ext>
+            </a:extLst>
+          </p:cNvPr>
+          <p:cNvSpPr txBox="1"/>
+          <p:nvPr/>
+        </p:nvSpPr>
+        <p:spPr>
+          <a:xfrm>
+            <a:off x="7980149" y="5608240"/>
+            <a:ext cx="3019158" cy="646331"/>
+          </a:xfrm>
+          <a:prstGeom prst="rect">
+            <a:avLst/>
+          </a:prstGeom>
+          <a:noFill/>
+        </p:spPr>
+        <p:txBody>
+          <a:bodyPr wrap="square" rtlCol="0">
+            <a:spAutoFit/>
+          </a:bodyPr>
+          <a:lstStyle/>
+          <a:p>
+            <a:r>
+              <a:rPr lang="pt-BR" dirty="0">
+                <a:latin typeface="Baskerville Old Face" panose="02020602080505020303" pitchFamily="18" charset="0"/>
+              </a:rPr>
+              <a:t>O </a:t>
+            </a:r>
+            <a:r>
+              <a:rPr lang="pt-BR" i="1" dirty="0">
+                <a:latin typeface="Baskerville Old Face" panose="02020602080505020303" pitchFamily="18" charset="0"/>
+              </a:rPr>
+              <a:t>tester</a:t>
+            </a:r>
+            <a:r>
+              <a:rPr lang="pt-BR" dirty="0">
+                <a:latin typeface="Baskerville Old Face" panose="02020602080505020303" pitchFamily="18" charset="0"/>
+              </a:rPr>
+              <a:t> utiliza os cenários como base para os testes.</a:t>
+            </a:r>
+          </a:p>
+        </p:txBody>
+      </p:sp>
+      <p:sp>
+        <p:nvSpPr>
+          <p:cNvPr id="8" name="CaixaDeTexto 7">
+            <a:extLst>
+              <a:ext uri="{FF2B5EF4-FFF2-40B4-BE49-F238E27FC236}">
+                <a16:creationId xmlns:a16="http://schemas.microsoft.com/office/drawing/2014/main" id="{705D6765-8592-4FCB-AA33-AAA40FA4F952}"/>
+              </a:ext>
+            </a:extLst>
+          </p:cNvPr>
+          <p:cNvSpPr txBox="1"/>
+          <p:nvPr/>
+        </p:nvSpPr>
+        <p:spPr>
+          <a:xfrm>
+            <a:off x="4195786" y="5593419"/>
+            <a:ext cx="3125467" cy="1200329"/>
+          </a:xfrm>
+          <a:prstGeom prst="rect">
+            <a:avLst/>
+          </a:prstGeom>
+          <a:noFill/>
+        </p:spPr>
+        <p:txBody>
+          <a:bodyPr wrap="square" rtlCol="0">
+            <a:spAutoFit/>
+          </a:bodyPr>
+          <a:lstStyle/>
+          <a:p>
+            <a:r>
+              <a:rPr lang="pt-BR" dirty="0">
+                <a:latin typeface="Baskerville Old Face" panose="02020602080505020303" pitchFamily="18" charset="0"/>
+              </a:rPr>
+              <a:t>Os testes automatizados trazem </a:t>
+            </a:r>
+            <a:r>
+              <a:rPr lang="pt-BR" i="1" dirty="0">
+                <a:latin typeface="Baskerville Old Face" panose="02020602080505020303" pitchFamily="18" charset="0"/>
+              </a:rPr>
+              <a:t>feedback</a:t>
+            </a:r>
+            <a:r>
+              <a:rPr lang="pt-BR" dirty="0">
+                <a:latin typeface="Baskerville Old Face" panose="02020602080505020303" pitchFamily="18" charset="0"/>
+              </a:rPr>
+              <a:t> durante o processo e ajudam a documentar a aplicação.</a:t>
+            </a:r>
           </a:p>
         </p:txBody>
       </p:sp>
@@ -4764,107 +5272,6 @@
       </p:grpSpPr>
       <p:sp>
         <p:nvSpPr>
-          <p:cNvPr id="2" name="CaixaDeTexto 1">
-            <a:extLst>
-              <a:ext uri="{FF2B5EF4-FFF2-40B4-BE49-F238E27FC236}">
-                <a16:creationId xmlns:a16="http://schemas.microsoft.com/office/drawing/2014/main" id="{7B9C38E1-64A1-44E5-B316-6954AEA846C4}"/>
-              </a:ext>
-            </a:extLst>
-          </p:cNvPr>
-          <p:cNvSpPr txBox="1"/>
-          <p:nvPr/>
-        </p:nvSpPr>
-        <p:spPr>
-          <a:xfrm>
-            <a:off x="1491027" y="1010479"/>
-            <a:ext cx="2479461" cy="461665"/>
-          </a:xfrm>
-          <a:prstGeom prst="rect">
-            <a:avLst/>
-          </a:prstGeom>
-          <a:noFill/>
-        </p:spPr>
-        <p:txBody>
-          <a:bodyPr wrap="none" rtlCol="0">
-            <a:spAutoFit/>
-          </a:bodyPr>
-          <a:lstStyle/>
-          <a:p>
-            <a:r>
-              <a:rPr lang="pt-BR" sz="2400" dirty="0"/>
-              <a:t>Vantagens do BDD</a:t>
-            </a:r>
-          </a:p>
-        </p:txBody>
-      </p:sp>
-      <p:pic>
-        <p:nvPicPr>
-          <p:cNvPr id="4" name="Imagem 3">
-            <a:extLst>
-              <a:ext uri="{FF2B5EF4-FFF2-40B4-BE49-F238E27FC236}">
-                <a16:creationId xmlns:a16="http://schemas.microsoft.com/office/drawing/2014/main" id="{D5F30BBB-C2CF-49DA-A6E0-67FAD1CB9A88}"/>
-              </a:ext>
-            </a:extLst>
-          </p:cNvPr>
-          <p:cNvPicPr>
-            <a:picLocks noChangeAspect="1"/>
-          </p:cNvPicPr>
-          <p:nvPr/>
-        </p:nvPicPr>
-        <p:blipFill>
-          <a:blip r:embed="rId2">
-            <a:extLst>
-              <a:ext uri="{28A0092B-C50C-407E-A947-70E740481C1C}">
-                <a14:useLocalDpi xmlns:a14="http://schemas.microsoft.com/office/drawing/2010/main" val="0"/>
-              </a:ext>
-            </a:extLst>
-          </a:blip>
-          <a:stretch>
-            <a:fillRect/>
-          </a:stretch>
-        </p:blipFill>
-        <p:spPr>
-          <a:xfrm>
-            <a:off x="3779355" y="2494721"/>
-            <a:ext cx="7124700" cy="3352800"/>
-          </a:xfrm>
-          <a:prstGeom prst="rect">
-            <a:avLst/>
-          </a:prstGeom>
-        </p:spPr>
-      </p:pic>
-    </p:spTree>
-    <p:extLst>
-      <p:ext uri="{BB962C8B-B14F-4D97-AF65-F5344CB8AC3E}">
-        <p14:creationId xmlns:p14="http://schemas.microsoft.com/office/powerpoint/2010/main" val="2930401200"/>
-      </p:ext>
-    </p:extLst>
-  </p:cSld>
-  <p:clrMapOvr>
-    <a:masterClrMapping/>
-  </p:clrMapOvr>
-</p:sld>
-</file>
-
-<file path=ppt/slides/slide6.xml><?xml version="1.0" encoding="utf-8"?>
-<p:sld xmlns:a="http://schemas.openxmlformats.org/drawingml/2006/main" xmlns:r="http://schemas.openxmlformats.org/officeDocument/2006/relationships" xmlns:p="http://schemas.openxmlformats.org/presentationml/2006/main">
-  <p:cSld>
-    <p:spTree>
-      <p:nvGrpSpPr>
-        <p:cNvPr id="1" name=""/>
-        <p:cNvGrpSpPr/>
-        <p:nvPr/>
-      </p:nvGrpSpPr>
-      <p:grpSpPr>
-        <a:xfrm>
-          <a:off x="0" y="0"/>
-          <a:ext cx="0" cy="0"/>
-          <a:chOff x="0" y="0"/>
-          <a:chExt cx="0" cy="0"/>
-        </a:xfrm>
-      </p:grpSpPr>
-      <p:sp>
-        <p:nvSpPr>
           <p:cNvPr id="3" name="CaixaDeTexto 2">
             <a:extLst>
               <a:ext uri="{FF2B5EF4-FFF2-40B4-BE49-F238E27FC236}">
@@ -5206,8 +5613,8 @@
         </p:nvSpPr>
         <p:spPr>
           <a:xfrm>
-            <a:off x="8569780" y="703446"/>
-            <a:ext cx="2599430" cy="461665"/>
+            <a:off x="8029450" y="592608"/>
+            <a:ext cx="2642070" cy="461665"/>
           </a:xfrm>
           <a:prstGeom prst="rect">
             <a:avLst/>
@@ -5221,14 +5628,20 @@
           <a:lstStyle/>
           <a:p>
             <a:r>
-              <a:rPr lang="pt-BR" sz="2400" dirty="0"/>
+              <a:rPr lang="pt-BR" sz="2400" dirty="0">
+                <a:latin typeface="Baskerville Old Face" panose="02020602080505020303" pitchFamily="18" charset="0"/>
+              </a:rPr>
               <a:t>Linguagem </a:t>
             </a:r>
             <a:r>
-              <a:rPr lang="pt-BR" sz="2400" dirty="0" err="1"/>
+              <a:rPr lang="pt-BR" sz="2400" dirty="0" err="1">
+                <a:latin typeface="Baskerville Old Face" panose="02020602080505020303" pitchFamily="18" charset="0"/>
+              </a:rPr>
               <a:t>Gherkin</a:t>
             </a:r>
-            <a:endParaRPr lang="pt-BR" sz="2400" dirty="0"/>
+            <a:endParaRPr lang="pt-BR" sz="2400" dirty="0">
+              <a:latin typeface="Baskerville Old Face" panose="02020602080505020303" pitchFamily="18" charset="0"/>
+            </a:endParaRPr>
           </a:p>
         </p:txBody>
       </p:sp>
@@ -5245,7 +5658,7 @@
 </p:sld>
 </file>
 
-<file path=ppt/slides/slide7.xml><?xml version="1.0" encoding="utf-8"?>
+<file path=ppt/slides/slide6.xml><?xml version="1.0" encoding="utf-8"?>
 <p:sld xmlns:a="http://schemas.openxmlformats.org/drawingml/2006/main" xmlns:r="http://schemas.openxmlformats.org/officeDocument/2006/relationships" xmlns:p="http://schemas.openxmlformats.org/presentationml/2006/main">
   <p:cSld>
     <p:bg>
@@ -5581,6 +5994,259 @@
     <p:extLst>
       <p:ext uri="{BB962C8B-B14F-4D97-AF65-F5344CB8AC3E}">
         <p14:creationId xmlns:p14="http://schemas.microsoft.com/office/powerpoint/2010/main" val="2370024133"/>
+      </p:ext>
+    </p:extLst>
+  </p:cSld>
+  <p:clrMapOvr>
+    <a:masterClrMapping/>
+  </p:clrMapOvr>
+</p:sld>
+</file>
+
+<file path=ppt/slides/slide7.xml><?xml version="1.0" encoding="utf-8"?>
+<p:sld xmlns:a="http://schemas.openxmlformats.org/drawingml/2006/main" xmlns:r="http://schemas.openxmlformats.org/officeDocument/2006/relationships" xmlns:p="http://schemas.openxmlformats.org/presentationml/2006/main">
+  <p:cSld>
+    <p:spTree>
+      <p:nvGrpSpPr>
+        <p:cNvPr id="1" name=""/>
+        <p:cNvGrpSpPr/>
+        <p:nvPr/>
+      </p:nvGrpSpPr>
+      <p:grpSpPr>
+        <a:xfrm>
+          <a:off x="0" y="0"/>
+          <a:ext cx="0" cy="0"/>
+          <a:chOff x="0" y="0"/>
+          <a:chExt cx="0" cy="0"/>
+        </a:xfrm>
+      </p:grpSpPr>
+      <p:sp>
+        <p:nvSpPr>
+          <p:cNvPr id="2" name="CaixaDeTexto 1">
+            <a:extLst>
+              <a:ext uri="{FF2B5EF4-FFF2-40B4-BE49-F238E27FC236}">
+                <a16:creationId xmlns:a16="http://schemas.microsoft.com/office/drawing/2014/main" id="{00CBF329-EA38-49BC-9550-7E844439E576}"/>
+              </a:ext>
+            </a:extLst>
+          </p:cNvPr>
+          <p:cNvSpPr txBox="1"/>
+          <p:nvPr/>
+        </p:nvSpPr>
+        <p:spPr>
+          <a:xfrm>
+            <a:off x="1141893" y="567102"/>
+            <a:ext cx="2248821" cy="369332"/>
+          </a:xfrm>
+          <a:prstGeom prst="rect">
+            <a:avLst/>
+          </a:prstGeom>
+          <a:noFill/>
+        </p:spPr>
+        <p:txBody>
+          <a:bodyPr wrap="none" rtlCol="0">
+            <a:spAutoFit/>
+          </a:bodyPr>
+          <a:lstStyle/>
+          <a:p>
+            <a:r>
+              <a:rPr lang="pt-BR" dirty="0"/>
+              <a:t>Principais frameworks</a:t>
+            </a:r>
+          </a:p>
+        </p:txBody>
+      </p:sp>
+      <p:pic>
+        <p:nvPicPr>
+          <p:cNvPr id="1026" name="Picture 2" descr="Image result for junit">
+            <a:extLst>
+              <a:ext uri="{FF2B5EF4-FFF2-40B4-BE49-F238E27FC236}">
+                <a16:creationId xmlns:a16="http://schemas.microsoft.com/office/drawing/2014/main" id="{210E0170-945E-4467-BE19-3FFD39402CA3}"/>
+              </a:ext>
+            </a:extLst>
+          </p:cNvPr>
+          <p:cNvPicPr>
+            <a:picLocks noChangeAspect="1" noChangeArrowheads="1"/>
+          </p:cNvPicPr>
+          <p:nvPr/>
+        </p:nvPicPr>
+        <p:blipFill>
+          <a:blip r:embed="rId2">
+            <a:extLst>
+              <a:ext uri="{28A0092B-C50C-407E-A947-70E740481C1C}">
+                <a14:useLocalDpi xmlns:a14="http://schemas.microsoft.com/office/drawing/2010/main" val="0"/>
+              </a:ext>
+            </a:extLst>
+          </a:blip>
+          <a:srcRect/>
+          <a:stretch>
+            <a:fillRect/>
+          </a:stretch>
+        </p:blipFill>
+        <p:spPr bwMode="auto">
+          <a:xfrm>
+            <a:off x="2668892" y="1118529"/>
+            <a:ext cx="2163163" cy="2163163"/>
+          </a:xfrm>
+          <a:prstGeom prst="rect">
+            <a:avLst/>
+          </a:prstGeom>
+          <a:noFill/>
+          <a:extLst>
+            <a:ext uri="{909E8E84-426E-40DD-AFC4-6F175D3DCCD1}">
+              <a14:hiddenFill xmlns:a14="http://schemas.microsoft.com/office/drawing/2010/main">
+                <a:solidFill>
+                  <a:srgbClr val="FFFFFF"/>
+                </a:solidFill>
+              </a14:hiddenFill>
+            </a:ext>
+          </a:extLst>
+        </p:spPr>
+      </p:pic>
+      <p:pic>
+        <p:nvPicPr>
+          <p:cNvPr id="1028" name="Picture 4" descr="Related image">
+            <a:extLst>
+              <a:ext uri="{FF2B5EF4-FFF2-40B4-BE49-F238E27FC236}">
+                <a16:creationId xmlns:a16="http://schemas.microsoft.com/office/drawing/2014/main" id="{AACA42D0-1759-464C-B040-7264E8B73933}"/>
+              </a:ext>
+            </a:extLst>
+          </p:cNvPr>
+          <p:cNvPicPr>
+            <a:picLocks noChangeAspect="1" noChangeArrowheads="1"/>
+          </p:cNvPicPr>
+          <p:nvPr/>
+        </p:nvPicPr>
+        <p:blipFill>
+          <a:blip r:embed="rId3">
+            <a:extLst>
+              <a:ext uri="{28A0092B-C50C-407E-A947-70E740481C1C}">
+                <a14:useLocalDpi xmlns:a14="http://schemas.microsoft.com/office/drawing/2010/main" val="0"/>
+              </a:ext>
+            </a:extLst>
+          </a:blip>
+          <a:srcRect/>
+          <a:stretch>
+            <a:fillRect/>
+          </a:stretch>
+        </p:blipFill>
+        <p:spPr bwMode="auto">
+          <a:xfrm>
+            <a:off x="7047830" y="1388109"/>
+            <a:ext cx="4082329" cy="1638051"/>
+          </a:xfrm>
+          <a:prstGeom prst="rect">
+            <a:avLst/>
+          </a:prstGeom>
+          <a:noFill/>
+          <a:extLst>
+            <a:ext uri="{909E8E84-426E-40DD-AFC4-6F175D3DCCD1}">
+              <a14:hiddenFill xmlns:a14="http://schemas.microsoft.com/office/drawing/2010/main">
+                <a:solidFill>
+                  <a:srgbClr val="FFFFFF"/>
+                </a:solidFill>
+              </a14:hiddenFill>
+            </a:ext>
+          </a:extLst>
+        </p:spPr>
+      </p:pic>
+      <p:pic>
+        <p:nvPicPr>
+          <p:cNvPr id="1030" name="Picture 6" descr="Image result for cucumber test">
+            <a:extLst>
+              <a:ext uri="{FF2B5EF4-FFF2-40B4-BE49-F238E27FC236}">
+                <a16:creationId xmlns:a16="http://schemas.microsoft.com/office/drawing/2014/main" id="{D74336CA-777E-4CC5-B924-6BE97DB4F781}"/>
+              </a:ext>
+            </a:extLst>
+          </p:cNvPr>
+          <p:cNvPicPr>
+            <a:picLocks noChangeAspect="1" noChangeArrowheads="1"/>
+          </p:cNvPicPr>
+          <p:nvPr/>
+        </p:nvPicPr>
+        <p:blipFill>
+          <a:blip r:embed="rId4">
+            <a:extLst>
+              <a:ext uri="{28A0092B-C50C-407E-A947-70E740481C1C}">
+                <a14:useLocalDpi xmlns:a14="http://schemas.microsoft.com/office/drawing/2010/main" val="0"/>
+              </a:ext>
+            </a:extLst>
+          </a:blip>
+          <a:srcRect/>
+          <a:stretch>
+            <a:fillRect/>
+          </a:stretch>
+        </p:blipFill>
+        <p:spPr bwMode="auto">
+          <a:xfrm>
+            <a:off x="2567528" y="4015215"/>
+            <a:ext cx="3093475" cy="1079494"/>
+          </a:xfrm>
+          <a:prstGeom prst="rect">
+            <a:avLst/>
+          </a:prstGeom>
+          <a:noFill/>
+          <a:extLst>
+            <a:ext uri="{909E8E84-426E-40DD-AFC4-6F175D3DCCD1}">
+              <a14:hiddenFill xmlns:a14="http://schemas.microsoft.com/office/drawing/2010/main">
+                <a:solidFill>
+                  <a:srgbClr val="FFFFFF"/>
+                </a:solidFill>
+              </a14:hiddenFill>
+            </a:ext>
+          </a:extLst>
+        </p:spPr>
+      </p:pic>
+      <p:pic>
+        <p:nvPicPr>
+          <p:cNvPr id="1032" name="Picture 8" descr="Image result for serenity bdd">
+            <a:extLst>
+              <a:ext uri="{FF2B5EF4-FFF2-40B4-BE49-F238E27FC236}">
+                <a16:creationId xmlns:a16="http://schemas.microsoft.com/office/drawing/2014/main" id="{F075C001-374D-4C4D-A91E-47F77814F015}"/>
+              </a:ext>
+            </a:extLst>
+          </p:cNvPr>
+          <p:cNvPicPr>
+            <a:picLocks noChangeAspect="1" noChangeArrowheads="1"/>
+          </p:cNvPicPr>
+          <p:nvPr/>
+        </p:nvPicPr>
+        <p:blipFill>
+          <a:blip r:embed="rId5">
+            <a:extLst>
+              <a:ext uri="{28A0092B-C50C-407E-A947-70E740481C1C}">
+                <a14:useLocalDpi xmlns:a14="http://schemas.microsoft.com/office/drawing/2010/main" val="0"/>
+              </a:ext>
+            </a:extLst>
+          </a:blip>
+          <a:srcRect/>
+          <a:stretch>
+            <a:fillRect/>
+          </a:stretch>
+        </p:blipFill>
+        <p:spPr bwMode="auto">
+          <a:xfrm>
+            <a:off x="6931385" y="4354964"/>
+            <a:ext cx="3948979" cy="824512"/>
+          </a:xfrm>
+          <a:prstGeom prst="rect">
+            <a:avLst/>
+          </a:prstGeom>
+          <a:noFill/>
+          <a:extLst>
+            <a:ext uri="{909E8E84-426E-40DD-AFC4-6F175D3DCCD1}">
+              <a14:hiddenFill xmlns:a14="http://schemas.microsoft.com/office/drawing/2010/main">
+                <a:solidFill>
+                  <a:srgbClr val="FFFFFF"/>
+                </a:solidFill>
+              </a14:hiddenFill>
+            </a:ext>
+          </a:extLst>
+        </p:spPr>
+      </p:pic>
+    </p:spTree>
+    <p:extLst>
+      <p:ext uri="{BB962C8B-B14F-4D97-AF65-F5344CB8AC3E}">
+        <p14:creationId xmlns:p14="http://schemas.microsoft.com/office/powerpoint/2010/main" val="3513663916"/>
       </p:ext>
     </p:extLst>
   </p:cSld>
@@ -5609,10 +6275,10 @@
       </p:grpSpPr>
       <p:sp>
         <p:nvSpPr>
-          <p:cNvPr id="2" name="CaixaDeTexto 1">
-            <a:extLst>
-              <a:ext uri="{FF2B5EF4-FFF2-40B4-BE49-F238E27FC236}">
-                <a16:creationId xmlns:a16="http://schemas.microsoft.com/office/drawing/2014/main" id="{00CBF329-EA38-49BC-9550-7E844439E576}"/>
+          <p:cNvPr id="3" name="CaixaDeTexto 2">
+            <a:extLst>
+              <a:ext uri="{FF2B5EF4-FFF2-40B4-BE49-F238E27FC236}">
+                <a16:creationId xmlns:a16="http://schemas.microsoft.com/office/drawing/2014/main" id="{F7F6E04E-1737-45E9-98FA-12A1DBDDDCE8}"/>
               </a:ext>
             </a:extLst>
           </p:cNvPr>
@@ -5621,8 +6287,8 @@
         </p:nvSpPr>
         <p:spPr>
           <a:xfrm>
-            <a:off x="1141893" y="567102"/>
-            <a:ext cx="2248821" cy="369332"/>
+            <a:off x="1093308" y="662606"/>
+            <a:ext cx="3120884" cy="954107"/>
           </a:xfrm>
           <a:prstGeom prst="rect">
             <a:avLst/>
@@ -5630,210 +6296,326 @@
           <a:noFill/>
         </p:spPr>
         <p:txBody>
-          <a:bodyPr wrap="none" rtlCol="0">
+          <a:bodyPr wrap="square" rtlCol="0">
             <a:spAutoFit/>
           </a:bodyPr>
           <a:lstStyle/>
           <a:p>
             <a:r>
-              <a:rPr lang="pt-BR" dirty="0"/>
-              <a:t>Principais frameworks</a:t>
-            </a:r>
-          </a:p>
-        </p:txBody>
-      </p:sp>
-      <p:pic>
-        <p:nvPicPr>
-          <p:cNvPr id="1026" name="Picture 2" descr="Image result for junit">
-            <a:extLst>
-              <a:ext uri="{FF2B5EF4-FFF2-40B4-BE49-F238E27FC236}">
-                <a16:creationId xmlns:a16="http://schemas.microsoft.com/office/drawing/2014/main" id="{210E0170-945E-4467-BE19-3FFD39402CA3}"/>
-              </a:ext>
-            </a:extLst>
-          </p:cNvPr>
-          <p:cNvPicPr>
-            <a:picLocks noChangeAspect="1" noChangeArrowheads="1"/>
-          </p:cNvPicPr>
+              <a:rPr lang="pt-BR" sz="2800" b="1" dirty="0">
+                <a:latin typeface="Baskerville Old Face" panose="02020602080505020303" pitchFamily="18" charset="0"/>
+              </a:rPr>
+              <a:t>	</a:t>
+            </a:r>
+          </a:p>
+          <a:p>
+            <a:r>
+              <a:rPr lang="pt-BR" sz="2800" b="1" dirty="0">
+                <a:latin typeface="Baskerville Old Face" panose="02020602080505020303" pitchFamily="18" charset="0"/>
+              </a:rPr>
+              <a:t>		</a:t>
+            </a:r>
+            <a:endParaRPr lang="pt-BR" sz="2000" b="1" dirty="0">
+              <a:latin typeface="Baskerville Old Face" panose="02020602080505020303" pitchFamily="18" charset="0"/>
+            </a:endParaRPr>
+          </a:p>
+        </p:txBody>
+      </p:sp>
+      <p:sp>
+        <p:nvSpPr>
+          <p:cNvPr id="9" name="CaixaDeTexto 8">
+            <a:extLst>
+              <a:ext uri="{FF2B5EF4-FFF2-40B4-BE49-F238E27FC236}">
+                <a16:creationId xmlns:a16="http://schemas.microsoft.com/office/drawing/2014/main" id="{4E12C730-9AC3-4972-9383-DD72B0649E6D}"/>
+              </a:ext>
+            </a:extLst>
+          </p:cNvPr>
+          <p:cNvSpPr txBox="1"/>
           <p:nvPr/>
-        </p:nvPicPr>
-        <p:blipFill>
-          <a:blip r:embed="rId2">
-            <a:extLst>
-              <a:ext uri="{28A0092B-C50C-407E-A947-70E740481C1C}">
-                <a14:useLocalDpi xmlns:a14="http://schemas.microsoft.com/office/drawing/2010/main" val="0"/>
-              </a:ext>
-            </a:extLst>
-          </a:blip>
-          <a:srcRect/>
-          <a:stretch>
-            <a:fillRect/>
-          </a:stretch>
-        </p:blipFill>
-        <p:spPr bwMode="auto">
-          <a:xfrm>
-            <a:off x="2668892" y="1118529"/>
-            <a:ext cx="2163163" cy="2163163"/>
+        </p:nvSpPr>
+        <p:spPr>
+          <a:xfrm>
+            <a:off x="1122225" y="2327562"/>
+            <a:ext cx="3144979" cy="923330"/>
           </a:xfrm>
           <a:prstGeom prst="rect">
             <a:avLst/>
           </a:prstGeom>
           <a:noFill/>
-          <a:extLst>
-            <a:ext uri="{909E8E84-426E-40DD-AFC4-6F175D3DCCD1}">
-              <a14:hiddenFill xmlns:a14="http://schemas.microsoft.com/office/drawing/2010/main">
-                <a:solidFill>
-                  <a:srgbClr val="FFFFFF"/>
-                </a:solidFill>
-              </a14:hiddenFill>
-            </a:ext>
-          </a:extLst>
-        </p:spPr>
-      </p:pic>
-      <p:pic>
-        <p:nvPicPr>
-          <p:cNvPr id="1028" name="Picture 4" descr="Related image">
-            <a:extLst>
-              <a:ext uri="{FF2B5EF4-FFF2-40B4-BE49-F238E27FC236}">
-                <a16:creationId xmlns:a16="http://schemas.microsoft.com/office/drawing/2014/main" id="{AACA42D0-1759-464C-B040-7264E8B73933}"/>
-              </a:ext>
-            </a:extLst>
-          </p:cNvPr>
-          <p:cNvPicPr>
-            <a:picLocks noChangeAspect="1" noChangeArrowheads="1"/>
-          </p:cNvPicPr>
+        </p:spPr>
+        <p:txBody>
+          <a:bodyPr wrap="square" rtlCol="0">
+            <a:spAutoFit/>
+          </a:bodyPr>
+          <a:lstStyle/>
+          <a:p>
+            <a:r>
+              <a:rPr lang="pt-BR" dirty="0">
+                <a:latin typeface="Baskerville Old Face" panose="02020602080505020303" pitchFamily="18" charset="0"/>
+              </a:rPr>
+              <a:t>Cenários de comportamento garantem o entendimento por parte de todos os stakeholders.</a:t>
+            </a:r>
+          </a:p>
+        </p:txBody>
+      </p:sp>
+      <p:sp>
+        <p:nvSpPr>
+          <p:cNvPr id="10" name="CaixaDeTexto 9">
+            <a:extLst>
+              <a:ext uri="{FF2B5EF4-FFF2-40B4-BE49-F238E27FC236}">
+                <a16:creationId xmlns:a16="http://schemas.microsoft.com/office/drawing/2014/main" id="{64C2C59B-78E0-4850-B8C1-7C3B64F86254}"/>
+              </a:ext>
+            </a:extLst>
+          </p:cNvPr>
+          <p:cNvSpPr txBox="1"/>
           <p:nvPr/>
-        </p:nvPicPr>
-        <p:blipFill>
-          <a:blip r:embed="rId3">
-            <a:extLst>
-              <a:ext uri="{28A0092B-C50C-407E-A947-70E740481C1C}">
-                <a14:useLocalDpi xmlns:a14="http://schemas.microsoft.com/office/drawing/2010/main" val="0"/>
-              </a:ext>
-            </a:extLst>
-          </a:blip>
-          <a:srcRect/>
-          <a:stretch>
-            <a:fillRect/>
-          </a:stretch>
-        </p:blipFill>
-        <p:spPr bwMode="auto">
-          <a:xfrm>
-            <a:off x="7047830" y="1388109"/>
-            <a:ext cx="4082329" cy="1638051"/>
+        </p:nvSpPr>
+        <p:spPr>
+          <a:xfrm>
+            <a:off x="1122225" y="665016"/>
+            <a:ext cx="4378036" cy="523220"/>
           </a:xfrm>
           <a:prstGeom prst="rect">
             <a:avLst/>
           </a:prstGeom>
           <a:noFill/>
-          <a:extLst>
-            <a:ext uri="{909E8E84-426E-40DD-AFC4-6F175D3DCCD1}">
-              <a14:hiddenFill xmlns:a14="http://schemas.microsoft.com/office/drawing/2010/main">
-                <a:solidFill>
-                  <a:srgbClr val="FFFFFF"/>
-                </a:solidFill>
-              </a14:hiddenFill>
-            </a:ext>
-          </a:extLst>
-        </p:spPr>
-      </p:pic>
-      <p:pic>
-        <p:nvPicPr>
-          <p:cNvPr id="1030" name="Picture 6" descr="Image result for cucumber test">
-            <a:extLst>
-              <a:ext uri="{FF2B5EF4-FFF2-40B4-BE49-F238E27FC236}">
-                <a16:creationId xmlns:a16="http://schemas.microsoft.com/office/drawing/2014/main" id="{D74336CA-777E-4CC5-B924-6BE97DB4F781}"/>
-              </a:ext>
-            </a:extLst>
-          </p:cNvPr>
-          <p:cNvPicPr>
-            <a:picLocks noChangeAspect="1" noChangeArrowheads="1"/>
-          </p:cNvPicPr>
+        </p:spPr>
+        <p:txBody>
+          <a:bodyPr wrap="square" rtlCol="0">
+            <a:spAutoFit/>
+          </a:bodyPr>
+          <a:lstStyle/>
+          <a:p>
+            <a:r>
+              <a:rPr lang="pt-BR" sz="2800" dirty="0">
+                <a:latin typeface="Baskerville Old Face" panose="02020602080505020303" pitchFamily="18" charset="0"/>
+              </a:rPr>
+              <a:t>Vantagens do BDD</a:t>
+            </a:r>
+          </a:p>
+        </p:txBody>
+      </p:sp>
+      <p:sp>
+        <p:nvSpPr>
+          <p:cNvPr id="11" name="CaixaDeTexto 10">
+            <a:extLst>
+              <a:ext uri="{FF2B5EF4-FFF2-40B4-BE49-F238E27FC236}">
+                <a16:creationId xmlns:a16="http://schemas.microsoft.com/office/drawing/2014/main" id="{BA861101-F088-4E8C-ABA1-639CBE9888D1}"/>
+              </a:ext>
+            </a:extLst>
+          </p:cNvPr>
+          <p:cNvSpPr txBox="1"/>
           <p:nvPr/>
-        </p:nvPicPr>
-        <p:blipFill>
-          <a:blip r:embed="rId4">
-            <a:extLst>
-              <a:ext uri="{28A0092B-C50C-407E-A947-70E740481C1C}">
-                <a14:useLocalDpi xmlns:a14="http://schemas.microsoft.com/office/drawing/2010/main" val="0"/>
-              </a:ext>
-            </a:extLst>
-          </a:blip>
-          <a:srcRect/>
-          <a:stretch>
-            <a:fillRect/>
-          </a:stretch>
-        </p:blipFill>
-        <p:spPr bwMode="auto">
-          <a:xfrm>
-            <a:off x="2567528" y="4015215"/>
-            <a:ext cx="3093475" cy="1079494"/>
+        </p:nvSpPr>
+        <p:spPr>
+          <a:xfrm>
+            <a:off x="4807534" y="3006434"/>
+            <a:ext cx="3144979" cy="646331"/>
           </a:xfrm>
           <a:prstGeom prst="rect">
             <a:avLst/>
           </a:prstGeom>
           <a:noFill/>
-          <a:extLst>
-            <a:ext uri="{909E8E84-426E-40DD-AFC4-6F175D3DCCD1}">
-              <a14:hiddenFill xmlns:a14="http://schemas.microsoft.com/office/drawing/2010/main">
-                <a:solidFill>
-                  <a:srgbClr val="FFFFFF"/>
-                </a:solidFill>
-              </a14:hiddenFill>
-            </a:ext>
-          </a:extLst>
-        </p:spPr>
-      </p:pic>
-      <p:pic>
-        <p:nvPicPr>
-          <p:cNvPr id="1032" name="Picture 8" descr="Image result for serenity bdd">
-            <a:extLst>
-              <a:ext uri="{FF2B5EF4-FFF2-40B4-BE49-F238E27FC236}">
-                <a16:creationId xmlns:a16="http://schemas.microsoft.com/office/drawing/2014/main" id="{F075C001-374D-4C4D-A91E-47F77814F015}"/>
-              </a:ext>
-            </a:extLst>
-          </p:cNvPr>
-          <p:cNvPicPr>
-            <a:picLocks noChangeAspect="1" noChangeArrowheads="1"/>
-          </p:cNvPicPr>
+        </p:spPr>
+        <p:txBody>
+          <a:bodyPr wrap="square" rtlCol="0">
+            <a:spAutoFit/>
+          </a:bodyPr>
+          <a:lstStyle/>
+          <a:p>
+            <a:r>
+              <a:rPr lang="pt-BR" dirty="0">
+                <a:latin typeface="Baskerville Old Face" panose="02020602080505020303" pitchFamily="18" charset="0"/>
+              </a:rPr>
+              <a:t>Linguagem ubíqua (comum) entre técnicos e não técnicos.</a:t>
+            </a:r>
+          </a:p>
+        </p:txBody>
+      </p:sp>
+      <p:sp>
+        <p:nvSpPr>
+          <p:cNvPr id="12" name="CaixaDeTexto 11">
+            <a:extLst>
+              <a:ext uri="{FF2B5EF4-FFF2-40B4-BE49-F238E27FC236}">
+                <a16:creationId xmlns:a16="http://schemas.microsoft.com/office/drawing/2014/main" id="{C0CB9458-D995-452B-9C8E-5790BB546E44}"/>
+              </a:ext>
+            </a:extLst>
+          </p:cNvPr>
+          <p:cNvSpPr txBox="1"/>
           <p:nvPr/>
-        </p:nvPicPr>
-        <p:blipFill>
-          <a:blip r:embed="rId5">
-            <a:extLst>
-              <a:ext uri="{28A0092B-C50C-407E-A947-70E740481C1C}">
-                <a14:useLocalDpi xmlns:a14="http://schemas.microsoft.com/office/drawing/2010/main" val="0"/>
-              </a:ext>
-            </a:extLst>
-          </a:blip>
-          <a:srcRect/>
-          <a:stretch>
-            <a:fillRect/>
-          </a:stretch>
-        </p:blipFill>
-        <p:spPr bwMode="auto">
-          <a:xfrm>
-            <a:off x="6931385" y="4354964"/>
-            <a:ext cx="3948979" cy="824512"/>
+        </p:nvSpPr>
+        <p:spPr>
+          <a:xfrm>
+            <a:off x="7356775" y="3837710"/>
+            <a:ext cx="2438389" cy="369332"/>
           </a:xfrm>
           <a:prstGeom prst="rect">
             <a:avLst/>
           </a:prstGeom>
           <a:noFill/>
-          <a:extLst>
-            <a:ext uri="{909E8E84-426E-40DD-AFC4-6F175D3DCCD1}">
-              <a14:hiddenFill xmlns:a14="http://schemas.microsoft.com/office/drawing/2010/main">
-                <a:solidFill>
-                  <a:srgbClr val="FFFFFF"/>
-                </a:solidFill>
-              </a14:hiddenFill>
-            </a:ext>
-          </a:extLst>
-        </p:spPr>
-      </p:pic>
+        </p:spPr>
+        <p:txBody>
+          <a:bodyPr wrap="square" rtlCol="0">
+            <a:spAutoFit/>
+          </a:bodyPr>
+          <a:lstStyle/>
+          <a:p>
+            <a:r>
+              <a:rPr lang="pt-BR" dirty="0">
+                <a:latin typeface="Baskerville Old Face" panose="02020602080505020303" pitchFamily="18" charset="0"/>
+              </a:rPr>
+              <a:t>Valores bem definidos.</a:t>
+            </a:r>
+          </a:p>
+        </p:txBody>
+      </p:sp>
+      <p:sp>
+        <p:nvSpPr>
+          <p:cNvPr id="15" name="CaixaDeTexto 14">
+            <a:extLst>
+              <a:ext uri="{FF2B5EF4-FFF2-40B4-BE49-F238E27FC236}">
+                <a16:creationId xmlns:a16="http://schemas.microsoft.com/office/drawing/2014/main" id="{0EDC777B-D94D-44B6-A3BF-44FBF92307CC}"/>
+              </a:ext>
+            </a:extLst>
+          </p:cNvPr>
+          <p:cNvSpPr txBox="1"/>
+          <p:nvPr/>
+        </p:nvSpPr>
+        <p:spPr>
+          <a:xfrm>
+            <a:off x="1986431" y="4185230"/>
+            <a:ext cx="2876522" cy="1200329"/>
+          </a:xfrm>
+          <a:prstGeom prst="rect">
+            <a:avLst/>
+          </a:prstGeom>
+          <a:noFill/>
+        </p:spPr>
+        <p:txBody>
+          <a:bodyPr wrap="square" rtlCol="0">
+            <a:spAutoFit/>
+          </a:bodyPr>
+          <a:lstStyle/>
+          <a:p>
+            <a:r>
+              <a:rPr lang="pt-BR" dirty="0">
+                <a:latin typeface="Baskerville Old Face" panose="02020602080505020303" pitchFamily="18" charset="0"/>
+              </a:rPr>
+              <a:t>Foco no valor que é entregue ao usuário (comportamento esperado).</a:t>
+            </a:r>
+            <a:br>
+              <a:rPr lang="pt-BR" dirty="0"/>
+            </a:br>
+            <a:endParaRPr lang="pt-BR" dirty="0">
+              <a:latin typeface="Baskerville Old Face" panose="02020602080505020303" pitchFamily="18" charset="0"/>
+            </a:endParaRPr>
+          </a:p>
+        </p:txBody>
+      </p:sp>
+      <p:sp>
+        <p:nvSpPr>
+          <p:cNvPr id="16" name="CaixaDeTexto 15">
+            <a:extLst>
+              <a:ext uri="{FF2B5EF4-FFF2-40B4-BE49-F238E27FC236}">
+                <a16:creationId xmlns:a16="http://schemas.microsoft.com/office/drawing/2014/main" id="{E3BB15B4-FAE7-416B-A553-1F349431256B}"/>
+              </a:ext>
+            </a:extLst>
+          </p:cNvPr>
+          <p:cNvSpPr txBox="1"/>
+          <p:nvPr/>
+        </p:nvSpPr>
+        <p:spPr>
+          <a:xfrm>
+            <a:off x="7736057" y="1677557"/>
+            <a:ext cx="2876522" cy="923330"/>
+          </a:xfrm>
+          <a:prstGeom prst="rect">
+            <a:avLst/>
+          </a:prstGeom>
+          <a:noFill/>
+        </p:spPr>
+        <p:txBody>
+          <a:bodyPr wrap="square" rtlCol="0">
+            <a:spAutoFit/>
+          </a:bodyPr>
+          <a:lstStyle/>
+          <a:p>
+            <a:r>
+              <a:rPr lang="pt-BR" dirty="0">
+                <a:latin typeface="Baskerville Old Face" panose="02020602080505020303" pitchFamily="18" charset="0"/>
+              </a:rPr>
+              <a:t>Desenvolvimento coletivo de histórias de testes.</a:t>
+            </a:r>
+            <a:br>
+              <a:rPr lang="pt-BR" dirty="0"/>
+            </a:br>
+            <a:endParaRPr lang="pt-BR" dirty="0">
+              <a:latin typeface="Baskerville Old Face" panose="02020602080505020303" pitchFamily="18" charset="0"/>
+            </a:endParaRPr>
+          </a:p>
+        </p:txBody>
+      </p:sp>
+      <p:sp>
+        <p:nvSpPr>
+          <p:cNvPr id="17" name="CaixaDeTexto 16">
+            <a:extLst>
+              <a:ext uri="{FF2B5EF4-FFF2-40B4-BE49-F238E27FC236}">
+                <a16:creationId xmlns:a16="http://schemas.microsoft.com/office/drawing/2014/main" id="{C5393166-59F6-47E9-B646-7DB3D7622962}"/>
+              </a:ext>
+            </a:extLst>
+          </p:cNvPr>
+          <p:cNvSpPr txBox="1"/>
+          <p:nvPr/>
+        </p:nvSpPr>
+        <p:spPr>
+          <a:xfrm>
+            <a:off x="6433729" y="4933385"/>
+            <a:ext cx="2377757" cy="1477328"/>
+          </a:xfrm>
+          <a:prstGeom prst="rect">
+            <a:avLst/>
+          </a:prstGeom>
+          <a:noFill/>
+        </p:spPr>
+        <p:txBody>
+          <a:bodyPr wrap="square" rtlCol="0">
+            <a:spAutoFit/>
+          </a:bodyPr>
+          <a:lstStyle/>
+          <a:p>
+            <a:r>
+              <a:rPr lang="pt-BR" i="1" dirty="0">
+                <a:latin typeface="Baskerville Old Face" panose="02020602080505020303" pitchFamily="18" charset="0"/>
+              </a:rPr>
+              <a:t>No waste </a:t>
+            </a:r>
+            <a:r>
+              <a:rPr lang="pt-BR" dirty="0">
+                <a:latin typeface="Baskerville Old Face" panose="02020602080505020303" pitchFamily="18" charset="0"/>
+              </a:rPr>
+              <a:t>(apenas o necessário, nem mais, nem menos)</a:t>
+            </a:r>
+            <a:r>
+              <a:rPr lang="pt-BR" i="1" dirty="0">
+                <a:latin typeface="Baskerville Old Face" panose="02020602080505020303" pitchFamily="18" charset="0"/>
+              </a:rPr>
+              <a:t>.</a:t>
+            </a:r>
+          </a:p>
+          <a:p>
+            <a:br>
+              <a:rPr lang="pt-BR" dirty="0"/>
+            </a:br>
+            <a:endParaRPr lang="pt-BR" dirty="0">
+              <a:latin typeface="Baskerville Old Face" panose="02020602080505020303" pitchFamily="18" charset="0"/>
+            </a:endParaRPr>
+          </a:p>
+        </p:txBody>
+      </p:sp>
     </p:spTree>
     <p:extLst>
       <p:ext uri="{BB962C8B-B14F-4D97-AF65-F5344CB8AC3E}">
-        <p14:creationId xmlns:p14="http://schemas.microsoft.com/office/powerpoint/2010/main" val="3513663916"/>
+        <p14:creationId xmlns:p14="http://schemas.microsoft.com/office/powerpoint/2010/main" val="2930401200"/>
       </p:ext>
     </p:extLst>
   </p:cSld>
@@ -5949,15 +6731,175 @@
             </a:br>
             <a:r>
               <a:rPr lang="pt-BR" sz="2400" dirty="0"/>
-              <a:t>- No </a:t>
-            </a:r>
-            <a:r>
-              <a:rPr lang="pt-BR" sz="2400" dirty="0" err="1"/>
-              <a:t>waste</a:t>
-            </a:r>
-            <a:r>
-              <a:rPr lang="pt-BR" sz="2400" dirty="0"/>
-              <a:t> (apenas o necessário, nem mais, nem menos)</a:t>
+              <a:t>- No waste (apenas o necessário, nem mais, nem menos)</a:t>
+            </a:r>
+          </a:p>
+        </p:txBody>
+      </p:sp>
+      <p:sp>
+        <p:nvSpPr>
+          <p:cNvPr id="4" name="CaixaDeTexto 3">
+            <a:extLst>
+              <a:ext uri="{FF2B5EF4-FFF2-40B4-BE49-F238E27FC236}">
+                <a16:creationId xmlns:a16="http://schemas.microsoft.com/office/drawing/2014/main" id="{75753D8A-626A-4FEE-A236-135AF6AC6DC3}"/>
+              </a:ext>
+            </a:extLst>
+          </p:cNvPr>
+          <p:cNvSpPr txBox="1"/>
+          <p:nvPr/>
+        </p:nvSpPr>
+        <p:spPr>
+          <a:xfrm>
+            <a:off x="2569788" y="4781533"/>
+            <a:ext cx="3144979" cy="923330"/>
+          </a:xfrm>
+          <a:prstGeom prst="rect">
+            <a:avLst/>
+          </a:prstGeom>
+          <a:noFill/>
+        </p:spPr>
+        <p:txBody>
+          <a:bodyPr wrap="square" rtlCol="0">
+            <a:spAutoFit/>
+          </a:bodyPr>
+          <a:lstStyle/>
+          <a:p>
+            <a:r>
+              <a:rPr lang="pt-BR" dirty="0">
+                <a:latin typeface="Baskerville Old Face" panose="02020602080505020303" pitchFamily="18" charset="0"/>
+              </a:rPr>
+              <a:t>Cenários de comportamento garantem o entendimento por parte de todos os stakeholders.</a:t>
+            </a:r>
+          </a:p>
+        </p:txBody>
+      </p:sp>
+      <p:sp>
+        <p:nvSpPr>
+          <p:cNvPr id="5" name="CaixaDeTexto 4">
+            <a:extLst>
+              <a:ext uri="{FF2B5EF4-FFF2-40B4-BE49-F238E27FC236}">
+                <a16:creationId xmlns:a16="http://schemas.microsoft.com/office/drawing/2014/main" id="{8B9BC869-5E4D-41F9-B280-440D7DC94701}"/>
+              </a:ext>
+            </a:extLst>
+          </p:cNvPr>
+          <p:cNvSpPr txBox="1"/>
+          <p:nvPr/>
+        </p:nvSpPr>
+        <p:spPr>
+          <a:xfrm>
+            <a:off x="6511643" y="1525162"/>
+            <a:ext cx="3144979" cy="923330"/>
+          </a:xfrm>
+          <a:prstGeom prst="rect">
+            <a:avLst/>
+          </a:prstGeom>
+          <a:noFill/>
+        </p:spPr>
+        <p:txBody>
+          <a:bodyPr wrap="square" rtlCol="0">
+            <a:spAutoFit/>
+          </a:bodyPr>
+          <a:lstStyle/>
+          <a:p>
+            <a:r>
+              <a:rPr lang="pt-BR" dirty="0">
+                <a:latin typeface="Baskerville Old Face" panose="02020602080505020303" pitchFamily="18" charset="0"/>
+              </a:rPr>
+              <a:t>Cenários de comportamento garantem o entendimento por parte de todos os stakeholders.</a:t>
+            </a:r>
+          </a:p>
+        </p:txBody>
+      </p:sp>
+      <p:sp>
+        <p:nvSpPr>
+          <p:cNvPr id="6" name="CaixaDeTexto 5">
+            <a:extLst>
+              <a:ext uri="{FF2B5EF4-FFF2-40B4-BE49-F238E27FC236}">
+                <a16:creationId xmlns:a16="http://schemas.microsoft.com/office/drawing/2014/main" id="{CFBCA3C2-C311-4E88-B741-CC7EA1B09587}"/>
+              </a:ext>
+            </a:extLst>
+          </p:cNvPr>
+          <p:cNvSpPr txBox="1"/>
+          <p:nvPr/>
+        </p:nvSpPr>
+        <p:spPr>
+          <a:xfrm>
+            <a:off x="1695479" y="1525162"/>
+            <a:ext cx="2377757" cy="1477328"/>
+          </a:xfrm>
+          <a:prstGeom prst="rect">
+            <a:avLst/>
+          </a:prstGeom>
+          <a:noFill/>
+        </p:spPr>
+        <p:txBody>
+          <a:bodyPr wrap="square" rtlCol="0">
+            <a:spAutoFit/>
+          </a:bodyPr>
+          <a:lstStyle/>
+          <a:p>
+            <a:r>
+              <a:rPr lang="pt-BR" i="1" dirty="0">
+                <a:latin typeface="Baskerville Old Face" panose="02020602080505020303" pitchFamily="18" charset="0"/>
+              </a:rPr>
+              <a:t>No waste </a:t>
+            </a:r>
+            <a:r>
+              <a:rPr lang="pt-BR" dirty="0">
+                <a:latin typeface="Baskerville Old Face" panose="02020602080505020303" pitchFamily="18" charset="0"/>
+              </a:rPr>
+              <a:t>(apenas o necessário, nem mais, nem menos)</a:t>
+            </a:r>
+            <a:r>
+              <a:rPr lang="pt-BR" i="1" dirty="0">
+                <a:latin typeface="Baskerville Old Face" panose="02020602080505020303" pitchFamily="18" charset="0"/>
+              </a:rPr>
+              <a:t>.</a:t>
+            </a:r>
+          </a:p>
+          <a:p>
+            <a:br>
+              <a:rPr lang="pt-BR" dirty="0"/>
+            </a:br>
+            <a:endParaRPr lang="pt-BR" dirty="0">
+              <a:latin typeface="Baskerville Old Face" panose="02020602080505020303" pitchFamily="18" charset="0"/>
+            </a:endParaRPr>
+          </a:p>
+        </p:txBody>
+      </p:sp>
+      <p:sp>
+        <p:nvSpPr>
+          <p:cNvPr id="7" name="CaixaDeTexto 6">
+            <a:extLst>
+              <a:ext uri="{FF2B5EF4-FFF2-40B4-BE49-F238E27FC236}">
+                <a16:creationId xmlns:a16="http://schemas.microsoft.com/office/drawing/2014/main" id="{BB2307EA-2818-42DE-9644-48C1980DE654}"/>
+              </a:ext>
+            </a:extLst>
+          </p:cNvPr>
+          <p:cNvSpPr txBox="1"/>
+          <p:nvPr/>
+        </p:nvSpPr>
+        <p:spPr>
+          <a:xfrm>
+            <a:off x="1695477" y="4613562"/>
+            <a:ext cx="3144979" cy="923330"/>
+          </a:xfrm>
+          <a:prstGeom prst="rect">
+            <a:avLst/>
+          </a:prstGeom>
+          <a:noFill/>
+        </p:spPr>
+        <p:txBody>
+          <a:bodyPr wrap="square" rtlCol="0">
+            <a:spAutoFit/>
+          </a:bodyPr>
+          <a:lstStyle/>
+          <a:p>
+            <a:r>
+              <a:rPr lang="pt-BR" dirty="0">
+                <a:latin typeface="Baskerville Old Face" panose="02020602080505020303" pitchFamily="18" charset="0"/>
+              </a:rPr>
+              <a:t>Cenários de comportamento garantem o entendimento por parte de todos os stakeholders.</a:t>
             </a:r>
           </a:p>
         </p:txBody>

--- a/2SEM/IES100 - Engenharia de Software I/BDD - Behavior Driven Development/apresentacao-oficial_BDD.pptx
+++ b/2SEM/IES100 - Engenharia de Software I/BDD - Behavior Driven Development/apresentacao-oficial_BDD.pptx
@@ -13,7 +13,6 @@
     <p:sldId id="258" r:id="rId7"/>
     <p:sldId id="265" r:id="rId8"/>
     <p:sldId id="263" r:id="rId9"/>
-    <p:sldId id="262" r:id="rId10"/>
   </p:sldIdLst>
   <p:sldSz cx="12192000" cy="6858000"/>
   <p:notesSz cx="6858000" cy="9144000"/>
@@ -3729,7 +3728,7 @@
               <a:rPr lang="pt-BR" sz="2000" dirty="0">
                 <a:latin typeface="Baskerville Old Face" panose="02020602080505020303" pitchFamily="18" charset="0"/>
               </a:rPr>
-              <a:t>Robson Ferreira					RA: 1110481823052</a:t>
+              <a:t>Robson Ferreira					RA: 1110481823026</a:t>
             </a:r>
           </a:p>
         </p:txBody>
@@ -5284,8 +5283,8 @@
         </p:nvSpPr>
         <p:spPr>
           <a:xfrm>
-            <a:off x="1550504" y="2881199"/>
-            <a:ext cx="4386470" cy="2585323"/>
+            <a:off x="851889" y="1736035"/>
+            <a:ext cx="4386470" cy="4524315"/>
           </a:xfrm>
           <a:prstGeom prst="rect">
             <a:avLst/>
@@ -5299,7 +5298,7 @@
           <a:lstStyle/>
           <a:p>
             <a:r>
-              <a:rPr lang="pt-BR" dirty="0">
+              <a:rPr lang="pt-BR" sz="2400" dirty="0">
                 <a:latin typeface="Baskerville Old Face" panose="02020602080505020303" pitchFamily="18" charset="0"/>
               </a:rPr>
               <a:t>“Se pudéssemos desenvolver um vocabulário consistente para analistas, testadores, desenvolvedores e pessoas da área de negócios, então estaríamos a caminho de eliminar algumas das ambiguidades e falhas de comunicação que ocorrem quando pessoas da área de tecnologia falam com pessoas da área de negócios.” </a:t>
@@ -5307,7 +5306,7 @@
           </a:p>
           <a:p>
             <a:r>
-              <a:rPr lang="pt-BR" dirty="0">
+              <a:rPr lang="pt-BR" sz="2400" dirty="0">
                 <a:latin typeface="Baskerville Old Face" panose="02020602080505020303" pitchFamily="18" charset="0"/>
               </a:rPr>
               <a:t>			Dan North</a:t>
@@ -5329,7 +5328,7 @@
         </p:nvSpPr>
         <p:spPr>
           <a:xfrm>
-            <a:off x="7858548" y="2557665"/>
+            <a:off x="7606760" y="2703437"/>
             <a:ext cx="1948070" cy="1603513"/>
           </a:xfrm>
           <a:prstGeom prst="ellipse">
@@ -5391,7 +5390,7 @@
         </p:nvSpPr>
         <p:spPr>
           <a:xfrm>
-            <a:off x="5903843" y="934279"/>
+            <a:off x="5652055" y="1080051"/>
             <a:ext cx="1948070" cy="1603513"/>
           </a:xfrm>
           <a:prstGeom prst="ellipse">
@@ -5453,7 +5452,7 @@
         </p:nvSpPr>
         <p:spPr>
           <a:xfrm>
-            <a:off x="9859629" y="4174428"/>
+            <a:off x="9607841" y="4320200"/>
             <a:ext cx="1948070" cy="1603513"/>
           </a:xfrm>
           <a:prstGeom prst="ellipse">
@@ -5515,7 +5514,7 @@
         </p:nvSpPr>
         <p:spPr>
           <a:xfrm rot="2449951">
-            <a:off x="7569459" y="2336332"/>
+            <a:off x="7317671" y="2482104"/>
             <a:ext cx="690673" cy="363276"/>
           </a:xfrm>
           <a:prstGeom prst="rightArrow">
@@ -5564,7 +5563,7 @@
         </p:nvSpPr>
         <p:spPr>
           <a:xfrm rot="2449951">
-            <a:off x="9524159" y="3986230"/>
+            <a:off x="9272371" y="4132002"/>
             <a:ext cx="690673" cy="363276"/>
           </a:xfrm>
           <a:prstGeom prst="rightArrow">
@@ -5823,8 +5822,8 @@
         </p:nvSpPr>
         <p:spPr>
           <a:xfrm>
-            <a:off x="108073" y="329971"/>
-            <a:ext cx="2750235" cy="2516360"/>
+            <a:off x="108074" y="966080"/>
+            <a:ext cx="3138710" cy="3099029"/>
           </a:xfrm>
           <a:prstGeom prst="ellipse">
             <a:avLst/>
@@ -5856,11 +5855,11 @@
               </a:spcAft>
             </a:pPr>
             <a:r>
-              <a:rPr lang="en-US" sz="2600" kern="1200" dirty="0">
+              <a:rPr lang="en-US" sz="2400" kern="1200" dirty="0">
                 <a:solidFill>
                   <a:srgbClr val="FFFFFF"/>
                 </a:solidFill>
-                <a:latin typeface="+mj-lt"/>
+                <a:latin typeface="Baskerville Old Face" panose="02020602080505020303" pitchFamily="18" charset="0"/>
                 <a:ea typeface="+mj-ea"/>
                 <a:cs typeface="+mj-cs"/>
               </a:rPr>
@@ -5891,7 +5890,7 @@
         </p:blipFill>
         <p:spPr>
           <a:xfrm>
-            <a:off x="2426407" y="4011670"/>
+            <a:off x="2426407" y="4223703"/>
             <a:ext cx="9242783" cy="2516360"/>
           </a:xfrm>
           <a:prstGeom prst="rect">
@@ -5921,7 +5920,7 @@
         </p:blipFill>
         <p:spPr>
           <a:xfrm>
-            <a:off x="6856322" y="987986"/>
+            <a:off x="6856322" y="1385546"/>
             <a:ext cx="5227605" cy="2669080"/>
           </a:xfrm>
           <a:prstGeom prst="rect">
@@ -5943,8 +5942,8 @@
         </p:nvSpPr>
         <p:spPr>
           <a:xfrm>
-            <a:off x="3091603" y="387822"/>
-            <a:ext cx="3843745" cy="1200329"/>
+            <a:off x="3204763" y="295057"/>
+            <a:ext cx="3676006" cy="1200329"/>
           </a:xfrm>
           <a:prstGeom prst="rect">
             <a:avLst/>
@@ -5958,33 +5957,49 @@
           <a:lstStyle/>
           <a:p>
             <a:r>
-              <a:rPr lang="pt-BR" sz="2400" b="1" dirty="0"/>
+              <a:rPr lang="pt-BR" sz="2400" b="1" dirty="0">
+                <a:latin typeface="Baskerville Old Face" panose="02020602080505020303" pitchFamily="18" charset="0"/>
+              </a:rPr>
               <a:t>Para: </a:t>
             </a:r>
             <a:r>
-              <a:rPr lang="pt-BR" sz="2400" dirty="0"/>
+              <a:rPr lang="pt-BR" sz="2400" dirty="0">
+                <a:latin typeface="Baskerville Old Face" panose="02020602080505020303" pitchFamily="18" charset="0"/>
+              </a:rPr>
               <a:t>ter dinheiro na carteira</a:t>
             </a:r>
             <a:br>
-              <a:rPr lang="pt-BR" sz="2400" dirty="0"/>
+              <a:rPr lang="pt-BR" sz="2400" dirty="0">
+                <a:latin typeface="Baskerville Old Face" panose="02020602080505020303" pitchFamily="18" charset="0"/>
+              </a:rPr>
             </a:br>
             <a:r>
-              <a:rPr lang="pt-BR" sz="2400" b="1" dirty="0"/>
+              <a:rPr lang="pt-BR" sz="2400" b="1" dirty="0">
+                <a:latin typeface="Baskerville Old Face" panose="02020602080505020303" pitchFamily="18" charset="0"/>
+              </a:rPr>
               <a:t>Como: </a:t>
             </a:r>
             <a:r>
-              <a:rPr lang="pt-BR" sz="2400" dirty="0"/>
+              <a:rPr lang="pt-BR" sz="2400" dirty="0">
+                <a:latin typeface="Baskerville Old Face" panose="02020602080505020303" pitchFamily="18" charset="0"/>
+              </a:rPr>
               <a:t>Cliente de banco</a:t>
             </a:r>
             <a:br>
-              <a:rPr lang="pt-BR" sz="2400" dirty="0"/>
+              <a:rPr lang="pt-BR" sz="2400" dirty="0">
+                <a:latin typeface="Baskerville Old Face" panose="02020602080505020303" pitchFamily="18" charset="0"/>
+              </a:rPr>
             </a:br>
             <a:r>
-              <a:rPr lang="pt-BR" sz="2400" b="1" dirty="0"/>
+              <a:rPr lang="pt-BR" sz="2400" b="1" dirty="0">
+                <a:latin typeface="Baskerville Old Face" panose="02020602080505020303" pitchFamily="18" charset="0"/>
+              </a:rPr>
               <a:t>Eu quero: </a:t>
             </a:r>
             <a:r>
-              <a:rPr lang="pt-BR" sz="2400" dirty="0"/>
+              <a:rPr lang="pt-BR" sz="2400" dirty="0">
+                <a:latin typeface="Baskerville Old Face" panose="02020602080505020303" pitchFamily="18" charset="0"/>
+              </a:rPr>
               <a:t>retirar dinheiro</a:t>
             </a:r>
           </a:p>
@@ -6035,7 +6050,7 @@
         <p:spPr>
           <a:xfrm>
             <a:off x="1141893" y="567102"/>
-            <a:ext cx="2248821" cy="369332"/>
+            <a:ext cx="3394134" cy="523220"/>
           </a:xfrm>
           <a:prstGeom prst="rect">
             <a:avLst/>
@@ -6049,7 +6064,9 @@
           <a:lstStyle/>
           <a:p>
             <a:r>
-              <a:rPr lang="pt-BR" dirty="0"/>
+              <a:rPr lang="pt-BR" sz="2800" dirty="0">
+                <a:latin typeface="Baskerville Old Face" panose="02020602080505020303" pitchFamily="18" charset="0"/>
+              </a:rPr>
               <a:t>Principais frameworks</a:t>
             </a:r>
           </a:p>
@@ -6335,8 +6352,8 @@
         </p:nvSpPr>
         <p:spPr>
           <a:xfrm>
-            <a:off x="1122225" y="2327562"/>
-            <a:ext cx="3144979" cy="923330"/>
+            <a:off x="830580" y="1616713"/>
+            <a:ext cx="3144979" cy="2308324"/>
           </a:xfrm>
           <a:prstGeom prst="rect">
             <a:avLst/>
@@ -6350,7 +6367,7 @@
           <a:lstStyle/>
           <a:p>
             <a:r>
-              <a:rPr lang="pt-BR" dirty="0">
+              <a:rPr lang="pt-BR" sz="2400" dirty="0">
                 <a:latin typeface="Baskerville Old Face" panose="02020602080505020303" pitchFamily="18" charset="0"/>
               </a:rPr>
               <a:t>Cenários de comportamento garantem o entendimento por parte de todos os stakeholders.</a:t>
@@ -6409,8 +6426,8 @@
         </p:nvSpPr>
         <p:spPr>
           <a:xfrm>
-            <a:off x="4807534" y="3006434"/>
-            <a:ext cx="3144979" cy="646331"/>
+            <a:off x="4876805" y="2644169"/>
+            <a:ext cx="3144979" cy="1200329"/>
           </a:xfrm>
           <a:prstGeom prst="rect">
             <a:avLst/>
@@ -6424,7 +6441,7 @@
           <a:lstStyle/>
           <a:p>
             <a:r>
-              <a:rPr lang="pt-BR" dirty="0">
+              <a:rPr lang="pt-BR" sz="2400" dirty="0">
                 <a:latin typeface="Baskerville Old Face" panose="02020602080505020303" pitchFamily="18" charset="0"/>
               </a:rPr>
               <a:t>Linguagem ubíqua (comum) entre técnicos e não técnicos.</a:t>
@@ -6446,8 +6463,8 @@
         </p:nvSpPr>
         <p:spPr>
           <a:xfrm>
-            <a:off x="7356775" y="3837710"/>
-            <a:ext cx="2438389" cy="369332"/>
+            <a:off x="9149319" y="3013501"/>
+            <a:ext cx="2438389" cy="830997"/>
           </a:xfrm>
           <a:prstGeom prst="rect">
             <a:avLst/>
@@ -6461,7 +6478,7 @@
           <a:lstStyle/>
           <a:p>
             <a:r>
-              <a:rPr lang="pt-BR" dirty="0">
+              <a:rPr lang="pt-BR" sz="2400" dirty="0">
                 <a:latin typeface="Baskerville Old Face" panose="02020602080505020303" pitchFamily="18" charset="0"/>
               </a:rPr>
               <a:t>Valores bem definidos.</a:t>
@@ -6483,8 +6500,8 @@
         </p:nvSpPr>
         <p:spPr>
           <a:xfrm>
-            <a:off x="1986431" y="4185230"/>
-            <a:ext cx="2876522" cy="1200329"/>
+            <a:off x="2000283" y="4510795"/>
+            <a:ext cx="2876522" cy="1938992"/>
           </a:xfrm>
           <a:prstGeom prst="rect">
             <a:avLst/>
@@ -6498,15 +6515,15 @@
           <a:lstStyle/>
           <a:p>
             <a:r>
-              <a:rPr lang="pt-BR" dirty="0">
+              <a:rPr lang="pt-BR" sz="2400" dirty="0">
                 <a:latin typeface="Baskerville Old Face" panose="02020602080505020303" pitchFamily="18" charset="0"/>
               </a:rPr>
               <a:t>Foco no valor que é entregue ao usuário (comportamento esperado).</a:t>
             </a:r>
             <a:br>
-              <a:rPr lang="pt-BR" dirty="0"/>
+              <a:rPr lang="pt-BR" sz="2400" dirty="0"/>
             </a:br>
-            <a:endParaRPr lang="pt-BR" dirty="0">
+            <a:endParaRPr lang="pt-BR" sz="2400" dirty="0">
               <a:latin typeface="Baskerville Old Face" panose="02020602080505020303" pitchFamily="18" charset="0"/>
             </a:endParaRPr>
           </a:p>
@@ -6526,8 +6543,8 @@
         </p:nvSpPr>
         <p:spPr>
           <a:xfrm>
-            <a:off x="7736057" y="1677557"/>
-            <a:ext cx="2876522" cy="923330"/>
+            <a:off x="8193253" y="702335"/>
+            <a:ext cx="2876522" cy="1569660"/>
           </a:xfrm>
           <a:prstGeom prst="rect">
             <a:avLst/>
@@ -6541,15 +6558,15 @@
           <a:lstStyle/>
           <a:p>
             <a:r>
-              <a:rPr lang="pt-BR" dirty="0">
+              <a:rPr lang="pt-BR" sz="2400" dirty="0">
                 <a:latin typeface="Baskerville Old Face" panose="02020602080505020303" pitchFamily="18" charset="0"/>
               </a:rPr>
               <a:t>Desenvolvimento coletivo de histórias de testes.</a:t>
             </a:r>
             <a:br>
-              <a:rPr lang="pt-BR" dirty="0"/>
+              <a:rPr lang="pt-BR" sz="2400" dirty="0"/>
             </a:br>
-            <a:endParaRPr lang="pt-BR" dirty="0">
+            <a:endParaRPr lang="pt-BR" sz="2400" dirty="0">
               <a:latin typeface="Baskerville Old Face" panose="02020602080505020303" pitchFamily="18" charset="0"/>
             </a:endParaRPr>
           </a:p>
@@ -6569,8 +6586,8 @@
         </p:nvSpPr>
         <p:spPr>
           <a:xfrm>
-            <a:off x="6433729" y="4933385"/>
-            <a:ext cx="2377757" cy="1477328"/>
+            <a:off x="7414390" y="4508451"/>
+            <a:ext cx="2377757" cy="2308324"/>
           </a:xfrm>
           <a:prstGeom prst="rect">
             <a:avLst/>
@@ -6584,19 +6601,19 @@
           <a:lstStyle/>
           <a:p>
             <a:r>
-              <a:rPr lang="pt-BR" i="1" dirty="0">
+              <a:rPr lang="pt-BR" sz="2400" i="1" dirty="0">
                 <a:latin typeface="Baskerville Old Face" panose="02020602080505020303" pitchFamily="18" charset="0"/>
               </a:rPr>
               <a:t>No waste </a:t>
             </a:r>
             <a:r>
-              <a:rPr lang="pt-BR" dirty="0">
+              <a:rPr lang="pt-BR" sz="2400" dirty="0">
                 <a:latin typeface="Baskerville Old Face" panose="02020602080505020303" pitchFamily="18" charset="0"/>
               </a:rPr>
               <a:t>(apenas o necessário, nem mais, nem menos)</a:t>
             </a:r>
             <a:r>
-              <a:rPr lang="pt-BR" i="1" dirty="0">
+              <a:rPr lang="pt-BR" sz="2400" i="1" dirty="0">
                 <a:latin typeface="Baskerville Old Face" panose="02020602080505020303" pitchFamily="18" charset="0"/>
               </a:rPr>
               <a:t>.</a:t>
@@ -6604,9 +6621,9 @@
           </a:p>
           <a:p>
             <a:br>
-              <a:rPr lang="pt-BR" dirty="0"/>
+              <a:rPr lang="pt-BR" sz="2400" dirty="0"/>
             </a:br>
-            <a:endParaRPr lang="pt-BR" dirty="0">
+            <a:endParaRPr lang="pt-BR" sz="2400" dirty="0">
               <a:latin typeface="Baskerville Old Face" panose="02020602080505020303" pitchFamily="18" charset="0"/>
             </a:endParaRPr>
           </a:p>
@@ -6616,298 +6633,6 @@
     <p:extLst>
       <p:ext uri="{BB962C8B-B14F-4D97-AF65-F5344CB8AC3E}">
         <p14:creationId xmlns:p14="http://schemas.microsoft.com/office/powerpoint/2010/main" val="2930401200"/>
-      </p:ext>
-    </p:extLst>
-  </p:cSld>
-  <p:clrMapOvr>
-    <a:masterClrMapping/>
-  </p:clrMapOvr>
-</p:sld>
-</file>
-
-<file path=ppt/slides/slide9.xml><?xml version="1.0" encoding="utf-8"?>
-<p:sld xmlns:a="http://schemas.openxmlformats.org/drawingml/2006/main" xmlns:r="http://schemas.openxmlformats.org/officeDocument/2006/relationships" xmlns:p="http://schemas.openxmlformats.org/presentationml/2006/main">
-  <p:cSld>
-    <p:spTree>
-      <p:nvGrpSpPr>
-        <p:cNvPr id="1" name=""/>
-        <p:cNvGrpSpPr/>
-        <p:nvPr/>
-      </p:nvGrpSpPr>
-      <p:grpSpPr>
-        <a:xfrm>
-          <a:off x="0" y="0"/>
-          <a:ext cx="0" cy="0"/>
-          <a:chOff x="0" y="0"/>
-          <a:chExt cx="0" cy="0"/>
-        </a:xfrm>
-      </p:grpSpPr>
-      <p:sp>
-        <p:nvSpPr>
-          <p:cNvPr id="2" name="CaixaDeTexto 1">
-            <a:extLst>
-              <a:ext uri="{FF2B5EF4-FFF2-40B4-BE49-F238E27FC236}">
-                <a16:creationId xmlns:a16="http://schemas.microsoft.com/office/drawing/2014/main" id="{9E1A9D32-70E4-4385-8D52-E45D4C3F24CB}"/>
-              </a:ext>
-            </a:extLst>
-          </p:cNvPr>
-          <p:cNvSpPr txBox="1"/>
-          <p:nvPr/>
-        </p:nvSpPr>
-        <p:spPr>
-          <a:xfrm>
-            <a:off x="1695478" y="783805"/>
-            <a:ext cx="1748620" cy="830997"/>
-          </a:xfrm>
-          <a:prstGeom prst="rect">
-            <a:avLst/>
-          </a:prstGeom>
-          <a:noFill/>
-        </p:spPr>
-        <p:txBody>
-          <a:bodyPr wrap="none" rtlCol="0">
-            <a:spAutoFit/>
-          </a:bodyPr>
-          <a:lstStyle/>
-          <a:p>
-            <a:r>
-              <a:rPr lang="pt-BR" sz="2400" dirty="0"/>
-              <a:t>CONCLUSAO</a:t>
-            </a:r>
-          </a:p>
-          <a:p>
-            <a:endParaRPr lang="pt-BR" sz="2400" dirty="0"/>
-          </a:p>
-        </p:txBody>
-      </p:sp>
-      <p:sp>
-        <p:nvSpPr>
-          <p:cNvPr id="3" name="CaixaDeTexto 2">
-            <a:extLst>
-              <a:ext uri="{FF2B5EF4-FFF2-40B4-BE49-F238E27FC236}">
-                <a16:creationId xmlns:a16="http://schemas.microsoft.com/office/drawing/2014/main" id="{D1E3A84E-D30B-4476-B8B1-E35B737AA56D}"/>
-              </a:ext>
-            </a:extLst>
-          </p:cNvPr>
-          <p:cNvSpPr txBox="1"/>
-          <p:nvPr/>
-        </p:nvSpPr>
-        <p:spPr>
-          <a:xfrm>
-            <a:off x="1429789" y="2644170"/>
-            <a:ext cx="8887498" cy="1569660"/>
-          </a:xfrm>
-          <a:prstGeom prst="rect">
-            <a:avLst/>
-          </a:prstGeom>
-          <a:noFill/>
-        </p:spPr>
-        <p:txBody>
-          <a:bodyPr wrap="none" rtlCol="0">
-            <a:spAutoFit/>
-          </a:bodyPr>
-          <a:lstStyle/>
-          <a:p>
-            <a:r>
-              <a:rPr lang="pt-BR" sz="2400" dirty="0"/>
-              <a:t>- Foco no valor que é entregue ao usuário (comportamento esperado)</a:t>
-            </a:r>
-            <a:br>
-              <a:rPr lang="pt-BR" sz="2400" dirty="0"/>
-            </a:br>
-            <a:r>
-              <a:rPr lang="pt-BR" sz="2400" dirty="0"/>
-              <a:t>- Desenvolvimento coletivo de histórias de testes</a:t>
-            </a:r>
-            <a:br>
-              <a:rPr lang="pt-BR" sz="2400" dirty="0"/>
-            </a:br>
-            <a:r>
-              <a:rPr lang="pt-BR" sz="2400" dirty="0"/>
-              <a:t>- Linguagem Ubíqua (todos entendem)</a:t>
-            </a:r>
-            <a:br>
-              <a:rPr lang="pt-BR" sz="2400" dirty="0"/>
-            </a:br>
-            <a:r>
-              <a:rPr lang="pt-BR" sz="2400" dirty="0"/>
-              <a:t>- No waste (apenas o necessário, nem mais, nem menos)</a:t>
-            </a:r>
-          </a:p>
-        </p:txBody>
-      </p:sp>
-      <p:sp>
-        <p:nvSpPr>
-          <p:cNvPr id="4" name="CaixaDeTexto 3">
-            <a:extLst>
-              <a:ext uri="{FF2B5EF4-FFF2-40B4-BE49-F238E27FC236}">
-                <a16:creationId xmlns:a16="http://schemas.microsoft.com/office/drawing/2014/main" id="{75753D8A-626A-4FEE-A236-135AF6AC6DC3}"/>
-              </a:ext>
-            </a:extLst>
-          </p:cNvPr>
-          <p:cNvSpPr txBox="1"/>
-          <p:nvPr/>
-        </p:nvSpPr>
-        <p:spPr>
-          <a:xfrm>
-            <a:off x="2569788" y="4781533"/>
-            <a:ext cx="3144979" cy="923330"/>
-          </a:xfrm>
-          <a:prstGeom prst="rect">
-            <a:avLst/>
-          </a:prstGeom>
-          <a:noFill/>
-        </p:spPr>
-        <p:txBody>
-          <a:bodyPr wrap="square" rtlCol="0">
-            <a:spAutoFit/>
-          </a:bodyPr>
-          <a:lstStyle/>
-          <a:p>
-            <a:r>
-              <a:rPr lang="pt-BR" dirty="0">
-                <a:latin typeface="Baskerville Old Face" panose="02020602080505020303" pitchFamily="18" charset="0"/>
-              </a:rPr>
-              <a:t>Cenários de comportamento garantem o entendimento por parte de todos os stakeholders.</a:t>
-            </a:r>
-          </a:p>
-        </p:txBody>
-      </p:sp>
-      <p:sp>
-        <p:nvSpPr>
-          <p:cNvPr id="5" name="CaixaDeTexto 4">
-            <a:extLst>
-              <a:ext uri="{FF2B5EF4-FFF2-40B4-BE49-F238E27FC236}">
-                <a16:creationId xmlns:a16="http://schemas.microsoft.com/office/drawing/2014/main" id="{8B9BC869-5E4D-41F9-B280-440D7DC94701}"/>
-              </a:ext>
-            </a:extLst>
-          </p:cNvPr>
-          <p:cNvSpPr txBox="1"/>
-          <p:nvPr/>
-        </p:nvSpPr>
-        <p:spPr>
-          <a:xfrm>
-            <a:off x="6511643" y="1525162"/>
-            <a:ext cx="3144979" cy="923330"/>
-          </a:xfrm>
-          <a:prstGeom prst="rect">
-            <a:avLst/>
-          </a:prstGeom>
-          <a:noFill/>
-        </p:spPr>
-        <p:txBody>
-          <a:bodyPr wrap="square" rtlCol="0">
-            <a:spAutoFit/>
-          </a:bodyPr>
-          <a:lstStyle/>
-          <a:p>
-            <a:r>
-              <a:rPr lang="pt-BR" dirty="0">
-                <a:latin typeface="Baskerville Old Face" panose="02020602080505020303" pitchFamily="18" charset="0"/>
-              </a:rPr>
-              <a:t>Cenários de comportamento garantem o entendimento por parte de todos os stakeholders.</a:t>
-            </a:r>
-          </a:p>
-        </p:txBody>
-      </p:sp>
-      <p:sp>
-        <p:nvSpPr>
-          <p:cNvPr id="6" name="CaixaDeTexto 5">
-            <a:extLst>
-              <a:ext uri="{FF2B5EF4-FFF2-40B4-BE49-F238E27FC236}">
-                <a16:creationId xmlns:a16="http://schemas.microsoft.com/office/drawing/2014/main" id="{CFBCA3C2-C311-4E88-B741-CC7EA1B09587}"/>
-              </a:ext>
-            </a:extLst>
-          </p:cNvPr>
-          <p:cNvSpPr txBox="1"/>
-          <p:nvPr/>
-        </p:nvSpPr>
-        <p:spPr>
-          <a:xfrm>
-            <a:off x="1695479" y="1525162"/>
-            <a:ext cx="2377757" cy="1477328"/>
-          </a:xfrm>
-          <a:prstGeom prst="rect">
-            <a:avLst/>
-          </a:prstGeom>
-          <a:noFill/>
-        </p:spPr>
-        <p:txBody>
-          <a:bodyPr wrap="square" rtlCol="0">
-            <a:spAutoFit/>
-          </a:bodyPr>
-          <a:lstStyle/>
-          <a:p>
-            <a:r>
-              <a:rPr lang="pt-BR" i="1" dirty="0">
-                <a:latin typeface="Baskerville Old Face" panose="02020602080505020303" pitchFamily="18" charset="0"/>
-              </a:rPr>
-              <a:t>No waste </a:t>
-            </a:r>
-            <a:r>
-              <a:rPr lang="pt-BR" dirty="0">
-                <a:latin typeface="Baskerville Old Face" panose="02020602080505020303" pitchFamily="18" charset="0"/>
-              </a:rPr>
-              <a:t>(apenas o necessário, nem mais, nem menos)</a:t>
-            </a:r>
-            <a:r>
-              <a:rPr lang="pt-BR" i="1" dirty="0">
-                <a:latin typeface="Baskerville Old Face" panose="02020602080505020303" pitchFamily="18" charset="0"/>
-              </a:rPr>
-              <a:t>.</a:t>
-            </a:r>
-          </a:p>
-          <a:p>
-            <a:br>
-              <a:rPr lang="pt-BR" dirty="0"/>
-            </a:br>
-            <a:endParaRPr lang="pt-BR" dirty="0">
-              <a:latin typeface="Baskerville Old Face" panose="02020602080505020303" pitchFamily="18" charset="0"/>
-            </a:endParaRPr>
-          </a:p>
-        </p:txBody>
-      </p:sp>
-      <p:sp>
-        <p:nvSpPr>
-          <p:cNvPr id="7" name="CaixaDeTexto 6">
-            <a:extLst>
-              <a:ext uri="{FF2B5EF4-FFF2-40B4-BE49-F238E27FC236}">
-                <a16:creationId xmlns:a16="http://schemas.microsoft.com/office/drawing/2014/main" id="{BB2307EA-2818-42DE-9644-48C1980DE654}"/>
-              </a:ext>
-            </a:extLst>
-          </p:cNvPr>
-          <p:cNvSpPr txBox="1"/>
-          <p:nvPr/>
-        </p:nvSpPr>
-        <p:spPr>
-          <a:xfrm>
-            <a:off x="1695477" y="4613562"/>
-            <a:ext cx="3144979" cy="923330"/>
-          </a:xfrm>
-          <a:prstGeom prst="rect">
-            <a:avLst/>
-          </a:prstGeom>
-          <a:noFill/>
-        </p:spPr>
-        <p:txBody>
-          <a:bodyPr wrap="square" rtlCol="0">
-            <a:spAutoFit/>
-          </a:bodyPr>
-          <a:lstStyle/>
-          <a:p>
-            <a:r>
-              <a:rPr lang="pt-BR" dirty="0">
-                <a:latin typeface="Baskerville Old Face" panose="02020602080505020303" pitchFamily="18" charset="0"/>
-              </a:rPr>
-              <a:t>Cenários de comportamento garantem o entendimento por parte de todos os stakeholders.</a:t>
-            </a:r>
-          </a:p>
-        </p:txBody>
-      </p:sp>
-    </p:spTree>
-    <p:extLst>
-      <p:ext uri="{BB962C8B-B14F-4D97-AF65-F5344CB8AC3E}">
-        <p14:creationId xmlns:p14="http://schemas.microsoft.com/office/powerpoint/2010/main" val="928297211"/>
       </p:ext>
     </p:extLst>
   </p:cSld>

--- a/2SEM/IES100 - Engenharia de Software I/BDD - Behavior Driven Development/apresentacao-oficial_BDD.pptx
+++ b/2SEM/IES100 - Engenharia de Software I/BDD - Behavior Driven Development/apresentacao-oficial_BDD.pptx
@@ -3684,19 +3684,7 @@
               <a:rPr lang="pt-BR" sz="2000" dirty="0">
                 <a:latin typeface="Baskerville Old Face" panose="02020602080505020303" pitchFamily="18" charset="0"/>
               </a:rPr>
-              <a:t>Bruno </a:t>
-            </a:r>
-            <a:r>
-              <a:rPr lang="pt-BR" sz="2000" u="sng" dirty="0">
-                <a:latin typeface="Baskerville Old Face" panose="02020602080505020303" pitchFamily="18" charset="0"/>
-              </a:rPr>
-              <a:t>Harnik</a:t>
-            </a:r>
-            <a:r>
-              <a:rPr lang="pt-BR" sz="2000" dirty="0">
-                <a:latin typeface="Baskerville Old Face" panose="02020602080505020303" pitchFamily="18" charset="0"/>
-              </a:rPr>
-              <a:t>					RA: 1110481823052</a:t>
+              <a:t>Bruno Harnik					RA: 1110481823052</a:t>
             </a:r>
           </a:p>
           <a:p>
@@ -3712,7 +3700,7 @@
               <a:rPr lang="pt-BR" sz="2000" dirty="0">
                 <a:latin typeface="Baskerville Old Face" panose="02020602080505020303" pitchFamily="18" charset="0"/>
               </a:rPr>
-              <a:t>Luiz Fernando					RA: 1110481823052</a:t>
+              <a:t>Luiz Fernando					RA: 1110481823051</a:t>
             </a:r>
           </a:p>
           <a:p>
@@ -5943,7 +5931,7 @@
         <p:spPr>
           <a:xfrm>
             <a:off x="3204763" y="295057"/>
-            <a:ext cx="3676006" cy="1200329"/>
+            <a:ext cx="3676006" cy="1569660"/>
           </a:xfrm>
           <a:prstGeom prst="rect">
             <a:avLst/>
@@ -5955,6 +5943,34 @@
             <a:spAutoFit/>
           </a:bodyPr>
           <a:lstStyle/>
+          <a:p>
+            <a:r>
+              <a:rPr lang="pt-BR" sz="2400" b="1" dirty="0">
+                <a:latin typeface="Baskerville Old Face" panose="02020602080505020303" pitchFamily="18" charset="0"/>
+              </a:rPr>
+              <a:t>Como: </a:t>
+            </a:r>
+            <a:r>
+              <a:rPr lang="pt-BR" sz="2400" dirty="0">
+                <a:latin typeface="Baskerville Old Face" panose="02020602080505020303" pitchFamily="18" charset="0"/>
+              </a:rPr>
+              <a:t>Cliente de banco </a:t>
+            </a:r>
+          </a:p>
+          <a:p>
+            <a:r>
+              <a:rPr lang="pt-BR" sz="2400" b="1" dirty="0">
+                <a:latin typeface="Baskerville Old Face" panose="02020602080505020303" pitchFamily="18" charset="0"/>
+              </a:rPr>
+              <a:t>Eu quero: </a:t>
+            </a:r>
+            <a:r>
+              <a:rPr lang="pt-BR" sz="2400" dirty="0">
+                <a:latin typeface="Baskerville Old Face" panose="02020602080505020303" pitchFamily="18" charset="0"/>
+              </a:rPr>
+              <a:t>retirar dinheiro</a:t>
+            </a:r>
+          </a:p>
           <a:p>
             <a:r>
               <a:rPr lang="pt-BR" sz="2400" b="1" dirty="0">
@@ -5973,35 +5989,9 @@
                 <a:latin typeface="Baskerville Old Face" panose="02020602080505020303" pitchFamily="18" charset="0"/>
               </a:rPr>
             </a:br>
-            <a:r>
-              <a:rPr lang="pt-BR" sz="2400" b="1" dirty="0">
-                <a:latin typeface="Baskerville Old Face" panose="02020602080505020303" pitchFamily="18" charset="0"/>
-              </a:rPr>
-              <a:t>Como: </a:t>
-            </a:r>
-            <a:r>
-              <a:rPr lang="pt-BR" sz="2400" dirty="0">
-                <a:latin typeface="Baskerville Old Face" panose="02020602080505020303" pitchFamily="18" charset="0"/>
-              </a:rPr>
-              <a:t>Cliente de banco</a:t>
-            </a:r>
-            <a:br>
-              <a:rPr lang="pt-BR" sz="2400" dirty="0">
-                <a:latin typeface="Baskerville Old Face" panose="02020602080505020303" pitchFamily="18" charset="0"/>
-              </a:rPr>
-            </a:br>
-            <a:r>
-              <a:rPr lang="pt-BR" sz="2400" b="1" dirty="0">
-                <a:latin typeface="Baskerville Old Face" panose="02020602080505020303" pitchFamily="18" charset="0"/>
-              </a:rPr>
-              <a:t>Eu quero: </a:t>
-            </a:r>
-            <a:r>
-              <a:rPr lang="pt-BR" sz="2400" dirty="0">
-                <a:latin typeface="Baskerville Old Face" panose="02020602080505020303" pitchFamily="18" charset="0"/>
-              </a:rPr>
-              <a:t>retirar dinheiro</a:t>
-            </a:r>
+            <a:endParaRPr lang="pt-BR" sz="2400" dirty="0">
+              <a:latin typeface="Baskerville Old Face" panose="02020602080505020303" pitchFamily="18" charset="0"/>
+            </a:endParaRPr>
           </a:p>
         </p:txBody>
       </p:sp>

--- a/2SEM/IES100 - Engenharia de Software I/BDD - Behavior Driven Development/apresentacao-oficial_BDD.pptx
+++ b/2SEM/IES100 - Engenharia de Software I/BDD - Behavior Driven Development/apresentacao-oficial_BDD.pptx
@@ -13,6 +13,7 @@
     <p:sldId id="258" r:id="rId7"/>
     <p:sldId id="265" r:id="rId8"/>
     <p:sldId id="263" r:id="rId9"/>
+    <p:sldId id="266" r:id="rId10"/>
   </p:sldIdLst>
   <p:sldSz cx="12192000" cy="6858000"/>
   <p:notesSz cx="6858000" cy="9144000"/>
@@ -304,18 +305,18 @@
     </p:extLst>
   </p:cm>
   <p:cm authorId="2" dt="2019-03-28T16:51:56.433" idx="13">
-    <p:pos x="4145" y="578"/>
+    <p:pos x="823" y="119"/>
     <p:text>Cenários são exemplos</p:text>
-    <p:extLst>
+    <p:extLst mod="1">
       <p:ext uri="{C676402C-5697-4E1C-873F-D02D1690AC5C}">
         <p15:threadingInfo xmlns:p15="http://schemas.microsoft.com/office/powerpoint/2012/main" timeZoneBias="180"/>
       </p:ext>
     </p:extLst>
   </p:cm>
   <p:cm authorId="2" dt="2019-03-28T16:57:45.094" idx="16">
-    <p:pos x="4145" y="714"/>
+    <p:pos x="823" y="255"/>
     <p:text>cenários de USO</p:text>
-    <p:extLst>
+    <p:extLst mod="1">
       <p:ext uri="{C676402C-5697-4E1C-873F-D02D1690AC5C}">
         <p15:threadingInfo xmlns:p15="http://schemas.microsoft.com/office/powerpoint/2012/main" timeZoneBias="180">
           <p15:parentCm authorId="2" idx="13"/>
@@ -4172,7 +4173,7 @@
         <p:spPr>
           <a:xfrm>
             <a:off x="2713752" y="2162411"/>
-            <a:ext cx="2375079" cy="923330"/>
+            <a:ext cx="2375079" cy="1015663"/>
           </a:xfrm>
           <a:prstGeom prst="rect">
             <a:avLst/>
@@ -4186,7 +4187,7 @@
           <a:lstStyle/>
           <a:p>
             <a:r>
-              <a:rPr lang="pt-BR" dirty="0">
+              <a:rPr lang="pt-BR" sz="2000" dirty="0">
                 <a:solidFill>
                   <a:schemeClr val="bg2">
                     <a:lumMod val="25000"/>
@@ -4214,7 +4215,7 @@
         <p:spPr>
           <a:xfrm>
             <a:off x="5569598" y="2169038"/>
-            <a:ext cx="2375079" cy="923330"/>
+            <a:ext cx="2375079" cy="1323439"/>
           </a:xfrm>
           <a:prstGeom prst="rect">
             <a:avLst/>
@@ -4228,7 +4229,7 @@
           <a:lstStyle/>
           <a:p>
             <a:r>
-              <a:rPr lang="pt-BR" dirty="0">
+              <a:rPr lang="pt-BR" sz="2000" dirty="0">
                 <a:solidFill>
                   <a:schemeClr val="bg2">
                     <a:lumMod val="25000"/>
@@ -4418,7 +4419,7 @@
         <p:spPr>
           <a:xfrm>
             <a:off x="9485623" y="5356188"/>
-            <a:ext cx="2375079" cy="1200329"/>
+            <a:ext cx="2375079" cy="1323439"/>
           </a:xfrm>
           <a:prstGeom prst="rect">
             <a:avLst/>
@@ -4432,7 +4433,7 @@
           <a:lstStyle/>
           <a:p>
             <a:r>
-              <a:rPr lang="pt-BR" dirty="0">
+              <a:rPr lang="pt-BR" sz="2000" dirty="0">
                 <a:solidFill>
                   <a:schemeClr val="bg2">
                     <a:lumMod val="25000"/>
@@ -4460,7 +4461,7 @@
         <p:spPr>
           <a:xfrm>
             <a:off x="6218959" y="5283296"/>
-            <a:ext cx="2375079" cy="923330"/>
+            <a:ext cx="2375079" cy="1015663"/>
           </a:xfrm>
           <a:prstGeom prst="rect">
             <a:avLst/>
@@ -4474,7 +4475,7 @@
           <a:lstStyle/>
           <a:p>
             <a:r>
-              <a:rPr lang="pt-BR" dirty="0">
+              <a:rPr lang="pt-BR" sz="2000" dirty="0">
                 <a:solidFill>
                   <a:schemeClr val="bg2">
                     <a:lumMod val="25000"/>
@@ -4482,7 +4483,7 @@
                 </a:solidFill>
                 <a:latin typeface="Baskerville Old Face" panose="02020602080505020303" pitchFamily="18" charset="0"/>
               </a:rPr>
-              <a:t>O tester traduz os requerimentos em cenários de teste.</a:t>
+              <a:t>O tester traduz os requisitos em cenários de teste.</a:t>
             </a:r>
           </a:p>
         </p:txBody>
@@ -4502,7 +4503,7 @@
         <p:spPr>
           <a:xfrm>
             <a:off x="9019393" y="270858"/>
-            <a:ext cx="2375079" cy="923330"/>
+            <a:ext cx="2375079" cy="1015663"/>
           </a:xfrm>
           <a:prstGeom prst="rect">
             <a:avLst/>
@@ -4516,7 +4517,7 @@
           <a:lstStyle/>
           <a:p>
             <a:r>
-              <a:rPr lang="pt-BR" dirty="0">
+              <a:rPr lang="pt-BR" sz="2000" dirty="0">
                 <a:solidFill>
                   <a:schemeClr val="bg2">
                     <a:lumMod val="25000"/>
@@ -4524,7 +4525,7 @@
                 </a:solidFill>
                 <a:latin typeface="Baskerville Old Face" panose="02020602080505020303" pitchFamily="18" charset="0"/>
               </a:rPr>
-              <a:t>O desenvolvedor traduz os requerimentos para o software.</a:t>
+              <a:t>O desenvolvedor traduz os requisitos para o software.</a:t>
             </a:r>
           </a:p>
         </p:txBody>
@@ -4799,8 +4800,8 @@
         </p:nvSpPr>
         <p:spPr>
           <a:xfrm>
-            <a:off x="2532065" y="2649005"/>
-            <a:ext cx="2577243" cy="1200329"/>
+            <a:off x="2624209" y="2613392"/>
+            <a:ext cx="2577243" cy="1631216"/>
           </a:xfrm>
           <a:prstGeom prst="rect">
             <a:avLst/>
@@ -4814,7 +4815,7 @@
           <a:lstStyle/>
           <a:p>
             <a:r>
-              <a:rPr lang="pt-BR" dirty="0">
+              <a:rPr lang="pt-BR" sz="2000" dirty="0">
                 <a:solidFill>
                   <a:schemeClr val="bg2">
                     <a:lumMod val="25000"/>
@@ -4896,7 +4897,7 @@
         <p:spPr>
           <a:xfrm>
             <a:off x="5400855" y="290941"/>
-            <a:ext cx="3249637" cy="1200329"/>
+            <a:ext cx="3249637" cy="1323439"/>
           </a:xfrm>
           <a:prstGeom prst="rect">
             <a:avLst/>
@@ -4910,19 +4911,19 @@
           <a:lstStyle/>
           <a:p>
             <a:r>
-              <a:rPr lang="pt-BR" dirty="0">
+              <a:rPr lang="pt-BR" sz="2000" dirty="0">
                 <a:latin typeface="Baskerville Old Face" panose="02020602080505020303" pitchFamily="18" charset="0"/>
               </a:rPr>
               <a:t>O analista de negócios, o desenvolvedor e o </a:t>
             </a:r>
             <a:r>
-              <a:rPr lang="pt-BR" i="1" dirty="0">
+              <a:rPr lang="pt-BR" sz="2000" i="1" dirty="0">
                 <a:latin typeface="Baskerville Old Face" panose="02020602080505020303" pitchFamily="18" charset="0"/>
               </a:rPr>
               <a:t>tester </a:t>
             </a:r>
             <a:r>
-              <a:rPr lang="pt-BR" dirty="0">
+              <a:rPr lang="pt-BR" sz="2000" dirty="0">
                 <a:latin typeface="Baskerville Old Face" panose="02020602080505020303" pitchFamily="18" charset="0"/>
               </a:rPr>
               <a:t>elaboram os requisitos em conjunto.</a:t>
@@ -5106,8 +5107,8 @@
         </p:nvSpPr>
         <p:spPr>
           <a:xfrm>
-            <a:off x="9428326" y="69832"/>
-            <a:ext cx="2723919" cy="923330"/>
+            <a:off x="9429209" y="-125147"/>
+            <a:ext cx="2723919" cy="1323439"/>
           </a:xfrm>
           <a:prstGeom prst="rect">
             <a:avLst/>
@@ -5121,7 +5122,7 @@
           <a:lstStyle/>
           <a:p>
             <a:r>
-              <a:rPr lang="pt-BR" dirty="0">
+              <a:rPr lang="pt-BR" sz="2000" dirty="0">
                 <a:latin typeface="Baskerville Old Face" panose="02020602080505020303" pitchFamily="18" charset="0"/>
               </a:rPr>
               <a:t>Os cenários guiam o desenvolvedor e funcionam como testes automatizados.</a:t>
@@ -5144,7 +5145,7 @@
         <p:spPr>
           <a:xfrm>
             <a:off x="7980149" y="5608240"/>
-            <a:ext cx="3019158" cy="646331"/>
+            <a:ext cx="3019158" cy="707886"/>
           </a:xfrm>
           <a:prstGeom prst="rect">
             <a:avLst/>
@@ -5158,19 +5159,19 @@
           <a:lstStyle/>
           <a:p>
             <a:r>
-              <a:rPr lang="pt-BR" dirty="0">
+              <a:rPr lang="pt-BR" sz="2000" dirty="0">
                 <a:latin typeface="Baskerville Old Face" panose="02020602080505020303" pitchFamily="18" charset="0"/>
               </a:rPr>
               <a:t>O </a:t>
             </a:r>
             <a:r>
-              <a:rPr lang="pt-BR" i="1" dirty="0">
+              <a:rPr lang="pt-BR" sz="2000" i="1" dirty="0">
                 <a:latin typeface="Baskerville Old Face" panose="02020602080505020303" pitchFamily="18" charset="0"/>
               </a:rPr>
               <a:t>tester</a:t>
             </a:r>
             <a:r>
-              <a:rPr lang="pt-BR" dirty="0">
+              <a:rPr lang="pt-BR" sz="2000" dirty="0">
                 <a:latin typeface="Baskerville Old Face" panose="02020602080505020303" pitchFamily="18" charset="0"/>
               </a:rPr>
               <a:t> utiliza os cenários como base para os testes.</a:t>
@@ -5193,7 +5194,7 @@
         <p:spPr>
           <a:xfrm>
             <a:off x="4195786" y="5593419"/>
-            <a:ext cx="3125467" cy="1200329"/>
+            <a:ext cx="3125467" cy="1323439"/>
           </a:xfrm>
           <a:prstGeom prst="rect">
             <a:avLst/>
@@ -5207,19 +5208,19 @@
           <a:lstStyle/>
           <a:p>
             <a:r>
-              <a:rPr lang="pt-BR" dirty="0">
+              <a:rPr lang="pt-BR" sz="2000" dirty="0">
                 <a:latin typeface="Baskerville Old Face" panose="02020602080505020303" pitchFamily="18" charset="0"/>
               </a:rPr>
               <a:t>Os testes automatizados trazem </a:t>
             </a:r>
             <a:r>
-              <a:rPr lang="pt-BR" i="1" dirty="0">
+              <a:rPr lang="pt-BR" sz="2000" i="1" dirty="0">
                 <a:latin typeface="Baskerville Old Face" panose="02020602080505020303" pitchFamily="18" charset="0"/>
               </a:rPr>
               <a:t>feedback</a:t>
             </a:r>
             <a:r>
-              <a:rPr lang="pt-BR" dirty="0">
+              <a:rPr lang="pt-BR" sz="2000" dirty="0">
                 <a:latin typeface="Baskerville Old Face" panose="02020602080505020303" pitchFamily="18" charset="0"/>
               </a:rPr>
               <a:t> durante o processo e ajudam a documentar a aplicação.</a:t>
@@ -5600,7 +5601,7 @@
         </p:nvSpPr>
         <p:spPr>
           <a:xfrm>
-            <a:off x="8029450" y="592608"/>
+            <a:off x="8464165" y="934287"/>
             <a:ext cx="2642070" cy="461665"/>
           </a:xfrm>
           <a:prstGeom prst="rect">
@@ -5810,7 +5811,7 @@
         </p:nvSpPr>
         <p:spPr>
           <a:xfrm>
-            <a:off x="108074" y="966080"/>
+            <a:off x="108074" y="1085348"/>
             <a:ext cx="3138710" cy="3099029"/>
           </a:xfrm>
           <a:prstGeom prst="ellipse">
@@ -5856,66 +5857,6 @@
           </a:p>
         </p:txBody>
       </p:sp>
-      <p:pic>
-        <p:nvPicPr>
-          <p:cNvPr id="4" name="Imagem 3">
-            <a:extLst>
-              <a:ext uri="{FF2B5EF4-FFF2-40B4-BE49-F238E27FC236}">
-                <a16:creationId xmlns:a16="http://schemas.microsoft.com/office/drawing/2014/main" id="{9A0D290F-41B1-49B9-82D4-00C3AEBF0A1B}"/>
-              </a:ext>
-            </a:extLst>
-          </p:cNvPr>
-          <p:cNvPicPr>
-            <a:picLocks noChangeAspect="1"/>
-          </p:cNvPicPr>
-          <p:nvPr/>
-        </p:nvPicPr>
-        <p:blipFill>
-          <a:blip r:embed="rId2"/>
-          <a:stretch>
-            <a:fillRect/>
-          </a:stretch>
-        </p:blipFill>
-        <p:spPr>
-          <a:xfrm>
-            <a:off x="2426407" y="4223703"/>
-            <a:ext cx="9242783" cy="2516360"/>
-          </a:xfrm>
-          <a:prstGeom prst="rect">
-            <a:avLst/>
-          </a:prstGeom>
-        </p:spPr>
-      </p:pic>
-      <p:pic>
-        <p:nvPicPr>
-          <p:cNvPr id="5" name="Imagem 4">
-            <a:extLst>
-              <a:ext uri="{FF2B5EF4-FFF2-40B4-BE49-F238E27FC236}">
-                <a16:creationId xmlns:a16="http://schemas.microsoft.com/office/drawing/2014/main" id="{95E8087E-F5E6-47B1-9BFD-86396BCAF3E5}"/>
-              </a:ext>
-            </a:extLst>
-          </p:cNvPr>
-          <p:cNvPicPr>
-            <a:picLocks noChangeAspect="1"/>
-          </p:cNvPicPr>
-          <p:nvPr/>
-        </p:nvPicPr>
-        <p:blipFill>
-          <a:blip r:embed="rId3"/>
-          <a:stretch>
-            <a:fillRect/>
-          </a:stretch>
-        </p:blipFill>
-        <p:spPr>
-          <a:xfrm>
-            <a:off x="6856322" y="1385546"/>
-            <a:ext cx="5227605" cy="2669080"/>
-          </a:xfrm>
-          <a:prstGeom prst="rect">
-            <a:avLst/>
-          </a:prstGeom>
-        </p:spPr>
-      </p:pic>
       <p:sp>
         <p:nvSpPr>
           <p:cNvPr id="2" name="CaixaDeTexto 1">
@@ -5930,8 +5871,8 @@
         </p:nvSpPr>
         <p:spPr>
           <a:xfrm>
-            <a:off x="3204763" y="295057"/>
-            <a:ext cx="3676006" cy="1569660"/>
+            <a:off x="3098748" y="361317"/>
+            <a:ext cx="5791970" cy="1569660"/>
           </a:xfrm>
           <a:prstGeom prst="rect">
             <a:avLst/>
@@ -5968,7 +5909,7 @@
               <a:rPr lang="pt-BR" sz="2400" dirty="0">
                 <a:latin typeface="Baskerville Old Face" panose="02020602080505020303" pitchFamily="18" charset="0"/>
               </a:rPr>
-              <a:t>retirar dinheiro</a:t>
+              <a:t>retirar dinheiro em caixa eletrônico</a:t>
             </a:r>
           </a:p>
           <a:p>
@@ -5992,6 +5933,236 @@
             <a:endParaRPr lang="pt-BR" sz="2400" dirty="0">
               <a:latin typeface="Baskerville Old Face" panose="02020602080505020303" pitchFamily="18" charset="0"/>
             </a:endParaRPr>
+          </a:p>
+        </p:txBody>
+      </p:sp>
+      <p:sp>
+        <p:nvSpPr>
+          <p:cNvPr id="6" name="CaixaDeTexto 5">
+            <a:extLst>
+              <a:ext uri="{FF2B5EF4-FFF2-40B4-BE49-F238E27FC236}">
+                <a16:creationId xmlns:a16="http://schemas.microsoft.com/office/drawing/2014/main" id="{AC1FFCCE-CBAB-4166-902E-CF2B2D2F7078}"/>
+              </a:ext>
+            </a:extLst>
+          </p:cNvPr>
+          <p:cNvSpPr txBox="1"/>
+          <p:nvPr/>
+        </p:nvSpPr>
+        <p:spPr>
+          <a:xfrm>
+            <a:off x="4622855" y="1902351"/>
+            <a:ext cx="4953600" cy="1938992"/>
+          </a:xfrm>
+          <a:prstGeom prst="rect">
+            <a:avLst/>
+          </a:prstGeom>
+          <a:noFill/>
+        </p:spPr>
+        <p:txBody>
+          <a:bodyPr wrap="none" rtlCol="0">
+            <a:spAutoFit/>
+          </a:bodyPr>
+          <a:lstStyle/>
+          <a:p>
+            <a:r>
+              <a:rPr lang="pt-BR" sz="2000" b="1" dirty="0">
+                <a:latin typeface="Baskerville Old Face" panose="02020602080505020303" pitchFamily="18" charset="0"/>
+              </a:rPr>
+              <a:t>CENÁRIO 1 – Conta com saldo positivo</a:t>
+            </a:r>
+          </a:p>
+          <a:p>
+            <a:endParaRPr lang="pt-BR" sz="2000" b="1" dirty="0">
+              <a:latin typeface="Baskerville Old Face" panose="02020602080505020303" pitchFamily="18" charset="0"/>
+            </a:endParaRPr>
+          </a:p>
+          <a:p>
+            <a:r>
+              <a:rPr lang="pt-BR" sz="2000" b="1" dirty="0">
+                <a:latin typeface="Baskerville Old Face" panose="02020602080505020303" pitchFamily="18" charset="0"/>
+              </a:rPr>
+              <a:t>Dado: </a:t>
+            </a:r>
+            <a:r>
+              <a:rPr lang="pt-BR" sz="2000" dirty="0">
+                <a:latin typeface="Baskerville Old Face" panose="02020602080505020303" pitchFamily="18" charset="0"/>
+              </a:rPr>
+              <a:t>a conta está com R$ 500,00 de saldo</a:t>
+            </a:r>
+            <a:br>
+              <a:rPr lang="pt-BR" sz="2000" dirty="0">
+                <a:latin typeface="Baskerville Old Face" panose="02020602080505020303" pitchFamily="18" charset="0"/>
+              </a:rPr>
+            </a:br>
+            <a:r>
+              <a:rPr lang="pt-BR" sz="2000" b="1" dirty="0">
+                <a:latin typeface="Baskerville Old Face" panose="02020602080505020303" pitchFamily="18" charset="0"/>
+              </a:rPr>
+              <a:t>Quando:</a:t>
+            </a:r>
+            <a:r>
+              <a:rPr lang="pt-BR" sz="2000" dirty="0">
+                <a:latin typeface="Baskerville Old Face" panose="02020602080505020303" pitchFamily="18" charset="0"/>
+              </a:rPr>
+              <a:t> for solicitado um saque de R$ 400,00</a:t>
+            </a:r>
+            <a:br>
+              <a:rPr lang="pt-BR" sz="2000" dirty="0">
+                <a:latin typeface="Baskerville Old Face" panose="02020602080505020303" pitchFamily="18" charset="0"/>
+              </a:rPr>
+            </a:br>
+            <a:r>
+              <a:rPr lang="pt-BR" sz="2000" b="1" dirty="0">
+                <a:latin typeface="Baskerville Old Face" panose="02020602080505020303" pitchFamily="18" charset="0"/>
+              </a:rPr>
+              <a:t>Então:</a:t>
+            </a:r>
+            <a:r>
+              <a:rPr lang="pt-BR" sz="2000" dirty="0">
+                <a:latin typeface="Baskerville Old Face" panose="02020602080505020303" pitchFamily="18" charset="0"/>
+              </a:rPr>
+              <a:t> receber o valor de R$ 400,00</a:t>
+            </a:r>
+            <a:br>
+              <a:rPr lang="pt-BR" sz="2000" dirty="0">
+                <a:latin typeface="Baskerville Old Face" panose="02020602080505020303" pitchFamily="18" charset="0"/>
+              </a:rPr>
+            </a:br>
+            <a:r>
+              <a:rPr lang="pt-BR" sz="2000" b="1" dirty="0">
+                <a:latin typeface="Baskerville Old Face" panose="02020602080505020303" pitchFamily="18" charset="0"/>
+              </a:rPr>
+              <a:t>E: </a:t>
+            </a:r>
+            <a:r>
+              <a:rPr lang="pt-BR" sz="2000" dirty="0">
+                <a:latin typeface="Baskerville Old Face" panose="02020602080505020303" pitchFamily="18" charset="0"/>
+              </a:rPr>
+              <a:t>a conta deve ficar com saldo em R$ 100,00</a:t>
+            </a:r>
+          </a:p>
+        </p:txBody>
+      </p:sp>
+      <p:sp>
+        <p:nvSpPr>
+          <p:cNvPr id="7" name="Retângulo 6">
+            <a:extLst>
+              <a:ext uri="{FF2B5EF4-FFF2-40B4-BE49-F238E27FC236}">
+                <a16:creationId xmlns:a16="http://schemas.microsoft.com/office/drawing/2014/main" id="{646FAE6C-E0D9-44E2-8892-7301D0822E3D}"/>
+              </a:ext>
+            </a:extLst>
+          </p:cNvPr>
+          <p:cNvSpPr/>
+          <p:nvPr/>
+        </p:nvSpPr>
+        <p:spPr>
+          <a:xfrm>
+            <a:off x="4638267" y="4158118"/>
+            <a:ext cx="6096000" cy="2246769"/>
+          </a:xfrm>
+          <a:prstGeom prst="rect">
+            <a:avLst/>
+          </a:prstGeom>
+        </p:spPr>
+        <p:txBody>
+          <a:bodyPr>
+            <a:spAutoFit/>
+          </a:bodyPr>
+          <a:lstStyle/>
+          <a:p>
+            <a:r>
+              <a:rPr lang="pt-BR" sz="2000" b="1" dirty="0">
+                <a:latin typeface="Baskerville Old Face" panose="02020602080505020303" pitchFamily="18" charset="0"/>
+              </a:rPr>
+              <a:t>CENÁRIO 2 – Conta com saldo negativo</a:t>
+            </a:r>
+          </a:p>
+          <a:p>
+            <a:endParaRPr lang="pt-BR" sz="2000" b="1" dirty="0">
+              <a:latin typeface="Baskerville Old Face" panose="02020602080505020303" pitchFamily="18" charset="0"/>
+            </a:endParaRPr>
+          </a:p>
+          <a:p>
+            <a:r>
+              <a:rPr lang="pt-BR" sz="2000" b="1" dirty="0">
+                <a:latin typeface="Baskerville Old Face" panose="02020602080505020303" pitchFamily="18" charset="0"/>
+              </a:rPr>
+              <a:t>Dado: </a:t>
+            </a:r>
+            <a:r>
+              <a:rPr lang="pt-BR" sz="2000" dirty="0">
+                <a:latin typeface="Baskerville Old Face" panose="02020602080505020303" pitchFamily="18" charset="0"/>
+              </a:rPr>
+              <a:t>a conta está com R$ 100,00 de saldo negativo</a:t>
+            </a:r>
+            <a:br>
+              <a:rPr lang="pt-BR" sz="2000" dirty="0">
+                <a:latin typeface="Baskerville Old Face" panose="02020602080505020303" pitchFamily="18" charset="0"/>
+              </a:rPr>
+            </a:br>
+            <a:r>
+              <a:rPr lang="pt-BR" sz="2000" b="1" dirty="0">
+                <a:latin typeface="Baskerville Old Face" panose="02020602080505020303" pitchFamily="18" charset="0"/>
+              </a:rPr>
+              <a:t>Quando:</a:t>
+            </a:r>
+            <a:r>
+              <a:rPr lang="pt-BR" sz="2000" dirty="0">
+                <a:latin typeface="Baskerville Old Face" panose="02020602080505020303" pitchFamily="18" charset="0"/>
+              </a:rPr>
+              <a:t> for solicitado um saque de R$ 400,00</a:t>
+            </a:r>
+            <a:br>
+              <a:rPr lang="pt-BR" sz="2000" dirty="0">
+                <a:latin typeface="Baskerville Old Face" panose="02020602080505020303" pitchFamily="18" charset="0"/>
+              </a:rPr>
+            </a:br>
+            <a:r>
+              <a:rPr lang="pt-BR" sz="2000" b="1" dirty="0">
+                <a:latin typeface="Baskerville Old Face" panose="02020602080505020303" pitchFamily="18" charset="0"/>
+              </a:rPr>
+              <a:t>E:</a:t>
+            </a:r>
+            <a:r>
+              <a:rPr lang="pt-BR" sz="2000" dirty="0">
+                <a:latin typeface="Baskerville Old Face" panose="02020602080505020303" pitchFamily="18" charset="0"/>
+              </a:rPr>
+              <a:t> não possuir valor de cheque especial disponível</a:t>
+            </a:r>
+            <a:br>
+              <a:rPr lang="pt-BR" sz="2000" dirty="0">
+                <a:latin typeface="Baskerville Old Face" panose="02020602080505020303" pitchFamily="18" charset="0"/>
+              </a:rPr>
+            </a:br>
+            <a:r>
+              <a:rPr lang="pt-BR" sz="2000" b="1" dirty="0">
+                <a:latin typeface="Baskerville Old Face" panose="02020602080505020303" pitchFamily="18" charset="0"/>
+              </a:rPr>
+              <a:t>Então:</a:t>
+            </a:r>
+            <a:r>
+              <a:rPr lang="pt-BR" sz="2000" dirty="0">
+                <a:latin typeface="Baskerville Old Face" panose="02020602080505020303" pitchFamily="18" charset="0"/>
+              </a:rPr>
+              <a:t> receber mensagem de rejeição de operação</a:t>
+            </a:r>
+            <a:br>
+              <a:rPr lang="pt-BR" sz="2000" dirty="0">
+                <a:latin typeface="Baskerville Old Face" panose="02020602080505020303" pitchFamily="18" charset="0"/>
+              </a:rPr>
+            </a:br>
+            <a:r>
+              <a:rPr lang="pt-BR" sz="2000" b="1" dirty="0">
+                <a:latin typeface="Baskerville Old Face" panose="02020602080505020303" pitchFamily="18" charset="0"/>
+              </a:rPr>
+              <a:t>E: </a:t>
+            </a:r>
+            <a:r>
+              <a:rPr lang="pt-BR" sz="2000" dirty="0">
+                <a:latin typeface="Baskerville Old Face" panose="02020602080505020303" pitchFamily="18" charset="0"/>
+              </a:rPr>
+              <a:t>não receber valor</a:t>
+            </a:r>
           </a:p>
         </p:txBody>
       </p:sp>
@@ -6039,7 +6210,7 @@
         </p:nvSpPr>
         <p:spPr>
           <a:xfrm>
-            <a:off x="1141893" y="567102"/>
+            <a:off x="4754633" y="585678"/>
             <a:ext cx="3394134" cy="523220"/>
           </a:xfrm>
           <a:prstGeom prst="rect">
@@ -6054,7 +6225,7 @@
           <a:lstStyle/>
           <a:p>
             <a:r>
-              <a:rPr lang="pt-BR" sz="2800" dirty="0">
+              <a:rPr lang="pt-BR" sz="2800" b="1" dirty="0">
                 <a:latin typeface="Baskerville Old Face" panose="02020602080505020303" pitchFamily="18" charset="0"/>
               </a:rPr>
               <a:t>Principais frameworks</a:t>
@@ -6091,7 +6262,7 @@
         </p:blipFill>
         <p:spPr bwMode="auto">
           <a:xfrm>
-            <a:off x="2668892" y="1118529"/>
+            <a:off x="2189207" y="1688155"/>
             <a:ext cx="2163163" cy="2163163"/>
           </a:xfrm>
           <a:prstGeom prst="rect">
@@ -6138,7 +6309,7 @@
         </p:blipFill>
         <p:spPr bwMode="auto">
           <a:xfrm>
-            <a:off x="7047830" y="1388109"/>
+            <a:off x="6568145" y="1957735"/>
             <a:ext cx="4082329" cy="1638051"/>
           </a:xfrm>
           <a:prstGeom prst="rect">
@@ -6185,7 +6356,7 @@
         </p:blipFill>
         <p:spPr bwMode="auto">
           <a:xfrm>
-            <a:off x="2567528" y="4015215"/>
+            <a:off x="2087843" y="4584841"/>
             <a:ext cx="3093475" cy="1079494"/>
           </a:xfrm>
           <a:prstGeom prst="rect">
@@ -6232,7 +6403,7 @@
         </p:blipFill>
         <p:spPr bwMode="auto">
           <a:xfrm>
-            <a:off x="6931385" y="4354964"/>
+            <a:off x="6451700" y="4924590"/>
             <a:ext cx="3948979" cy="824512"/>
           </a:xfrm>
           <a:prstGeom prst="rect">
@@ -6342,7 +6513,7 @@
         </p:nvSpPr>
         <p:spPr>
           <a:xfrm>
-            <a:off x="830580" y="1616713"/>
+            <a:off x="1234488" y="1616713"/>
             <a:ext cx="3144979" cy="2308324"/>
           </a:xfrm>
           <a:prstGeom prst="rect">
@@ -6379,7 +6550,7 @@
         </p:nvSpPr>
         <p:spPr>
           <a:xfrm>
-            <a:off x="1122225" y="665016"/>
+            <a:off x="5215882" y="779412"/>
             <a:ext cx="4378036" cy="523220"/>
           </a:xfrm>
           <a:prstGeom prst="rect">
@@ -6394,10 +6565,10 @@
           <a:lstStyle/>
           <a:p>
             <a:r>
-              <a:rPr lang="pt-BR" sz="2800" dirty="0">
-                <a:latin typeface="Baskerville Old Face" panose="02020602080505020303" pitchFamily="18" charset="0"/>
-              </a:rPr>
-              <a:t>Vantagens do BDD</a:t>
+              <a:rPr lang="pt-BR" sz="2800" b="1" dirty="0">
+                <a:latin typeface="Baskerville Old Face" panose="02020602080505020303" pitchFamily="18" charset="0"/>
+              </a:rPr>
+              <a:t>Conclusões</a:t>
             </a:r>
           </a:p>
         </p:txBody>
@@ -6416,7 +6587,7 @@
         </p:nvSpPr>
         <p:spPr>
           <a:xfrm>
-            <a:off x="4876805" y="2644169"/>
+            <a:off x="5027143" y="1616713"/>
             <a:ext cx="3144979" cy="1200329"/>
           </a:xfrm>
           <a:prstGeom prst="rect">
@@ -6453,7 +6624,7 @@
         </p:nvSpPr>
         <p:spPr>
           <a:xfrm>
-            <a:off x="9149319" y="3013501"/>
+            <a:off x="8711186" y="4651902"/>
             <a:ext cx="2438389" cy="830997"/>
           </a:xfrm>
           <a:prstGeom prst="rect">
@@ -6490,7 +6661,7 @@
         </p:nvSpPr>
         <p:spPr>
           <a:xfrm>
-            <a:off x="2000283" y="4510795"/>
+            <a:off x="1234488" y="4651902"/>
             <a:ext cx="2876522" cy="1938992"/>
           </a:xfrm>
           <a:prstGeom prst="rect">
@@ -6533,7 +6704,7 @@
         </p:nvSpPr>
         <p:spPr>
           <a:xfrm>
-            <a:off x="8193253" y="702335"/>
+            <a:off x="8711186" y="1616713"/>
             <a:ext cx="2876522" cy="1569660"/>
           </a:xfrm>
           <a:prstGeom prst="rect">
@@ -6576,7 +6747,7 @@
         </p:nvSpPr>
         <p:spPr>
           <a:xfrm>
-            <a:off x="7414390" y="4508451"/>
+            <a:off x="5027143" y="4651902"/>
             <a:ext cx="2377757" cy="2308324"/>
           </a:xfrm>
           <a:prstGeom prst="rect">
@@ -6623,6 +6794,139 @@
     <p:extLst>
       <p:ext uri="{BB962C8B-B14F-4D97-AF65-F5344CB8AC3E}">
         <p14:creationId xmlns:p14="http://schemas.microsoft.com/office/powerpoint/2010/main" val="2930401200"/>
+      </p:ext>
+    </p:extLst>
+  </p:cSld>
+  <p:clrMapOvr>
+    <a:masterClrMapping/>
+  </p:clrMapOvr>
+</p:sld>
+</file>
+
+<file path=ppt/slides/slide9.xml><?xml version="1.0" encoding="utf-8"?>
+<p:sld xmlns:a="http://schemas.openxmlformats.org/drawingml/2006/main" xmlns:r="http://schemas.openxmlformats.org/officeDocument/2006/relationships" xmlns:p="http://schemas.openxmlformats.org/presentationml/2006/main">
+  <p:cSld>
+    <p:spTree>
+      <p:nvGrpSpPr>
+        <p:cNvPr id="1" name=""/>
+        <p:cNvGrpSpPr/>
+        <p:nvPr/>
+      </p:nvGrpSpPr>
+      <p:grpSpPr>
+        <a:xfrm>
+          <a:off x="0" y="0"/>
+          <a:ext cx="0" cy="0"/>
+          <a:chOff x="0" y="0"/>
+          <a:chExt cx="0" cy="0"/>
+        </a:xfrm>
+      </p:grpSpPr>
+      <p:sp>
+        <p:nvSpPr>
+          <p:cNvPr id="2" name="CaixaDeTexto 1">
+            <a:extLst>
+              <a:ext uri="{FF2B5EF4-FFF2-40B4-BE49-F238E27FC236}">
+                <a16:creationId xmlns:a16="http://schemas.microsoft.com/office/drawing/2014/main" id="{9781F599-A780-4646-987E-8A99B200ED8B}"/>
+              </a:ext>
+            </a:extLst>
+          </p:cNvPr>
+          <p:cNvSpPr txBox="1"/>
+          <p:nvPr/>
+        </p:nvSpPr>
+        <p:spPr>
+          <a:xfrm>
+            <a:off x="4901783" y="1229194"/>
+            <a:ext cx="1832553" cy="523220"/>
+          </a:xfrm>
+          <a:prstGeom prst="rect">
+            <a:avLst/>
+          </a:prstGeom>
+          <a:noFill/>
+        </p:spPr>
+        <p:txBody>
+          <a:bodyPr wrap="none" rtlCol="0">
+            <a:spAutoFit/>
+          </a:bodyPr>
+          <a:lstStyle/>
+          <a:p>
+            <a:pPr algn="ctr"/>
+            <a:r>
+              <a:rPr lang="pt-BR" sz="2800" b="1" dirty="0">
+                <a:latin typeface="Baskerville Old Face" panose="02020602080505020303" pitchFamily="18" charset="0"/>
+              </a:rPr>
+              <a:t>Referências</a:t>
+            </a:r>
+          </a:p>
+        </p:txBody>
+      </p:sp>
+      <p:sp>
+        <p:nvSpPr>
+          <p:cNvPr id="3" name="CaixaDeTexto 2">
+            <a:extLst>
+              <a:ext uri="{FF2B5EF4-FFF2-40B4-BE49-F238E27FC236}">
+                <a16:creationId xmlns:a16="http://schemas.microsoft.com/office/drawing/2014/main" id="{6268B214-BE1B-46E6-8535-C34AD73583E5}"/>
+              </a:ext>
+            </a:extLst>
+          </p:cNvPr>
+          <p:cNvSpPr txBox="1"/>
+          <p:nvPr/>
+        </p:nvSpPr>
+        <p:spPr>
+          <a:xfrm>
+            <a:off x="4512039" y="2644170"/>
+            <a:ext cx="2547492" cy="1569660"/>
+          </a:xfrm>
+          <a:prstGeom prst="rect">
+            <a:avLst/>
+          </a:prstGeom>
+          <a:noFill/>
+        </p:spPr>
+        <p:txBody>
+          <a:bodyPr wrap="none" rtlCol="0">
+            <a:spAutoFit/>
+          </a:bodyPr>
+          <a:lstStyle/>
+          <a:p>
+            <a:pPr algn="ctr"/>
+            <a:r>
+              <a:rPr lang="pt-BR" sz="2400" dirty="0">
+                <a:latin typeface="Baskerville Old Face" panose="02020602080505020303" pitchFamily="18" charset="0"/>
+              </a:rPr>
+              <a:t>- Dannorth.net</a:t>
+            </a:r>
+          </a:p>
+          <a:p>
+            <a:pPr algn="ctr"/>
+            <a:r>
+              <a:rPr lang="pt-BR" sz="2400" dirty="0">
+                <a:latin typeface="Baskerville Old Face" panose="02020602080505020303" pitchFamily="18" charset="0"/>
+              </a:rPr>
+              <a:t>- Devmedia.com.br</a:t>
+            </a:r>
+          </a:p>
+          <a:p>
+            <a:pPr algn="ctr"/>
+            <a:r>
+              <a:rPr lang="pt-BR" sz="2400" dirty="0">
+                <a:latin typeface="Baskerville Old Face" panose="02020602080505020303" pitchFamily="18" charset="0"/>
+              </a:rPr>
+              <a:t>- Medium.com</a:t>
+            </a:r>
+          </a:p>
+          <a:p>
+            <a:pPr algn="ctr"/>
+            <a:r>
+              <a:rPr lang="pt-BR" sz="2400" dirty="0">
+                <a:latin typeface="Baskerville Old Face" panose="02020602080505020303" pitchFamily="18" charset="0"/>
+              </a:rPr>
+              <a:t>- Broncodev.com</a:t>
+            </a:r>
+          </a:p>
+        </p:txBody>
+      </p:sp>
+    </p:spTree>
+    <p:extLst>
+      <p:ext uri="{BB962C8B-B14F-4D97-AF65-F5344CB8AC3E}">
+        <p14:creationId xmlns:p14="http://schemas.microsoft.com/office/powerpoint/2010/main" val="12125917"/>
       </p:ext>
     </p:extLst>
   </p:cSld>

--- a/2SEM/IES100 - Engenharia de Software I/BDD - Behavior Driven Development/apresentacao-oficial_BDD.pptx
+++ b/2SEM/IES100 - Engenharia de Software I/BDD - Behavior Driven Development/apresentacao-oficial_BDD.pptx
@@ -5951,7 +5951,7 @@
         <p:spPr>
           <a:xfrm>
             <a:off x="4622855" y="1902351"/>
-            <a:ext cx="4953600" cy="1938992"/>
+            <a:ext cx="5028941" cy="1938992"/>
           </a:xfrm>
           <a:prstGeom prst="rect">
             <a:avLst/>
@@ -5981,7 +5981,7 @@
               <a:rPr lang="pt-BR" sz="2000" b="1" dirty="0">
                 <a:latin typeface="Baskerville Old Face" panose="02020602080505020303" pitchFamily="18" charset="0"/>
               </a:rPr>
-              <a:t>Dado: </a:t>
+              <a:t>Dado que: </a:t>
             </a:r>
             <a:r>
               <a:rPr lang="pt-BR" sz="2000" dirty="0">
@@ -6087,7 +6087,7 @@
               <a:rPr lang="pt-BR" sz="2000" b="1" dirty="0">
                 <a:latin typeface="Baskerville Old Face" panose="02020602080505020303" pitchFamily="18" charset="0"/>
               </a:rPr>
-              <a:t>Dado: </a:t>
+              <a:t>Dado que: </a:t>
             </a:r>
             <a:r>
               <a:rPr lang="pt-BR" sz="2000" dirty="0">
@@ -6162,6 +6162,87 @@
                 <a:latin typeface="Baskerville Old Face" panose="02020602080505020303" pitchFamily="18" charset="0"/>
               </a:rPr>
               <a:t>não receber valor</a:t>
+            </a:r>
+          </a:p>
+        </p:txBody>
+      </p:sp>
+      <p:sp>
+        <p:nvSpPr>
+          <p:cNvPr id="4" name="Chave Direita 3">
+            <a:extLst>
+              <a:ext uri="{FF2B5EF4-FFF2-40B4-BE49-F238E27FC236}">
+                <a16:creationId xmlns:a16="http://schemas.microsoft.com/office/drawing/2014/main" id="{08721F2E-4880-4BF4-BB48-3435FF1611D6}"/>
+              </a:ext>
+            </a:extLst>
+          </p:cNvPr>
+          <p:cNvSpPr/>
+          <p:nvPr/>
+        </p:nvSpPr>
+        <p:spPr>
+          <a:xfrm>
+            <a:off x="8430101" y="209862"/>
+            <a:ext cx="1004341" cy="1375714"/>
+          </a:xfrm>
+          <a:prstGeom prst="rightBrace">
+            <a:avLst/>
+          </a:prstGeom>
+        </p:spPr>
+        <p:style>
+          <a:lnRef idx="1">
+            <a:schemeClr val="accent1"/>
+          </a:lnRef>
+          <a:fillRef idx="0">
+            <a:schemeClr val="accent1"/>
+          </a:fillRef>
+          <a:effectRef idx="0">
+            <a:schemeClr val="accent1"/>
+          </a:effectRef>
+          <a:fontRef idx="minor">
+            <a:schemeClr val="tx1"/>
+          </a:fontRef>
+        </p:style>
+        <p:txBody>
+          <a:bodyPr rtlCol="0" anchor="ctr"/>
+          <a:lstStyle/>
+          <a:p>
+            <a:pPr algn="ctr"/>
+            <a:endParaRPr lang="pt-BR"/>
+          </a:p>
+        </p:txBody>
+      </p:sp>
+      <p:sp>
+        <p:nvSpPr>
+          <p:cNvPr id="5" name="CaixaDeTexto 4">
+            <a:extLst>
+              <a:ext uri="{FF2B5EF4-FFF2-40B4-BE49-F238E27FC236}">
+                <a16:creationId xmlns:a16="http://schemas.microsoft.com/office/drawing/2014/main" id="{747513EC-B0A9-427E-AF55-E866A9F22B92}"/>
+              </a:ext>
+            </a:extLst>
+          </p:cNvPr>
+          <p:cNvSpPr txBox="1"/>
+          <p:nvPr/>
+        </p:nvSpPr>
+        <p:spPr>
+          <a:xfrm>
+            <a:off x="9663328" y="697664"/>
+            <a:ext cx="2313454" cy="400110"/>
+          </a:xfrm>
+          <a:prstGeom prst="rect">
+            <a:avLst/>
+          </a:prstGeom>
+          <a:noFill/>
+        </p:spPr>
+        <p:txBody>
+          <a:bodyPr wrap="none" rtlCol="0">
+            <a:spAutoFit/>
+          </a:bodyPr>
+          <a:lstStyle/>
+          <a:p>
+            <a:r>
+              <a:rPr lang="pt-BR" sz="2000" dirty="0">
+                <a:latin typeface="Baskerville Old Face" panose="02020602080505020303" pitchFamily="18" charset="0"/>
+              </a:rPr>
+              <a:t>Narrativa da História</a:t>
             </a:r>
           </a:p>
         </p:txBody>
@@ -6872,7 +6953,7 @@
         </p:nvSpPr>
         <p:spPr>
           <a:xfrm>
-            <a:off x="4512039" y="2644170"/>
+            <a:off x="4544313" y="2644170"/>
             <a:ext cx="2547492" cy="1569660"/>
           </a:xfrm>
           <a:prstGeom prst="rect">
@@ -6886,7 +6967,7 @@
           </a:bodyPr>
           <a:lstStyle/>
           <a:p>
-            <a:pPr algn="ctr"/>
+            <a:pPr algn="just"/>
             <a:r>
               <a:rPr lang="pt-BR" sz="2400" dirty="0">
                 <a:latin typeface="Baskerville Old Face" panose="02020602080505020303" pitchFamily="18" charset="0"/>
@@ -6895,7 +6976,7 @@
             </a:r>
           </a:p>
           <a:p>
-            <a:pPr algn="ctr"/>
+            <a:pPr algn="just"/>
             <a:r>
               <a:rPr lang="pt-BR" sz="2400" dirty="0">
                 <a:latin typeface="Baskerville Old Face" panose="02020602080505020303" pitchFamily="18" charset="0"/>
@@ -6904,7 +6985,7 @@
             </a:r>
           </a:p>
           <a:p>
-            <a:pPr algn="ctr"/>
+            <a:pPr algn="just"/>
             <a:r>
               <a:rPr lang="pt-BR" sz="2400" dirty="0">
                 <a:latin typeface="Baskerville Old Face" panose="02020602080505020303" pitchFamily="18" charset="0"/>
@@ -6913,7 +6994,7 @@
             </a:r>
           </a:p>
           <a:p>
-            <a:pPr algn="ctr"/>
+            <a:pPr algn="just"/>
             <a:r>
               <a:rPr lang="pt-BR" sz="2400" dirty="0">
                 <a:latin typeface="Baskerville Old Face" panose="02020602080505020303" pitchFamily="18" charset="0"/>
